--- a/SV_final_project_ppt.pptx
+++ b/SV_final_project_ppt.pptx
@@ -6,26 +6,27 @@
   </p:sldMasterIdLst>
   <p:sldIdLst>
     <p:sldId id="265" r:id="rId2"/>
-    <p:sldId id="256" r:id="rId3"/>
-    <p:sldId id="258" r:id="rId4"/>
-    <p:sldId id="259" r:id="rId5"/>
-    <p:sldId id="261" r:id="rId6"/>
-    <p:sldId id="260" r:id="rId7"/>
-    <p:sldId id="269" r:id="rId8"/>
-    <p:sldId id="268" r:id="rId9"/>
-    <p:sldId id="267" r:id="rId10"/>
-    <p:sldId id="262" r:id="rId11"/>
-    <p:sldId id="263" r:id="rId12"/>
-    <p:sldId id="264" r:id="rId13"/>
-    <p:sldId id="266" r:id="rId14"/>
-    <p:sldId id="273" r:id="rId15"/>
-    <p:sldId id="274" r:id="rId16"/>
-    <p:sldId id="275" r:id="rId17"/>
-    <p:sldId id="270" r:id="rId18"/>
-    <p:sldId id="271" r:id="rId19"/>
-    <p:sldId id="272" r:id="rId20"/>
-    <p:sldId id="276" r:id="rId21"/>
-    <p:sldId id="277" r:id="rId22"/>
+    <p:sldId id="279" r:id="rId3"/>
+    <p:sldId id="256" r:id="rId4"/>
+    <p:sldId id="258" r:id="rId5"/>
+    <p:sldId id="259" r:id="rId6"/>
+    <p:sldId id="261" r:id="rId7"/>
+    <p:sldId id="260" r:id="rId8"/>
+    <p:sldId id="269" r:id="rId9"/>
+    <p:sldId id="268" r:id="rId10"/>
+    <p:sldId id="267" r:id="rId11"/>
+    <p:sldId id="262" r:id="rId12"/>
+    <p:sldId id="263" r:id="rId13"/>
+    <p:sldId id="264" r:id="rId14"/>
+    <p:sldId id="266" r:id="rId15"/>
+    <p:sldId id="273" r:id="rId16"/>
+    <p:sldId id="274" r:id="rId17"/>
+    <p:sldId id="275" r:id="rId18"/>
+    <p:sldId id="270" r:id="rId19"/>
+    <p:sldId id="271" r:id="rId20"/>
+    <p:sldId id="272" r:id="rId21"/>
+    <p:sldId id="276" r:id="rId22"/>
+    <p:sldId id="277" r:id="rId23"/>
   </p:sldIdLst>
   <p:sldSz cx="12192000" cy="6858000"/>
   <p:notesSz cx="6858000" cy="9144000"/>
@@ -124,6 +125,11 @@
       </a:defRPr>
     </a:lvl9pPr>
   </p:defaultTextStyle>
+  <p:extLst>
+    <p:ext uri="{EFAFB233-063F-42B5-8137-9DF3F51BA10A}">
+      <p15:sldGuideLst xmlns:p15="http://schemas.microsoft.com/office/powerpoint/2012/main"/>
+    </p:ext>
+  </p:extLst>
 </p:presentation>
 </file>
 
@@ -274,7 +280,7 @@
           <a:p>
             <a:fld id="{4C4E8DED-51CE-4F22-A9B1-C7A7852516B7}" type="datetimeFigureOut">
               <a:rPr lang="en-US" smtClean="0"/>
-              <a:t>3/21/2023</a:t>
+              <a:t>3/22/2023</a:t>
             </a:fld>
             <a:endParaRPr lang="en-US"/>
           </a:p>
@@ -472,7 +478,7 @@
           <a:p>
             <a:fld id="{4C4E8DED-51CE-4F22-A9B1-C7A7852516B7}" type="datetimeFigureOut">
               <a:rPr lang="en-US" smtClean="0"/>
-              <a:t>3/21/2023</a:t>
+              <a:t>3/22/2023</a:t>
             </a:fld>
             <a:endParaRPr lang="en-US"/>
           </a:p>
@@ -680,7 +686,7 @@
           <a:p>
             <a:fld id="{4C4E8DED-51CE-4F22-A9B1-C7A7852516B7}" type="datetimeFigureOut">
               <a:rPr lang="en-US" smtClean="0"/>
-              <a:t>3/21/2023</a:t>
+              <a:t>3/22/2023</a:t>
             </a:fld>
             <a:endParaRPr lang="en-US"/>
           </a:p>
@@ -878,7 +884,7 @@
           <a:p>
             <a:fld id="{4C4E8DED-51CE-4F22-A9B1-C7A7852516B7}" type="datetimeFigureOut">
               <a:rPr lang="en-US" smtClean="0"/>
-              <a:t>3/21/2023</a:t>
+              <a:t>3/22/2023</a:t>
             </a:fld>
             <a:endParaRPr lang="en-US"/>
           </a:p>
@@ -1153,7 +1159,7 @@
           <a:p>
             <a:fld id="{4C4E8DED-51CE-4F22-A9B1-C7A7852516B7}" type="datetimeFigureOut">
               <a:rPr lang="en-US" smtClean="0"/>
-              <a:t>3/21/2023</a:t>
+              <a:t>3/22/2023</a:t>
             </a:fld>
             <a:endParaRPr lang="en-US"/>
           </a:p>
@@ -1418,7 +1424,7 @@
           <a:p>
             <a:fld id="{4C4E8DED-51CE-4F22-A9B1-C7A7852516B7}" type="datetimeFigureOut">
               <a:rPr lang="en-US" smtClean="0"/>
-              <a:t>3/21/2023</a:t>
+              <a:t>3/22/2023</a:t>
             </a:fld>
             <a:endParaRPr lang="en-US"/>
           </a:p>
@@ -1830,7 +1836,7 @@
           <a:p>
             <a:fld id="{4C4E8DED-51CE-4F22-A9B1-C7A7852516B7}" type="datetimeFigureOut">
               <a:rPr lang="en-US" smtClean="0"/>
-              <a:t>3/21/2023</a:t>
+              <a:t>3/22/2023</a:t>
             </a:fld>
             <a:endParaRPr lang="en-US"/>
           </a:p>
@@ -1971,7 +1977,7 @@
           <a:p>
             <a:fld id="{4C4E8DED-51CE-4F22-A9B1-C7A7852516B7}" type="datetimeFigureOut">
               <a:rPr lang="en-US" smtClean="0"/>
-              <a:t>3/21/2023</a:t>
+              <a:t>3/22/2023</a:t>
             </a:fld>
             <a:endParaRPr lang="en-US"/>
           </a:p>
@@ -2084,7 +2090,7 @@
           <a:p>
             <a:fld id="{4C4E8DED-51CE-4F22-A9B1-C7A7852516B7}" type="datetimeFigureOut">
               <a:rPr lang="en-US" smtClean="0"/>
-              <a:t>3/21/2023</a:t>
+              <a:t>3/22/2023</a:t>
             </a:fld>
             <a:endParaRPr lang="en-US"/>
           </a:p>
@@ -2395,7 +2401,7 @@
           <a:p>
             <a:fld id="{4C4E8DED-51CE-4F22-A9B1-C7A7852516B7}" type="datetimeFigureOut">
               <a:rPr lang="en-US" smtClean="0"/>
-              <a:t>3/21/2023</a:t>
+              <a:t>3/22/2023</a:t>
             </a:fld>
             <a:endParaRPr lang="en-US"/>
           </a:p>
@@ -2683,7 +2689,7 @@
           <a:p>
             <a:fld id="{4C4E8DED-51CE-4F22-A9B1-C7A7852516B7}" type="datetimeFigureOut">
               <a:rPr lang="en-US" smtClean="0"/>
-              <a:t>3/21/2023</a:t>
+              <a:t>3/22/2023</a:t>
             </a:fld>
             <a:endParaRPr lang="en-US"/>
           </a:p>
@@ -2924,7 +2930,7 @@
           <a:p>
             <a:fld id="{4C4E8DED-51CE-4F22-A9B1-C7A7852516B7}" type="datetimeFigureOut">
               <a:rPr lang="en-US" smtClean="0"/>
-              <a:t>3/21/2023</a:t>
+              <a:t>3/22/2023</a:t>
             </a:fld>
             <a:endParaRPr lang="en-US"/>
           </a:p>
@@ -3527,7 +3533,7 @@
           <p:cNvPr id="2" name="Title 1">
             <a:extLst>
               <a:ext uri="{FF2B5EF4-FFF2-40B4-BE49-F238E27FC236}">
-                <a16:creationId xmlns:a16="http://schemas.microsoft.com/office/drawing/2014/main" id="{C79B90FD-ADE8-E4CC-2226-E05304BD63A6}"/>
+                <a16:creationId xmlns:a16="http://schemas.microsoft.com/office/drawing/2014/main" id="{47CE5AE9-26EF-DEBB-91F1-EEDBEA88F56B}"/>
               </a:ext>
             </a:extLst>
           </p:cNvPr>
@@ -3545,7 +3551,7 @@
           <a:p>
             <a:r>
               <a:rPr lang="en-US" u="sng" dirty="0"/>
-              <a:t>Challenges when implementing design:</a:t>
+              <a:t>Design Implementation:</a:t>
             </a:r>
           </a:p>
         </p:txBody>
@@ -3555,7 +3561,7 @@
           <p:cNvPr id="3" name="Content Placeholder 2">
             <a:extLst>
               <a:ext uri="{FF2B5EF4-FFF2-40B4-BE49-F238E27FC236}">
-                <a16:creationId xmlns:a16="http://schemas.microsoft.com/office/drawing/2014/main" id="{C7ABE598-20C7-7984-BDA6-1D7506AC9662}"/>
+                <a16:creationId xmlns:a16="http://schemas.microsoft.com/office/drawing/2014/main" id="{7E7880CD-CD16-7090-544D-F031D69344DC}"/>
               </a:ext>
             </a:extLst>
           </p:cNvPr>
@@ -3566,43 +3572,26 @@
             <p:ph idx="1"/>
           </p:nvPr>
         </p:nvSpPr>
-        <p:spPr>
-          <a:xfrm>
-            <a:off x="838200" y="1825625"/>
-            <a:ext cx="10515600" cy="4351338"/>
-          </a:xfrm>
-        </p:spPr>
+        <p:spPr/>
         <p:txBody>
           <a:bodyPr/>
           <a:lstStyle/>
           <a:p>
             <a:r>
               <a:rPr lang="en-US" dirty="0"/>
-              <a:t>Understanding the architecture of RISC processor.</a:t>
+              <a:t>We started by defining the input ports and output ports of each module.</a:t>
             </a:r>
           </a:p>
           <a:p>
             <a:r>
               <a:rPr lang="en-US" dirty="0"/>
-              <a:t>Connection issues while instantiating and connecting the modules.</a:t>
+              <a:t>Documented the requirements of each module.</a:t>
             </a:r>
           </a:p>
           <a:p>
             <a:r>
               <a:rPr lang="en-US" dirty="0"/>
-              <a:t>Compilation errors while compiling the design.</a:t>
-            </a:r>
-          </a:p>
-          <a:p>
-            <a:r>
-              <a:rPr lang="en-US" dirty="0"/>
-              <a:t>Errors while calling the files in the design.</a:t>
-            </a:r>
-          </a:p>
-          <a:p>
-            <a:r>
-              <a:rPr lang="en-US" dirty="0"/>
-              <a:t>Faced little difficulty while implementing the control flow instructions.</a:t>
+              <a:t>Coded the design taking into consideration all the possible scenarios and exceptions.</a:t>
             </a:r>
           </a:p>
         </p:txBody>
@@ -3610,7 +3599,7 @@
     </p:spTree>
     <p:extLst>
       <p:ext uri="{BB962C8B-B14F-4D97-AF65-F5344CB8AC3E}">
-        <p14:creationId xmlns:p14="http://schemas.microsoft.com/office/powerpoint/2010/main" val="896936638"/>
+        <p14:creationId xmlns:p14="http://schemas.microsoft.com/office/powerpoint/2010/main" val="177405831"/>
       </p:ext>
     </p:extLst>
   </p:cSld>
@@ -3642,7 +3631,7 @@
           <p:cNvPr id="2" name="Title 1">
             <a:extLst>
               <a:ext uri="{FF2B5EF4-FFF2-40B4-BE49-F238E27FC236}">
-                <a16:creationId xmlns:a16="http://schemas.microsoft.com/office/drawing/2014/main" id="{7FF0F74E-27A3-F1B6-9BED-2F8EA557EAE0}"/>
+                <a16:creationId xmlns:a16="http://schemas.microsoft.com/office/drawing/2014/main" id="{C79B90FD-ADE8-E4CC-2226-E05304BD63A6}"/>
               </a:ext>
             </a:extLst>
           </p:cNvPr>
@@ -3660,7 +3649,7 @@
           <a:p>
             <a:r>
               <a:rPr lang="en-US" u="sng" dirty="0"/>
-              <a:t>Approach to overcome the challenges:</a:t>
+              <a:t>Challenges when implementing design:</a:t>
             </a:r>
           </a:p>
         </p:txBody>
@@ -3670,7 +3659,7 @@
           <p:cNvPr id="3" name="Content Placeholder 2">
             <a:extLst>
               <a:ext uri="{FF2B5EF4-FFF2-40B4-BE49-F238E27FC236}">
-                <a16:creationId xmlns:a16="http://schemas.microsoft.com/office/drawing/2014/main" id="{8B57D06F-7F28-8DCD-85C8-9AD87C31EED2}"/>
+                <a16:creationId xmlns:a16="http://schemas.microsoft.com/office/drawing/2014/main" id="{C7ABE598-20C7-7984-BDA6-1D7506AC9662}"/>
               </a:ext>
             </a:extLst>
           </p:cNvPr>
@@ -3681,60 +3670,51 @@
             <p:ph idx="1"/>
           </p:nvPr>
         </p:nvSpPr>
-        <p:spPr/>
+        <p:spPr>
+          <a:xfrm>
+            <a:off x="838200" y="1825625"/>
+            <a:ext cx="10515600" cy="4351338"/>
+          </a:xfrm>
+        </p:spPr>
         <p:txBody>
           <a:bodyPr/>
           <a:lstStyle/>
           <a:p>
-            <a:endParaRPr lang="en-US" dirty="0"/>
-          </a:p>
-          <a:p>
             <a:r>
               <a:rPr lang="en-US" dirty="0"/>
-              <a:t>Redrawing the architecture (adding mux and wires ) to make it easier and simple.</a:t>
+              <a:t>Understanding the architecture of RISC processor.</a:t>
             </a:r>
           </a:p>
           <a:p>
             <a:r>
               <a:rPr lang="en-US" dirty="0"/>
-              <a:t>We used Divide and Conquer methodology to understand the functionality.</a:t>
+              <a:t>Connection issues while instantiating and connecting the modules.</a:t>
             </a:r>
           </a:p>
           <a:p>
             <a:r>
               <a:rPr lang="en-US" dirty="0"/>
-              <a:t>To reduce the compilation errors, we went through the code line by line and rectified the mistakes likes not using colons, closing braces </a:t>
-            </a:r>
-            <a:r>
-              <a:rPr lang="en-US" dirty="0" err="1"/>
-              <a:t>etc</a:t>
-            </a:r>
+              <a:t>Compilation errors while compiling the design.</a:t>
+            </a:r>
+          </a:p>
+          <a:p>
             <a:r>
               <a:rPr lang="en-US" dirty="0"/>
-              <a:t> and recompiled it again.</a:t>
-            </a:r>
-          </a:p>
-          <a:p>
-            <a:endParaRPr lang="en-US" dirty="0"/>
-          </a:p>
-          <a:p>
-            <a:endParaRPr lang="en-US" dirty="0"/>
-          </a:p>
-          <a:p>
-            <a:endParaRPr lang="en-US" dirty="0"/>
-          </a:p>
-          <a:p>
-            <a:endParaRPr lang="en-US" dirty="0"/>
-          </a:p>
-          <a:p>
-            <a:endParaRPr lang="en-US" dirty="0"/>
+              <a:t>Errors while calling the files in the design.</a:t>
+            </a:r>
+          </a:p>
+          <a:p>
+            <a:r>
+              <a:rPr lang="en-US" dirty="0"/>
+              <a:t>Faced little difficulty while implementing the control flow instructions.</a:t>
+            </a:r>
           </a:p>
         </p:txBody>
       </p:sp>
     </p:spTree>
     <p:extLst>
       <p:ext uri="{BB962C8B-B14F-4D97-AF65-F5344CB8AC3E}">
-        <p14:creationId xmlns:p14="http://schemas.microsoft.com/office/powerpoint/2010/main" val="183828232"/>
+        <p14:creationId xmlns:p14="http://schemas.microsoft.com/office/powerpoint/2010/main" val="896936638"/>
       </p:ext>
     </p:extLst>
   </p:cSld>
@@ -3766,7 +3746,7 @@
           <p:cNvPr id="2" name="Title 1">
             <a:extLst>
               <a:ext uri="{FF2B5EF4-FFF2-40B4-BE49-F238E27FC236}">
-                <a16:creationId xmlns:a16="http://schemas.microsoft.com/office/drawing/2014/main" id="{49D94324-701A-1676-0512-D5DD88FDDFC5}"/>
+                <a16:creationId xmlns:a16="http://schemas.microsoft.com/office/drawing/2014/main" id="{7FF0F74E-27A3-F1B6-9BED-2F8EA557EAE0}"/>
               </a:ext>
             </a:extLst>
           </p:cNvPr>
@@ -3784,7 +3764,7 @@
           <a:p>
             <a:r>
               <a:rPr lang="en-US" u="sng" dirty="0"/>
-              <a:t>Test Plan &amp; Testing Methodology:</a:t>
+              <a:t>Approach to overcome the challenges:</a:t>
             </a:r>
           </a:p>
         </p:txBody>
@@ -3794,7 +3774,7 @@
           <p:cNvPr id="3" name="Content Placeholder 2">
             <a:extLst>
               <a:ext uri="{FF2B5EF4-FFF2-40B4-BE49-F238E27FC236}">
-                <a16:creationId xmlns:a16="http://schemas.microsoft.com/office/drawing/2014/main" id="{62811A6A-42B6-3F8A-5719-015858B4147F}"/>
+                <a16:creationId xmlns:a16="http://schemas.microsoft.com/office/drawing/2014/main" id="{8B57D06F-7F28-8DCD-85C8-9AD87C31EED2}"/>
               </a:ext>
             </a:extLst>
           </p:cNvPr>
@@ -3810,61 +3790,44 @@
           <a:bodyPr/>
           <a:lstStyle/>
           <a:p>
+            <a:endParaRPr lang="en-US" dirty="0"/>
+          </a:p>
+          <a:p>
             <a:r>
               <a:rPr lang="en-US" dirty="0"/>
-              <a:t>We used </a:t>
+              <a:t>Redrawing the architecture (adding mux and wires ) to make it easier and simple.</a:t>
+            </a:r>
+          </a:p>
+          <a:p>
+            <a:r>
+              <a:rPr lang="en-US" dirty="0"/>
+              <a:t>We used Divide and Conquer methodology to understand the functionality.</a:t>
+            </a:r>
+          </a:p>
+          <a:p>
+            <a:r>
+              <a:rPr lang="en-US" dirty="0"/>
+              <a:t>To reduce the compilation errors, we went through the code line by line and rectified the mistakes likes not using colons, closing braces </a:t>
             </a:r>
             <a:r>
               <a:rPr lang="en-US" dirty="0" err="1"/>
-              <a:t>systemverilog</a:t>
+              <a:t>etc</a:t>
             </a:r>
             <a:r>
               <a:rPr lang="en-US" dirty="0"/>
-              <a:t> to code the design and testbench. </a:t>
-            </a:r>
-          </a:p>
-          <a:p>
-            <a:r>
-              <a:rPr lang="en-US" dirty="0"/>
-              <a:t>We started with a directed testbench by giving the inputs through the </a:t>
-            </a:r>
-            <a:r>
-              <a:rPr lang="en-US" dirty="0" err="1"/>
-              <a:t>readmemb</a:t>
-            </a:r>
-            <a:r>
-              <a:rPr lang="en-US" dirty="0"/>
-              <a:t>() to verify the functional of the design.</a:t>
-            </a:r>
-          </a:p>
-          <a:p>
-            <a:r>
-              <a:rPr lang="en-US" dirty="0"/>
-              <a:t>We wrote separate testbenches for each design module and followed the bottom-up approach while connecting them. </a:t>
-            </a:r>
-          </a:p>
-          <a:p>
-            <a:r>
-              <a:rPr lang="en-US" dirty="0"/>
-              <a:t>We then extended the testbench to randomize the input instructions.</a:t>
-            </a:r>
-          </a:p>
-          <a:p>
-            <a:r>
-              <a:rPr lang="en-US" dirty="0"/>
-              <a:t>Defined applicable constraints on the randomized inputs.</a:t>
-            </a:r>
-          </a:p>
-          <a:p>
-            <a:r>
-              <a:rPr lang="en-US" dirty="0"/>
-              <a:t>Implemented coverage to the appropriate bins.</a:t>
-            </a:r>
-          </a:p>
-          <a:p>
-            <a:pPr marL="0" indent="0">
-              <a:buNone/>
-            </a:pPr>
+              <a:t> and recompiled it again.</a:t>
+            </a:r>
+          </a:p>
+          <a:p>
+            <a:endParaRPr lang="en-US" dirty="0"/>
+          </a:p>
+          <a:p>
+            <a:endParaRPr lang="en-US" dirty="0"/>
+          </a:p>
+          <a:p>
+            <a:endParaRPr lang="en-US" dirty="0"/>
+          </a:p>
+          <a:p>
             <a:endParaRPr lang="en-US" dirty="0"/>
           </a:p>
           <a:p>
@@ -3875,7 +3838,7 @@
     </p:spTree>
     <p:extLst>
       <p:ext uri="{BB962C8B-B14F-4D97-AF65-F5344CB8AC3E}">
-        <p14:creationId xmlns:p14="http://schemas.microsoft.com/office/powerpoint/2010/main" val="3544153904"/>
+        <p14:creationId xmlns:p14="http://schemas.microsoft.com/office/powerpoint/2010/main" val="183828232"/>
       </p:ext>
     </p:extLst>
   </p:cSld>
@@ -3907,7 +3870,7 @@
           <p:cNvPr id="2" name="Title 1">
             <a:extLst>
               <a:ext uri="{FF2B5EF4-FFF2-40B4-BE49-F238E27FC236}">
-                <a16:creationId xmlns:a16="http://schemas.microsoft.com/office/drawing/2014/main" id="{1C275108-18E8-3818-305F-FD9FDCBFA154}"/>
+                <a16:creationId xmlns:a16="http://schemas.microsoft.com/office/drawing/2014/main" id="{49D94324-701A-1676-0512-D5DD88FDDFC5}"/>
               </a:ext>
             </a:extLst>
           </p:cNvPr>
@@ -3925,7 +3888,7 @@
           <a:p>
             <a:r>
               <a:rPr lang="en-US" u="sng" dirty="0"/>
-              <a:t>Challenges faced in Verifying:</a:t>
+              <a:t>Test Plan &amp; Testing Methodology:</a:t>
             </a:r>
           </a:p>
         </p:txBody>
@@ -3935,7 +3898,7 @@
           <p:cNvPr id="3" name="Content Placeholder 2">
             <a:extLst>
               <a:ext uri="{FF2B5EF4-FFF2-40B4-BE49-F238E27FC236}">
-                <a16:creationId xmlns:a16="http://schemas.microsoft.com/office/drawing/2014/main" id="{00EEF715-FF84-A565-66CD-6D5E8A4A9134}"/>
+                <a16:creationId xmlns:a16="http://schemas.microsoft.com/office/drawing/2014/main" id="{62811A6A-42B6-3F8A-5719-015858B4147F}"/>
               </a:ext>
             </a:extLst>
           </p:cNvPr>
@@ -3953,19 +3916,62 @@
           <a:p>
             <a:r>
               <a:rPr lang="en-US" dirty="0"/>
-              <a:t>Due to the few connection issues that we faced; we were seeing some X’s on the outputs of the modules.</a:t>
-            </a:r>
-          </a:p>
-          <a:p>
+              <a:t>We used </a:t>
+            </a:r>
+            <a:r>
+              <a:rPr lang="en-US" dirty="0" err="1"/>
+              <a:t>systemverilog</a:t>
+            </a:r>
             <a:r>
               <a:rPr lang="en-US" dirty="0"/>
-              <a:t>Initial randomization yielded in a lot of out-of-bound values. We resolved them using constraints.</a:t>
+              <a:t> to code the design and testbench. </a:t>
+            </a:r>
+          </a:p>
+          <a:p>
+            <a:r>
+              <a:rPr lang="en-US" dirty="0"/>
+              <a:t>We started with a directed testbench by giving the inputs through the </a:t>
+            </a:r>
+            <a:r>
+              <a:rPr lang="en-US" dirty="0" err="1"/>
+              <a:t>readmemb</a:t>
+            </a:r>
+            <a:r>
+              <a:rPr lang="en-US" dirty="0"/>
+              <a:t>() to verify the functional of the design.</a:t>
+            </a:r>
+          </a:p>
+          <a:p>
+            <a:r>
+              <a:rPr lang="en-US" dirty="0"/>
+              <a:t>We wrote separate testbenches for each design module and followed the bottom-up approach while connecting them. </a:t>
+            </a:r>
+          </a:p>
+          <a:p>
+            <a:r>
+              <a:rPr lang="en-US" dirty="0"/>
+              <a:t>We then extended the testbench to randomize the input instructions.</a:t>
+            </a:r>
+          </a:p>
+          <a:p>
+            <a:r>
+              <a:rPr lang="en-US" dirty="0"/>
+              <a:t>Defined applicable constraints on the randomized inputs.</a:t>
+            </a:r>
+          </a:p>
+          <a:p>
+            <a:r>
+              <a:rPr lang="en-US" dirty="0"/>
+              <a:t>Implemented coverage to the appropriate bins.</a:t>
             </a:r>
           </a:p>
           <a:p>
             <a:pPr marL="0" indent="0">
               <a:buNone/>
             </a:pPr>
+            <a:endParaRPr lang="en-US" dirty="0"/>
+          </a:p>
+          <a:p>
             <a:endParaRPr lang="en-US" dirty="0"/>
           </a:p>
         </p:txBody>
@@ -3973,7 +3979,7 @@
     </p:spTree>
     <p:extLst>
       <p:ext uri="{BB962C8B-B14F-4D97-AF65-F5344CB8AC3E}">
-        <p14:creationId xmlns:p14="http://schemas.microsoft.com/office/powerpoint/2010/main" val="4174369294"/>
+        <p14:creationId xmlns:p14="http://schemas.microsoft.com/office/powerpoint/2010/main" val="3544153904"/>
       </p:ext>
     </p:extLst>
   </p:cSld>
@@ -4023,50 +4029,55 @@
           <a:p>
             <a:r>
               <a:rPr lang="en-US" u="sng" dirty="0"/>
-              <a:t>Results without randomization:</a:t>
-            </a:r>
-          </a:p>
-        </p:txBody>
-      </p:sp>
-      <p:pic>
-        <p:nvPicPr>
-          <p:cNvPr id="7" name="Content Placeholder 6" descr="Graphical user interface, application, Word&#10;&#10;Description automatically generated">
-            <a:extLst>
-              <a:ext uri="{FF2B5EF4-FFF2-40B4-BE49-F238E27FC236}">
-                <a16:creationId xmlns:a16="http://schemas.microsoft.com/office/drawing/2014/main" id="{2FB6D0C0-265C-71E1-B63E-BE68B7B56202}"/>
-              </a:ext>
-            </a:extLst>
-          </p:cNvPr>
-          <p:cNvPicPr>
-            <a:picLocks noGrp="1" noChangeAspect="1"/>
-          </p:cNvPicPr>
+              <a:t>Challenges faced in Verifying:</a:t>
+            </a:r>
+          </a:p>
+        </p:txBody>
+      </p:sp>
+      <p:sp>
+        <p:nvSpPr>
+          <p:cNvPr id="3" name="Content Placeholder 2">
+            <a:extLst>
+              <a:ext uri="{FF2B5EF4-FFF2-40B4-BE49-F238E27FC236}">
+                <a16:creationId xmlns:a16="http://schemas.microsoft.com/office/drawing/2014/main" id="{00EEF715-FF84-A565-66CD-6D5E8A4A9134}"/>
+              </a:ext>
+            </a:extLst>
+          </p:cNvPr>
+          <p:cNvSpPr>
+            <a:spLocks noGrp="1"/>
+          </p:cNvSpPr>
           <p:nvPr>
             <p:ph idx="1"/>
           </p:nvPr>
-        </p:nvPicPr>
-        <p:blipFill>
-          <a:blip r:embed="rId2">
-            <a:extLst>
-              <a:ext uri="{28A0092B-C50C-407E-A947-70E740481C1C}">
-                <a14:useLocalDpi xmlns:a14="http://schemas.microsoft.com/office/drawing/2010/main" val="0"/>
-              </a:ext>
-            </a:extLst>
-          </a:blip>
-          <a:stretch>
-            <a:fillRect/>
-          </a:stretch>
-        </p:blipFill>
-        <p:spPr>
-          <a:xfrm>
-            <a:off x="1319231" y="1825625"/>
-            <a:ext cx="9553537" cy="4351338"/>
-          </a:xfrm>
-        </p:spPr>
-      </p:pic>
+        </p:nvSpPr>
+        <p:spPr/>
+        <p:txBody>
+          <a:bodyPr/>
+          <a:lstStyle/>
+          <a:p>
+            <a:r>
+              <a:rPr lang="en-US" dirty="0"/>
+              <a:t>Due to the few connection issues that we faced; we were seeing some X’s on the outputs of the modules.</a:t>
+            </a:r>
+          </a:p>
+          <a:p>
+            <a:r>
+              <a:rPr lang="en-US" dirty="0"/>
+              <a:t>Initial randomization yielded in a lot of out-of-bound values. We resolved them using constraints.</a:t>
+            </a:r>
+          </a:p>
+          <a:p>
+            <a:pPr marL="0" indent="0">
+              <a:buNone/>
+            </a:pPr>
+            <a:endParaRPr lang="en-US" dirty="0"/>
+          </a:p>
+        </p:txBody>
+      </p:sp>
     </p:spTree>
     <p:extLst>
       <p:ext uri="{BB962C8B-B14F-4D97-AF65-F5344CB8AC3E}">
-        <p14:creationId xmlns:p14="http://schemas.microsoft.com/office/powerpoint/2010/main" val="2186565141"/>
+        <p14:creationId xmlns:p14="http://schemas.microsoft.com/office/powerpoint/2010/main" val="4174369294"/>
       </p:ext>
     </p:extLst>
   </p:cSld>
@@ -4116,7 +4127,7 @@
           <a:p>
             <a:r>
               <a:rPr lang="en-US" u="sng" dirty="0"/>
-              <a:t>Results:</a:t>
+              <a:t>Results without randomization:</a:t>
             </a:r>
           </a:p>
         </p:txBody>
@@ -4126,7 +4137,7 @@
           <p:cNvPr id="7" name="Content Placeholder 6" descr="Graphical user interface, application, Word&#10;&#10;Description automatically generated">
             <a:extLst>
               <a:ext uri="{FF2B5EF4-FFF2-40B4-BE49-F238E27FC236}">
-                <a16:creationId xmlns:a16="http://schemas.microsoft.com/office/drawing/2014/main" id="{77A90147-E9C3-F87E-386E-D5F5F85FE759}"/>
+                <a16:creationId xmlns:a16="http://schemas.microsoft.com/office/drawing/2014/main" id="{2FB6D0C0-265C-71E1-B63E-BE68B7B56202}"/>
               </a:ext>
             </a:extLst>
           </p:cNvPr>
@@ -4151,15 +4162,15 @@
         </p:blipFill>
         <p:spPr>
           <a:xfrm>
-            <a:off x="838200" y="2756674"/>
-            <a:ext cx="10515600" cy="2489239"/>
+            <a:off x="1319231" y="1825625"/>
+            <a:ext cx="9553537" cy="4351338"/>
           </a:xfrm>
         </p:spPr>
       </p:pic>
     </p:spTree>
     <p:extLst>
       <p:ext uri="{BB962C8B-B14F-4D97-AF65-F5344CB8AC3E}">
-        <p14:creationId xmlns:p14="http://schemas.microsoft.com/office/powerpoint/2010/main" val="413113147"/>
+        <p14:creationId xmlns:p14="http://schemas.microsoft.com/office/powerpoint/2010/main" val="2186565141"/>
       </p:ext>
     </p:extLst>
   </p:cSld>
@@ -4216,10 +4227,10 @@
       </p:sp>
       <p:pic>
         <p:nvPicPr>
-          <p:cNvPr id="7" name="Content Placeholder 6" descr="Graphical user interface, application&#10;&#10;Description automatically generated">
-            <a:extLst>
-              <a:ext uri="{FF2B5EF4-FFF2-40B4-BE49-F238E27FC236}">
-                <a16:creationId xmlns:a16="http://schemas.microsoft.com/office/drawing/2014/main" id="{021594AB-494B-E9F1-FD5D-CA7D9AC73EBF}"/>
+          <p:cNvPr id="7" name="Content Placeholder 6" descr="Graphical user interface, application, Word&#10;&#10;Description automatically generated">
+            <a:extLst>
+              <a:ext uri="{FF2B5EF4-FFF2-40B4-BE49-F238E27FC236}">
+                <a16:creationId xmlns:a16="http://schemas.microsoft.com/office/drawing/2014/main" id="{77A90147-E9C3-F87E-386E-D5F5F85FE759}"/>
               </a:ext>
             </a:extLst>
           </p:cNvPr>
@@ -4244,15 +4255,15 @@
         </p:blipFill>
         <p:spPr>
           <a:xfrm>
-            <a:off x="838200" y="2551291"/>
-            <a:ext cx="10515600" cy="2900005"/>
+            <a:off x="838200" y="2756674"/>
+            <a:ext cx="10515600" cy="2489239"/>
           </a:xfrm>
         </p:spPr>
       </p:pic>
     </p:spTree>
     <p:extLst>
       <p:ext uri="{BB962C8B-B14F-4D97-AF65-F5344CB8AC3E}">
-        <p14:creationId xmlns:p14="http://schemas.microsoft.com/office/powerpoint/2010/main" val="3831684616"/>
+        <p14:creationId xmlns:p14="http://schemas.microsoft.com/office/powerpoint/2010/main" val="413113147"/>
       </p:ext>
     </p:extLst>
   </p:cSld>
@@ -4302,17 +4313,17 @@
           <a:p>
             <a:r>
               <a:rPr lang="en-US" u="sng" dirty="0"/>
-              <a:t>Results with randomization:</a:t>
+              <a:t>Results:</a:t>
             </a:r>
           </a:p>
         </p:txBody>
       </p:sp>
       <p:pic>
         <p:nvPicPr>
-          <p:cNvPr id="5" name="Content Placeholder 4" descr="Graphical user interface, text&#10;&#10;Description automatically generated">
-            <a:extLst>
-              <a:ext uri="{FF2B5EF4-FFF2-40B4-BE49-F238E27FC236}">
-                <a16:creationId xmlns:a16="http://schemas.microsoft.com/office/drawing/2014/main" id="{E6769642-A894-98D0-B671-A05CE0304405}"/>
+          <p:cNvPr id="7" name="Content Placeholder 6" descr="Graphical user interface, application&#10;&#10;Description automatically generated">
+            <a:extLst>
+              <a:ext uri="{FF2B5EF4-FFF2-40B4-BE49-F238E27FC236}">
+                <a16:creationId xmlns:a16="http://schemas.microsoft.com/office/drawing/2014/main" id="{021594AB-494B-E9F1-FD5D-CA7D9AC73EBF}"/>
               </a:ext>
             </a:extLst>
           </p:cNvPr>
@@ -4337,15 +4348,15 @@
         </p:blipFill>
         <p:spPr>
           <a:xfrm>
-            <a:off x="2228144" y="1825625"/>
-            <a:ext cx="7735712" cy="4351338"/>
+            <a:off x="838200" y="2551291"/>
+            <a:ext cx="10515600" cy="2900005"/>
           </a:xfrm>
         </p:spPr>
       </p:pic>
     </p:spTree>
     <p:extLst>
       <p:ext uri="{BB962C8B-B14F-4D97-AF65-F5344CB8AC3E}">
-        <p14:creationId xmlns:p14="http://schemas.microsoft.com/office/powerpoint/2010/main" val="1702819917"/>
+        <p14:creationId xmlns:p14="http://schemas.microsoft.com/office/powerpoint/2010/main" val="3831684616"/>
       </p:ext>
     </p:extLst>
   </p:cSld>
@@ -4395,17 +4406,17 @@
           <a:p>
             <a:r>
               <a:rPr lang="en-US" u="sng" dirty="0"/>
-              <a:t>Results:</a:t>
+              <a:t>Results with randomization:</a:t>
             </a:r>
           </a:p>
         </p:txBody>
       </p:sp>
       <p:pic>
         <p:nvPicPr>
-          <p:cNvPr id="7" name="Content Placeholder 6" descr="Graphical user interface, application, Word&#10;&#10;Description automatically generated">
-            <a:extLst>
-              <a:ext uri="{FF2B5EF4-FFF2-40B4-BE49-F238E27FC236}">
-                <a16:creationId xmlns:a16="http://schemas.microsoft.com/office/drawing/2014/main" id="{1FC23018-003A-DE09-FFE4-B147C2A354CD}"/>
+          <p:cNvPr id="5" name="Content Placeholder 4" descr="Graphical user interface, text&#10;&#10;Description automatically generated">
+            <a:extLst>
+              <a:ext uri="{FF2B5EF4-FFF2-40B4-BE49-F238E27FC236}">
+                <a16:creationId xmlns:a16="http://schemas.microsoft.com/office/drawing/2014/main" id="{E6769642-A894-98D0-B671-A05CE0304405}"/>
               </a:ext>
             </a:extLst>
           </p:cNvPr>
@@ -4430,15 +4441,15 @@
         </p:blipFill>
         <p:spPr>
           <a:xfrm>
-            <a:off x="838200" y="2050157"/>
-            <a:ext cx="10515600" cy="3902273"/>
+            <a:off x="2228144" y="1825625"/>
+            <a:ext cx="7735712" cy="4351338"/>
           </a:xfrm>
         </p:spPr>
       </p:pic>
     </p:spTree>
     <p:extLst>
       <p:ext uri="{BB962C8B-B14F-4D97-AF65-F5344CB8AC3E}">
-        <p14:creationId xmlns:p14="http://schemas.microsoft.com/office/powerpoint/2010/main" val="2731807769"/>
+        <p14:creationId xmlns:p14="http://schemas.microsoft.com/office/powerpoint/2010/main" val="1702819917"/>
       </p:ext>
     </p:extLst>
   </p:cSld>
@@ -4495,6 +4506,212 @@
       </p:sp>
       <p:pic>
         <p:nvPicPr>
+          <p:cNvPr id="7" name="Content Placeholder 6" descr="Graphical user interface, application, Word&#10;&#10;Description automatically generated">
+            <a:extLst>
+              <a:ext uri="{FF2B5EF4-FFF2-40B4-BE49-F238E27FC236}">
+                <a16:creationId xmlns:a16="http://schemas.microsoft.com/office/drawing/2014/main" id="{1FC23018-003A-DE09-FFE4-B147C2A354CD}"/>
+              </a:ext>
+            </a:extLst>
+          </p:cNvPr>
+          <p:cNvPicPr>
+            <a:picLocks noGrp="1" noChangeAspect="1"/>
+          </p:cNvPicPr>
+          <p:nvPr>
+            <p:ph idx="1"/>
+          </p:nvPr>
+        </p:nvPicPr>
+        <p:blipFill>
+          <a:blip r:embed="rId2">
+            <a:extLst>
+              <a:ext uri="{28A0092B-C50C-407E-A947-70E740481C1C}">
+                <a14:useLocalDpi xmlns:a14="http://schemas.microsoft.com/office/drawing/2010/main" val="0"/>
+              </a:ext>
+            </a:extLst>
+          </a:blip>
+          <a:stretch>
+            <a:fillRect/>
+          </a:stretch>
+        </p:blipFill>
+        <p:spPr>
+          <a:xfrm>
+            <a:off x="838200" y="2050157"/>
+            <a:ext cx="10515600" cy="3902273"/>
+          </a:xfrm>
+        </p:spPr>
+      </p:pic>
+    </p:spTree>
+    <p:extLst>
+      <p:ext uri="{BB962C8B-B14F-4D97-AF65-F5344CB8AC3E}">
+        <p14:creationId xmlns:p14="http://schemas.microsoft.com/office/powerpoint/2010/main" val="2731807769"/>
+      </p:ext>
+    </p:extLst>
+  </p:cSld>
+  <p:clrMapOvr>
+    <a:masterClrMapping/>
+  </p:clrMapOvr>
+</p:sld>
+</file>
+
+<file path=ppt/slides/slide2.xml><?xml version="1.0" encoding="utf-8"?>
+<p:sld xmlns:a="http://schemas.openxmlformats.org/drawingml/2006/main" xmlns:r="http://schemas.openxmlformats.org/officeDocument/2006/relationships" xmlns:p="http://schemas.openxmlformats.org/presentationml/2006/main">
+  <p:cSld>
+    <p:spTree>
+      <p:nvGrpSpPr>
+        <p:cNvPr id="1" name=""/>
+        <p:cNvGrpSpPr/>
+        <p:nvPr/>
+      </p:nvGrpSpPr>
+      <p:grpSpPr>
+        <a:xfrm>
+          <a:off x="0" y="0"/>
+          <a:ext cx="0" cy="0"/>
+          <a:chOff x="0" y="0"/>
+          <a:chExt cx="0" cy="0"/>
+        </a:xfrm>
+      </p:grpSpPr>
+      <p:sp>
+        <p:nvSpPr>
+          <p:cNvPr id="2" name="Title 1">
+            <a:extLst>
+              <a:ext uri="{FF2B5EF4-FFF2-40B4-BE49-F238E27FC236}">
+                <a16:creationId xmlns:a16="http://schemas.microsoft.com/office/drawing/2014/main" id="{EF29044B-1E5E-2926-7019-DF0ACF0DC9CA}"/>
+              </a:ext>
+            </a:extLst>
+          </p:cNvPr>
+          <p:cNvSpPr>
+            <a:spLocks noGrp="1"/>
+          </p:cNvSpPr>
+          <p:nvPr>
+            <p:ph type="title"/>
+          </p:nvPr>
+        </p:nvSpPr>
+        <p:spPr/>
+        <p:txBody>
+          <a:bodyPr/>
+          <a:lstStyle/>
+          <a:p>
+            <a:pPr marL="0" indent="0">
+              <a:buNone/>
+            </a:pPr>
+            <a:r>
+              <a:rPr lang="en-US" u="sng" dirty="0"/>
+              <a:t>Starting point of the project:</a:t>
+            </a:r>
+          </a:p>
+        </p:txBody>
+      </p:sp>
+      <p:sp>
+        <p:nvSpPr>
+          <p:cNvPr id="3" name="Content Placeholder 2">
+            <a:extLst>
+              <a:ext uri="{FF2B5EF4-FFF2-40B4-BE49-F238E27FC236}">
+                <a16:creationId xmlns:a16="http://schemas.microsoft.com/office/drawing/2014/main" id="{FC399DAA-895F-8063-C904-6F3F79C45B3E}"/>
+              </a:ext>
+            </a:extLst>
+          </p:cNvPr>
+          <p:cNvSpPr>
+            <a:spLocks noGrp="1"/>
+          </p:cNvSpPr>
+          <p:nvPr>
+            <p:ph idx="1"/>
+          </p:nvPr>
+        </p:nvSpPr>
+        <p:spPr/>
+        <p:txBody>
+          <a:bodyPr>
+            <a:normAutofit/>
+          </a:bodyPr>
+          <a:lstStyle/>
+          <a:p>
+            <a:r>
+              <a:rPr lang="en-US" dirty="0"/>
+              <a:t>We used an existing block diagram as a reference to the project from the following IEEE paper.</a:t>
+            </a:r>
+          </a:p>
+          <a:p>
+            <a:pPr lvl="1"/>
+            <a:r>
+              <a:rPr lang="en-US" dirty="0">
+                <a:hlinkClick r:id="rId2"/>
+              </a:rPr>
+              <a:t>https://www.ijert.org/research/design-of-16-bit-risc-processor-IJERTV2IS70828.pdf</a:t>
+            </a:r>
+            <a:endParaRPr lang="en-US" dirty="0"/>
+          </a:p>
+          <a:p>
+            <a:r>
+              <a:rPr lang="en-US" dirty="0"/>
+              <a:t>We made some changes to the block diagram as that was missing some details.</a:t>
+            </a:r>
+          </a:p>
+          <a:p>
+            <a:r>
+              <a:rPr lang="en-US" dirty="0"/>
+              <a:t>We developed the source code for the design and testbench in System Verilog.</a:t>
+            </a:r>
+          </a:p>
+        </p:txBody>
+      </p:sp>
+    </p:spTree>
+    <p:extLst>
+      <p:ext uri="{BB962C8B-B14F-4D97-AF65-F5344CB8AC3E}">
+        <p14:creationId xmlns:p14="http://schemas.microsoft.com/office/powerpoint/2010/main" val="1469120162"/>
+      </p:ext>
+    </p:extLst>
+  </p:cSld>
+  <p:clrMapOvr>
+    <a:masterClrMapping/>
+  </p:clrMapOvr>
+</p:sld>
+</file>
+
+<file path=ppt/slides/slide20.xml><?xml version="1.0" encoding="utf-8"?>
+<p:sld xmlns:a="http://schemas.openxmlformats.org/drawingml/2006/main" xmlns:r="http://schemas.openxmlformats.org/officeDocument/2006/relationships" xmlns:p="http://schemas.openxmlformats.org/presentationml/2006/main">
+  <p:cSld>
+    <p:spTree>
+      <p:nvGrpSpPr>
+        <p:cNvPr id="1" name=""/>
+        <p:cNvGrpSpPr/>
+        <p:nvPr/>
+      </p:nvGrpSpPr>
+      <p:grpSpPr>
+        <a:xfrm>
+          <a:off x="0" y="0"/>
+          <a:ext cx="0" cy="0"/>
+          <a:chOff x="0" y="0"/>
+          <a:chExt cx="0" cy="0"/>
+        </a:xfrm>
+      </p:grpSpPr>
+      <p:sp>
+        <p:nvSpPr>
+          <p:cNvPr id="2" name="Title 1">
+            <a:extLst>
+              <a:ext uri="{FF2B5EF4-FFF2-40B4-BE49-F238E27FC236}">
+                <a16:creationId xmlns:a16="http://schemas.microsoft.com/office/drawing/2014/main" id="{1C275108-18E8-3818-305F-FD9FDCBFA154}"/>
+              </a:ext>
+            </a:extLst>
+          </p:cNvPr>
+          <p:cNvSpPr>
+            <a:spLocks noGrp="1"/>
+          </p:cNvSpPr>
+          <p:nvPr>
+            <p:ph type="title"/>
+          </p:nvPr>
+        </p:nvSpPr>
+        <p:spPr/>
+        <p:txBody>
+          <a:bodyPr/>
+          <a:lstStyle/>
+          <a:p>
+            <a:r>
+              <a:rPr lang="en-US" u="sng" dirty="0"/>
+              <a:t>Results:</a:t>
+            </a:r>
+          </a:p>
+        </p:txBody>
+      </p:sp>
+      <p:pic>
+        <p:nvPicPr>
           <p:cNvPr id="7" name="Content Placeholder 6" descr="Graphical user interface, text, application&#10;&#10;Description automatically generated">
             <a:extLst>
               <a:ext uri="{FF2B5EF4-FFF2-40B4-BE49-F238E27FC236}">
@@ -4541,7 +4758,164 @@
 </p:sld>
 </file>
 
-<file path=ppt/slides/slide2.xml><?xml version="1.0" encoding="utf-8"?>
+<file path=ppt/slides/slide21.xml><?xml version="1.0" encoding="utf-8"?>
+<p:sld xmlns:a="http://schemas.openxmlformats.org/drawingml/2006/main" xmlns:r="http://schemas.openxmlformats.org/officeDocument/2006/relationships" xmlns:p="http://schemas.openxmlformats.org/presentationml/2006/main">
+  <p:cSld>
+    <p:spTree>
+      <p:nvGrpSpPr>
+        <p:cNvPr id="1" name=""/>
+        <p:cNvGrpSpPr/>
+        <p:nvPr/>
+      </p:nvGrpSpPr>
+      <p:grpSpPr>
+        <a:xfrm>
+          <a:off x="0" y="0"/>
+          <a:ext cx="0" cy="0"/>
+          <a:chOff x="0" y="0"/>
+          <a:chExt cx="0" cy="0"/>
+        </a:xfrm>
+      </p:grpSpPr>
+      <p:sp>
+        <p:nvSpPr>
+          <p:cNvPr id="2" name="Title 1">
+            <a:extLst>
+              <a:ext uri="{FF2B5EF4-FFF2-40B4-BE49-F238E27FC236}">
+                <a16:creationId xmlns:a16="http://schemas.microsoft.com/office/drawing/2014/main" id="{1C275108-18E8-3818-305F-FD9FDCBFA154}"/>
+              </a:ext>
+            </a:extLst>
+          </p:cNvPr>
+          <p:cNvSpPr>
+            <a:spLocks noGrp="1"/>
+          </p:cNvSpPr>
+          <p:nvPr>
+            <p:ph type="title"/>
+          </p:nvPr>
+        </p:nvSpPr>
+        <p:spPr/>
+        <p:txBody>
+          <a:bodyPr/>
+          <a:lstStyle/>
+          <a:p>
+            <a:r>
+              <a:rPr lang="en-US" u="sng" dirty="0" err="1"/>
+              <a:t>Github</a:t>
+            </a:r>
+            <a:r>
+              <a:rPr lang="en-US" u="sng" dirty="0"/>
+              <a:t> link:</a:t>
+            </a:r>
+          </a:p>
+        </p:txBody>
+      </p:sp>
+      <p:sp>
+        <p:nvSpPr>
+          <p:cNvPr id="4" name="Content Placeholder 3">
+            <a:extLst>
+              <a:ext uri="{FF2B5EF4-FFF2-40B4-BE49-F238E27FC236}">
+                <a16:creationId xmlns:a16="http://schemas.microsoft.com/office/drawing/2014/main" id="{D21FDEF4-237B-2E5D-D5E1-A230BAE7A630}"/>
+              </a:ext>
+            </a:extLst>
+          </p:cNvPr>
+          <p:cNvSpPr>
+            <a:spLocks noGrp="1"/>
+          </p:cNvSpPr>
+          <p:nvPr>
+            <p:ph idx="1"/>
+          </p:nvPr>
+        </p:nvSpPr>
+        <p:spPr/>
+        <p:txBody>
+          <a:bodyPr/>
+          <a:lstStyle/>
+          <a:p>
+            <a:r>
+              <a:rPr lang="en-US" dirty="0">
+                <a:hlinkClick r:id="rId2"/>
+              </a:rPr>
+              <a:t>https://github.com/srilven/svfinal_risc.git</a:t>
+            </a:r>
+            <a:endParaRPr lang="en-US" dirty="0"/>
+          </a:p>
+        </p:txBody>
+      </p:sp>
+    </p:spTree>
+    <p:extLst>
+      <p:ext uri="{BB962C8B-B14F-4D97-AF65-F5344CB8AC3E}">
+        <p14:creationId xmlns:p14="http://schemas.microsoft.com/office/powerpoint/2010/main" val="491793004"/>
+      </p:ext>
+    </p:extLst>
+  </p:cSld>
+  <p:clrMapOvr>
+    <a:masterClrMapping/>
+  </p:clrMapOvr>
+</p:sld>
+</file>
+
+<file path=ppt/slides/slide22.xml><?xml version="1.0" encoding="utf-8"?>
+<p:sld xmlns:a="http://schemas.openxmlformats.org/drawingml/2006/main" xmlns:r="http://schemas.openxmlformats.org/officeDocument/2006/relationships" xmlns:p="http://schemas.openxmlformats.org/presentationml/2006/main">
+  <p:cSld>
+    <p:spTree>
+      <p:nvGrpSpPr>
+        <p:cNvPr id="1" name=""/>
+        <p:cNvGrpSpPr/>
+        <p:nvPr/>
+      </p:nvGrpSpPr>
+      <p:grpSpPr>
+        <a:xfrm>
+          <a:off x="0" y="0"/>
+          <a:ext cx="0" cy="0"/>
+          <a:chOff x="0" y="0"/>
+          <a:chExt cx="0" cy="0"/>
+        </a:xfrm>
+      </p:grpSpPr>
+      <p:sp>
+        <p:nvSpPr>
+          <p:cNvPr id="2" name="Title 1">
+            <a:extLst>
+              <a:ext uri="{FF2B5EF4-FFF2-40B4-BE49-F238E27FC236}">
+                <a16:creationId xmlns:a16="http://schemas.microsoft.com/office/drawing/2014/main" id="{1C275108-18E8-3818-305F-FD9FDCBFA154}"/>
+              </a:ext>
+            </a:extLst>
+          </p:cNvPr>
+          <p:cNvSpPr>
+            <a:spLocks noGrp="1"/>
+          </p:cNvSpPr>
+          <p:nvPr>
+            <p:ph type="title"/>
+          </p:nvPr>
+        </p:nvSpPr>
+        <p:spPr>
+          <a:xfrm>
+            <a:off x="838200" y="2694439"/>
+            <a:ext cx="10515600" cy="1325563"/>
+          </a:xfrm>
+        </p:spPr>
+        <p:txBody>
+          <a:bodyPr/>
+          <a:lstStyle/>
+          <a:p>
+            <a:pPr algn="ctr"/>
+            <a:r>
+              <a:rPr lang="en-US" u="sng" dirty="0"/>
+              <a:t>Thank You</a:t>
+            </a:r>
+          </a:p>
+        </p:txBody>
+      </p:sp>
+    </p:spTree>
+    <p:extLst>
+      <p:ext uri="{BB962C8B-B14F-4D97-AF65-F5344CB8AC3E}">
+        <p14:creationId xmlns:p14="http://schemas.microsoft.com/office/powerpoint/2010/main" val="2387135152"/>
+      </p:ext>
+    </p:extLst>
+  </p:cSld>
+  <p:clrMapOvr>
+    <a:masterClrMapping/>
+  </p:clrMapOvr>
+</p:sld>
+</file>
+
+<file path=ppt/slides/slide3.xml><?xml version="1.0" encoding="utf-8"?>
 <p:sld xmlns:a="http://schemas.openxmlformats.org/drawingml/2006/main" xmlns:r="http://schemas.openxmlformats.org/officeDocument/2006/relationships" xmlns:p="http://schemas.openxmlformats.org/presentationml/2006/main">
   <p:cSld>
     <p:bg>
@@ -5165,7 +5539,7 @@
 </p:sld>
 </file>
 
-<file path=ppt/slides/slide20.xml><?xml version="1.0" encoding="utf-8"?>
+<file path=ppt/slides/slide4.xml><?xml version="1.0" encoding="utf-8"?>
 <p:sld xmlns:a="http://schemas.openxmlformats.org/drawingml/2006/main" xmlns:r="http://schemas.openxmlformats.org/officeDocument/2006/relationships" xmlns:p="http://schemas.openxmlformats.org/presentationml/2006/main">
   <p:cSld>
     <p:spTree>
@@ -5184,163 +5558,6 @@
       </p:grpSpPr>
       <p:sp>
         <p:nvSpPr>
-          <p:cNvPr id="2" name="Title 1">
-            <a:extLst>
-              <a:ext uri="{FF2B5EF4-FFF2-40B4-BE49-F238E27FC236}">
-                <a16:creationId xmlns:a16="http://schemas.microsoft.com/office/drawing/2014/main" id="{1C275108-18E8-3818-305F-FD9FDCBFA154}"/>
-              </a:ext>
-            </a:extLst>
-          </p:cNvPr>
-          <p:cNvSpPr>
-            <a:spLocks noGrp="1"/>
-          </p:cNvSpPr>
-          <p:nvPr>
-            <p:ph type="title"/>
-          </p:nvPr>
-        </p:nvSpPr>
-        <p:spPr/>
-        <p:txBody>
-          <a:bodyPr/>
-          <a:lstStyle/>
-          <a:p>
-            <a:r>
-              <a:rPr lang="en-US" u="sng" dirty="0" err="1"/>
-              <a:t>Github</a:t>
-            </a:r>
-            <a:r>
-              <a:rPr lang="en-US" u="sng" dirty="0"/>
-              <a:t> link:</a:t>
-            </a:r>
-          </a:p>
-        </p:txBody>
-      </p:sp>
-      <p:sp>
-        <p:nvSpPr>
-          <p:cNvPr id="4" name="Content Placeholder 3">
-            <a:extLst>
-              <a:ext uri="{FF2B5EF4-FFF2-40B4-BE49-F238E27FC236}">
-                <a16:creationId xmlns:a16="http://schemas.microsoft.com/office/drawing/2014/main" id="{D21FDEF4-237B-2E5D-D5E1-A230BAE7A630}"/>
-              </a:ext>
-            </a:extLst>
-          </p:cNvPr>
-          <p:cNvSpPr>
-            <a:spLocks noGrp="1"/>
-          </p:cNvSpPr>
-          <p:nvPr>
-            <p:ph idx="1"/>
-          </p:nvPr>
-        </p:nvSpPr>
-        <p:spPr/>
-        <p:txBody>
-          <a:bodyPr/>
-          <a:lstStyle/>
-          <a:p>
-            <a:r>
-              <a:rPr lang="en-US" dirty="0">
-                <a:hlinkClick r:id="rId2"/>
-              </a:rPr>
-              <a:t>https://github.com/srilven/svfinal_risc.git</a:t>
-            </a:r>
-            <a:endParaRPr lang="en-US" dirty="0"/>
-          </a:p>
-        </p:txBody>
-      </p:sp>
-    </p:spTree>
-    <p:extLst>
-      <p:ext uri="{BB962C8B-B14F-4D97-AF65-F5344CB8AC3E}">
-        <p14:creationId xmlns:p14="http://schemas.microsoft.com/office/powerpoint/2010/main" val="491793004"/>
-      </p:ext>
-    </p:extLst>
-  </p:cSld>
-  <p:clrMapOvr>
-    <a:masterClrMapping/>
-  </p:clrMapOvr>
-</p:sld>
-</file>
-
-<file path=ppt/slides/slide21.xml><?xml version="1.0" encoding="utf-8"?>
-<p:sld xmlns:a="http://schemas.openxmlformats.org/drawingml/2006/main" xmlns:r="http://schemas.openxmlformats.org/officeDocument/2006/relationships" xmlns:p="http://schemas.openxmlformats.org/presentationml/2006/main">
-  <p:cSld>
-    <p:spTree>
-      <p:nvGrpSpPr>
-        <p:cNvPr id="1" name=""/>
-        <p:cNvGrpSpPr/>
-        <p:nvPr/>
-      </p:nvGrpSpPr>
-      <p:grpSpPr>
-        <a:xfrm>
-          <a:off x="0" y="0"/>
-          <a:ext cx="0" cy="0"/>
-          <a:chOff x="0" y="0"/>
-          <a:chExt cx="0" cy="0"/>
-        </a:xfrm>
-      </p:grpSpPr>
-      <p:sp>
-        <p:nvSpPr>
-          <p:cNvPr id="2" name="Title 1">
-            <a:extLst>
-              <a:ext uri="{FF2B5EF4-FFF2-40B4-BE49-F238E27FC236}">
-                <a16:creationId xmlns:a16="http://schemas.microsoft.com/office/drawing/2014/main" id="{1C275108-18E8-3818-305F-FD9FDCBFA154}"/>
-              </a:ext>
-            </a:extLst>
-          </p:cNvPr>
-          <p:cNvSpPr>
-            <a:spLocks noGrp="1"/>
-          </p:cNvSpPr>
-          <p:nvPr>
-            <p:ph type="title"/>
-          </p:nvPr>
-        </p:nvSpPr>
-        <p:spPr>
-          <a:xfrm>
-            <a:off x="838200" y="2694439"/>
-            <a:ext cx="10515600" cy="1325563"/>
-          </a:xfrm>
-        </p:spPr>
-        <p:txBody>
-          <a:bodyPr/>
-          <a:lstStyle/>
-          <a:p>
-            <a:pPr algn="ctr"/>
-            <a:r>
-              <a:rPr lang="en-US" u="sng" dirty="0"/>
-              <a:t>Thank You</a:t>
-            </a:r>
-          </a:p>
-        </p:txBody>
-      </p:sp>
-    </p:spTree>
-    <p:extLst>
-      <p:ext uri="{BB962C8B-B14F-4D97-AF65-F5344CB8AC3E}">
-        <p14:creationId xmlns:p14="http://schemas.microsoft.com/office/powerpoint/2010/main" val="2387135152"/>
-      </p:ext>
-    </p:extLst>
-  </p:cSld>
-  <p:clrMapOvr>
-    <a:masterClrMapping/>
-  </p:clrMapOvr>
-</p:sld>
-</file>
-
-<file path=ppt/slides/slide3.xml><?xml version="1.0" encoding="utf-8"?>
-<p:sld xmlns:a="http://schemas.openxmlformats.org/drawingml/2006/main" xmlns:r="http://schemas.openxmlformats.org/officeDocument/2006/relationships" xmlns:p="http://schemas.openxmlformats.org/presentationml/2006/main">
-  <p:cSld>
-    <p:spTree>
-      <p:nvGrpSpPr>
-        <p:cNvPr id="1" name=""/>
-        <p:cNvGrpSpPr/>
-        <p:nvPr/>
-      </p:nvGrpSpPr>
-      <p:grpSpPr>
-        <a:xfrm>
-          <a:off x="0" y="0"/>
-          <a:ext cx="0" cy="0"/>
-          <a:chOff x="0" y="0"/>
-          <a:chExt cx="0" cy="0"/>
-        </a:xfrm>
-      </p:grpSpPr>
-      <p:sp>
-        <p:nvSpPr>
           <p:cNvPr id="3" name="Content Placeholder 2">
             <a:extLst>
               <a:ext uri="{FF2B5EF4-FFF2-40B4-BE49-F238E27FC236}">
@@ -5403,7 +5620,7 @@
 </p:sld>
 </file>
 
-<file path=ppt/slides/slide4.xml><?xml version="1.0" encoding="utf-8"?>
+<file path=ppt/slides/slide5.xml><?xml version="1.0" encoding="utf-8"?>
 <p:sld xmlns:a="http://schemas.openxmlformats.org/drawingml/2006/main" xmlns:r="http://schemas.openxmlformats.org/officeDocument/2006/relationships" xmlns:p="http://schemas.openxmlformats.org/presentationml/2006/main">
   <p:cSld>
     <p:spTree>
@@ -6360,7 +6577,7 @@
 </p:sld>
 </file>
 
-<file path=ppt/slides/slide5.xml><?xml version="1.0" encoding="utf-8"?>
+<file path=ppt/slides/slide6.xml><?xml version="1.0" encoding="utf-8"?>
 <p:sld xmlns:a="http://schemas.openxmlformats.org/drawingml/2006/main" xmlns:r="http://schemas.openxmlformats.org/officeDocument/2006/relationships" xmlns:p="http://schemas.openxmlformats.org/presentationml/2006/main">
   <p:cSld>
     <p:spTree>
@@ -6447,7 +6664,7 @@
 </p:sld>
 </file>
 
-<file path=ppt/slides/slide6.xml><?xml version="1.0" encoding="utf-8"?>
+<file path=ppt/slides/slide7.xml><?xml version="1.0" encoding="utf-8"?>
 <p:sld xmlns:a="http://schemas.openxmlformats.org/drawingml/2006/main" xmlns:r="http://schemas.openxmlformats.org/officeDocument/2006/relationships" xmlns:p="http://schemas.openxmlformats.org/presentationml/2006/main">
   <p:cSld>
     <p:spTree>
@@ -6554,19 +6771,7 @@
                 </a:solidFill>
                 <a:effectLst/>
               </a:rPr>
-              <a:t>1. Load Word:</a:t>
-            </a:r>
-            <a:br>
-              <a:rPr lang="en-US" sz="8000" dirty="0"/>
-            </a:br>
-            <a:r>
-              <a:rPr lang="en-US" sz="8000" b="0" i="0" dirty="0">
-                <a:solidFill>
-                  <a:srgbClr val="000000"/>
-                </a:solidFill>
-                <a:effectLst/>
-              </a:rPr>
-              <a:t>               LD </a:t>
+              <a:t>1. Load Word: (Opcode – 0000)               LD </a:t>
             </a:r>
             <a:r>
               <a:rPr lang="en-US" sz="8000" b="0" i="0" dirty="0" err="1">
@@ -6584,7 +6789,24 @@
                 </a:solidFill>
                 <a:effectLst/>
               </a:rPr>
-              <a:t>, offset(rs1) </a:t>
+              <a:t>, offset(</a:t>
+            </a:r>
+            <a:r>
+              <a:rPr lang="en-US" sz="8000" dirty="0">
+                <a:solidFill>
+                  <a:srgbClr val="000000"/>
+                </a:solidFill>
+              </a:rPr>
+              <a:t>src_1</a:t>
+            </a:r>
+            <a:r>
+              <a:rPr lang="en-US" sz="8000" b="0" i="0" dirty="0">
+                <a:solidFill>
+                  <a:srgbClr val="000000"/>
+                </a:solidFill>
+                <a:effectLst/>
+              </a:rPr>
+              <a:t>) </a:t>
             </a:r>
             <a:r>
               <a:rPr lang="en-US" sz="8000" b="0" i="0" dirty="0" err="1">
@@ -6619,24 +6841,24 @@
                 </a:solidFill>
                 <a:effectLst/>
               </a:rPr>
-              <a:t>2. Store Word:</a:t>
-            </a:r>
-            <a:br>
+              <a:t>2. Store Word: (Opcode – 0001)              ST rs2, offset(</a:t>
+            </a:r>
+            <a:r>
+              <a:rPr lang="en-US" sz="8000" dirty="0">
+                <a:solidFill>
+                  <a:srgbClr val="000000"/>
+                </a:solidFill>
+              </a:rPr>
+              <a:t>src_2</a:t>
+            </a:r>
+            <a:r>
               <a:rPr lang="en-US" sz="8000" b="0" i="0" dirty="0">
                 <a:solidFill>
                   <a:srgbClr val="000000"/>
                 </a:solidFill>
                 <a:effectLst/>
               </a:rPr>
-            </a:br>
-            <a:r>
-              <a:rPr lang="en-US" sz="8000" b="0" i="0" dirty="0">
-                <a:solidFill>
-                  <a:srgbClr val="000000"/>
-                </a:solidFill>
-                <a:effectLst/>
-              </a:rPr>
-              <a:t>               ST rs2, offset(rs1) Mem16[rs1 + offset]=rs2</a:t>
+              <a:t>) Mem16[rs1 + offset]=rs2</a:t>
             </a:r>
             <a:br>
               <a:rPr lang="en-US" sz="8000" b="1" i="0" dirty="0">
@@ -6699,7 +6921,7 @@
                 </a:solidFill>
                 <a:effectLst/>
               </a:rPr>
-              <a:t>1. Branch on Equal:</a:t>
+              <a:t>1. Branch on Equal: (Opcode – 1011)               BEQ rs1, rs2, offset</a:t>
             </a:r>
             <a:br>
               <a:rPr lang="en-US" sz="8000" b="0" i="0" dirty="0">
@@ -6716,8 +6938,13 @@
                 </a:solidFill>
                 <a:effectLst/>
               </a:rPr>
-              <a:t>               BEQ rs1, rs2, offset</a:t>
-            </a:r>
+              <a:t>               Branch to (PC + 1 + (offset &lt;&lt; 1)) when rs1 = rs2</a:t>
+            </a:r>
+          </a:p>
+          <a:p>
+            <a:pPr marL="0" indent="0" algn="l">
+              <a:buNone/>
+            </a:pPr>
             <a:br>
               <a:rPr lang="en-US" sz="8000" b="0" i="0" dirty="0">
                 <a:solidFill>
@@ -6733,7 +6960,7 @@
                 </a:solidFill>
                 <a:effectLst/>
               </a:rPr>
-              <a:t>               Branch to (PC + 2 + (offset &lt;&lt; 1)) when rs1 = rs2</a:t>
+              <a:t>2. Branch on Not Equal: (Opcode – 1100)              BNE rs1, rs2, offset</a:t>
             </a:r>
             <a:br>
               <a:rPr lang="en-US" sz="8000" b="0" i="0" dirty="0">
@@ -6750,8 +6977,13 @@
                 </a:solidFill>
                 <a:effectLst/>
               </a:rPr>
-              <a:t>2. Branch on Not Equal:</a:t>
-            </a:r>
+              <a:t>              Branch to (PC + 1 + (offset &lt;&lt; 1)) when rs1 != rs2</a:t>
+            </a:r>
+          </a:p>
+          <a:p>
+            <a:pPr marL="0" indent="0" algn="l">
+              <a:buNone/>
+            </a:pPr>
             <a:br>
               <a:rPr lang="en-US" sz="8000" b="0" i="0" dirty="0">
                 <a:solidFill>
@@ -6767,41 +6999,7 @@
                 </a:solidFill>
                 <a:effectLst/>
               </a:rPr>
-              <a:t>              BNE rs1, rs2, offset</a:t>
-            </a:r>
-            <a:br>
-              <a:rPr lang="en-US" sz="8000" b="0" i="0" dirty="0">
-                <a:solidFill>
-                  <a:srgbClr val="000000"/>
-                </a:solidFill>
-                <a:effectLst/>
-              </a:rPr>
-            </a:br>
-            <a:r>
-              <a:rPr lang="en-US" sz="8000" b="0" i="0" dirty="0">
-                <a:solidFill>
-                  <a:srgbClr val="000000"/>
-                </a:solidFill>
-                <a:effectLst/>
-              </a:rPr>
-              <a:t>              Branch to (PC + 2 + (offset &lt;&lt; 1)) when rs1 != rs2</a:t>
-            </a:r>
-            <a:br>
-              <a:rPr lang="en-US" sz="8000" b="0" i="0" dirty="0">
-                <a:solidFill>
-                  <a:srgbClr val="000000"/>
-                </a:solidFill>
-                <a:effectLst/>
-              </a:rPr>
-            </a:br>
-            <a:r>
-              <a:rPr lang="en-US" sz="8000" b="0" i="0" dirty="0">
-                <a:solidFill>
-                  <a:srgbClr val="000000"/>
-                </a:solidFill>
-                <a:effectLst/>
-              </a:rPr>
-              <a:t>3. Jump: JMP offset Jump to {PC [15:13], (offset &lt;&lt; 1)}</a:t>
+              <a:t>3. Jump: JMP offset Jump to offset (Opcode – 1101)</a:t>
             </a:r>
           </a:p>
           <a:p>
@@ -6813,280 +7011,6 @@
     <p:extLst>
       <p:ext uri="{BB962C8B-B14F-4D97-AF65-F5344CB8AC3E}">
         <p14:creationId xmlns:p14="http://schemas.microsoft.com/office/powerpoint/2010/main" val="86330892"/>
-      </p:ext>
-    </p:extLst>
-  </p:cSld>
-  <p:clrMapOvr>
-    <a:masterClrMapping/>
-  </p:clrMapOvr>
-</p:sld>
-</file>
-
-<file path=ppt/slides/slide7.xml><?xml version="1.0" encoding="utf-8"?>
-<p:sld xmlns:a="http://schemas.openxmlformats.org/drawingml/2006/main" xmlns:r="http://schemas.openxmlformats.org/officeDocument/2006/relationships" xmlns:p="http://schemas.openxmlformats.org/presentationml/2006/main">
-  <p:cSld>
-    <p:spTree>
-      <p:nvGrpSpPr>
-        <p:cNvPr id="1" name=""/>
-        <p:cNvGrpSpPr/>
-        <p:nvPr/>
-      </p:nvGrpSpPr>
-      <p:grpSpPr>
-        <a:xfrm>
-          <a:off x="0" y="0"/>
-          <a:ext cx="0" cy="0"/>
-          <a:chOff x="0" y="0"/>
-          <a:chExt cx="0" cy="0"/>
-        </a:xfrm>
-      </p:grpSpPr>
-      <p:sp>
-        <p:nvSpPr>
-          <p:cNvPr id="2" name="Title 1">
-            <a:extLst>
-              <a:ext uri="{FF2B5EF4-FFF2-40B4-BE49-F238E27FC236}">
-                <a16:creationId xmlns:a16="http://schemas.microsoft.com/office/drawing/2014/main" id="{EF29044B-1E5E-2926-7019-DF0ACF0DC9CA}"/>
-              </a:ext>
-            </a:extLst>
-          </p:cNvPr>
-          <p:cNvSpPr>
-            <a:spLocks noGrp="1"/>
-          </p:cNvSpPr>
-          <p:nvPr>
-            <p:ph type="title"/>
-          </p:nvPr>
-        </p:nvSpPr>
-        <p:spPr/>
-        <p:txBody>
-          <a:bodyPr/>
-          <a:lstStyle/>
-          <a:p>
-            <a:r>
-              <a:rPr lang="en-US" u="sng" dirty="0"/>
-              <a:t> Instruction set of RISC Processor:</a:t>
-            </a:r>
-          </a:p>
-        </p:txBody>
-      </p:sp>
-      <p:sp>
-        <p:nvSpPr>
-          <p:cNvPr id="3" name="Content Placeholder 2">
-            <a:extLst>
-              <a:ext uri="{FF2B5EF4-FFF2-40B4-BE49-F238E27FC236}">
-                <a16:creationId xmlns:a16="http://schemas.microsoft.com/office/drawing/2014/main" id="{FC399DAA-895F-8063-C904-6F3F79C45B3E}"/>
-              </a:ext>
-            </a:extLst>
-          </p:cNvPr>
-          <p:cNvSpPr>
-            <a:spLocks noGrp="1"/>
-          </p:cNvSpPr>
-          <p:nvPr>
-            <p:ph idx="1"/>
-          </p:nvPr>
-        </p:nvSpPr>
-        <p:spPr>
-          <a:xfrm>
-            <a:off x="838200" y="1825625"/>
-            <a:ext cx="4503821" cy="4351338"/>
-          </a:xfrm>
-        </p:spPr>
-        <p:txBody>
-          <a:bodyPr>
-            <a:noAutofit/>
-          </a:bodyPr>
-          <a:lstStyle/>
-          <a:p>
-            <a:pPr marL="0" indent="0" algn="l">
-              <a:buNone/>
-            </a:pPr>
-            <a:endParaRPr lang="en-US" sz="1600" b="1" i="0" dirty="0">
-              <a:solidFill>
-                <a:srgbClr val="000000"/>
-              </a:solidFill>
-              <a:effectLst/>
-              <a:latin typeface="Arial" panose="020B0604020202020204" pitchFamily="34" charset="0"/>
-            </a:endParaRPr>
-          </a:p>
-          <a:p>
-            <a:pPr marL="0" indent="0">
-              <a:buNone/>
-            </a:pPr>
-            <a:r>
-              <a:rPr lang="en-US" sz="1600" b="1" dirty="0">
-                <a:solidFill>
-                  <a:srgbClr val="000000"/>
-                </a:solidFill>
-              </a:rPr>
-              <a:t>C. Data Processing Instructions</a:t>
-            </a:r>
-          </a:p>
-          <a:p>
-            <a:pPr marL="0" indent="0" algn="l">
-              <a:buNone/>
-            </a:pPr>
-            <a:br>
-              <a:rPr lang="en-US" sz="1600" b="0" i="0" dirty="0">
-                <a:solidFill>
-                  <a:srgbClr val="000000"/>
-                </a:solidFill>
-                <a:effectLst/>
-              </a:rPr>
-            </a:br>
-            <a:r>
-              <a:rPr lang="en-US" sz="1600" dirty="0">
-                <a:solidFill>
-                  <a:srgbClr val="000000"/>
-                </a:solidFill>
-              </a:rPr>
-              <a:t>1. Add (+)</a:t>
-            </a:r>
-            <a:br>
-              <a:rPr lang="en-US" sz="1600" dirty="0">
-                <a:solidFill>
-                  <a:srgbClr val="000000"/>
-                </a:solidFill>
-              </a:rPr>
-            </a:br>
-            <a:r>
-              <a:rPr lang="en-US" sz="1600" dirty="0">
-                <a:solidFill>
-                  <a:srgbClr val="000000"/>
-                </a:solidFill>
-              </a:rPr>
-              <a:t>2. Subtract (-)</a:t>
-            </a:r>
-            <a:br>
-              <a:rPr lang="en-US" sz="1600" dirty="0">
-                <a:solidFill>
-                  <a:srgbClr val="000000"/>
-                </a:solidFill>
-              </a:rPr>
-            </a:br>
-            <a:r>
-              <a:rPr lang="en-US" sz="1600" dirty="0">
-                <a:solidFill>
-                  <a:srgbClr val="000000"/>
-                </a:solidFill>
-              </a:rPr>
-              <a:t>3. Invert (1‘s complement)</a:t>
-            </a:r>
-            <a:br>
-              <a:rPr lang="en-US" sz="1600" dirty="0">
-                <a:solidFill>
-                  <a:srgbClr val="000000"/>
-                </a:solidFill>
-              </a:rPr>
-            </a:br>
-            <a:r>
-              <a:rPr lang="en-US" sz="1600" dirty="0">
-                <a:solidFill>
-                  <a:srgbClr val="000000"/>
-                </a:solidFill>
-              </a:rPr>
-              <a:t>4. Logical Shift Left (&lt;&lt;)</a:t>
-            </a:r>
-            <a:br>
-              <a:rPr lang="en-US" sz="1600" dirty="0">
-                <a:solidFill>
-                  <a:srgbClr val="000000"/>
-                </a:solidFill>
-              </a:rPr>
-            </a:br>
-            <a:r>
-              <a:rPr lang="en-US" sz="1600" dirty="0">
-                <a:solidFill>
-                  <a:srgbClr val="000000"/>
-                </a:solidFill>
-              </a:rPr>
-              <a:t>5. Logical Shift Right (&gt;&gt;)</a:t>
-            </a:r>
-            <a:br>
-              <a:rPr lang="en-US" sz="1600" dirty="0">
-                <a:solidFill>
-                  <a:srgbClr val="000000"/>
-                </a:solidFill>
-              </a:rPr>
-            </a:br>
-            <a:r>
-              <a:rPr lang="en-US" sz="1600" dirty="0">
-                <a:solidFill>
-                  <a:srgbClr val="000000"/>
-                </a:solidFill>
-              </a:rPr>
-              <a:t>6. Bitwise AND(&amp;)</a:t>
-            </a:r>
-          </a:p>
-          <a:p>
-            <a:pPr marL="0" indent="0" algn="l">
-              <a:buNone/>
-            </a:pPr>
-            <a:r>
-              <a:rPr lang="en-US" sz="1600" dirty="0">
-                <a:solidFill>
-                  <a:srgbClr val="000000"/>
-                </a:solidFill>
-              </a:rPr>
-              <a:t>7. Bitwise OR (|)</a:t>
-            </a:r>
-            <a:br>
-              <a:rPr lang="en-US" sz="1600" dirty="0">
-                <a:solidFill>
-                  <a:srgbClr val="000000"/>
-                </a:solidFill>
-              </a:rPr>
-            </a:br>
-            <a:r>
-              <a:rPr lang="en-US" sz="1600" dirty="0">
-                <a:solidFill>
-                  <a:srgbClr val="000000"/>
-                </a:solidFill>
-              </a:rPr>
-              <a:t>8. Increment (+1)</a:t>
-            </a:r>
-          </a:p>
-          <a:p>
-            <a:pPr marL="0" indent="0" algn="l">
-              <a:buNone/>
-            </a:pPr>
-            <a:r>
-              <a:rPr lang="en-US" sz="1600" dirty="0">
-                <a:solidFill>
-                  <a:srgbClr val="000000"/>
-                </a:solidFill>
-              </a:rPr>
-              <a:t>9. Decrement (-1)</a:t>
-            </a:r>
-            <a:endParaRPr lang="en-US" sz="1600" dirty="0"/>
-          </a:p>
-          <a:p>
-            <a:pPr marL="0" indent="0" algn="l">
-              <a:buNone/>
-            </a:pPr>
-            <a:endParaRPr lang="en-US" sz="1600" dirty="0">
-              <a:solidFill>
-                <a:srgbClr val="000000"/>
-              </a:solidFill>
-            </a:endParaRPr>
-          </a:p>
-          <a:p>
-            <a:pPr marL="0" indent="0" algn="l">
-              <a:buNone/>
-            </a:pPr>
-            <a:br>
-              <a:rPr lang="en-US" sz="1600" b="1" i="0" dirty="0">
-                <a:solidFill>
-                  <a:srgbClr val="000000"/>
-                </a:solidFill>
-                <a:effectLst/>
-              </a:rPr>
-            </a:br>
-            <a:endParaRPr lang="en-US" sz="1600" dirty="0"/>
-          </a:p>
-        </p:txBody>
-      </p:sp>
-    </p:spTree>
-    <p:extLst>
-      <p:ext uri="{BB962C8B-B14F-4D97-AF65-F5344CB8AC3E}">
-        <p14:creationId xmlns:p14="http://schemas.microsoft.com/office/powerpoint/2010/main" val="824497670"/>
       </p:ext>
     </p:extLst>
   </p:cSld>
@@ -7136,7 +7060,7 @@
           <a:p>
             <a:r>
               <a:rPr lang="en-US" u="sng" dirty="0"/>
-              <a:t> Instruction format of RISC Processor:</a:t>
+              <a:t> Instruction set of RISC Processor:</a:t>
             </a:r>
           </a:p>
         </p:txBody>
@@ -7157,120 +7081,163 @@
             <p:ph idx="1"/>
           </p:nvPr>
         </p:nvSpPr>
-        <p:spPr/>
-        <p:txBody>
-          <a:bodyPr/>
-          <a:lstStyle/>
-          <a:p>
-            <a:r>
-              <a:rPr lang="en-US" dirty="0"/>
-              <a:t>Load – opcode= 4 bits, </a:t>
-            </a:r>
-            <a:r>
-              <a:rPr lang="en-US" dirty="0" err="1"/>
-              <a:t>src_reg</a:t>
-            </a:r>
-            <a:r>
-              <a:rPr lang="en-US" dirty="0"/>
-              <a:t> = 3 bits, </a:t>
-            </a:r>
-            <a:r>
-              <a:rPr lang="en-US" dirty="0" err="1"/>
-              <a:t>dest_reg</a:t>
-            </a:r>
-            <a:r>
-              <a:rPr lang="en-US" dirty="0"/>
-              <a:t>=3 bits, offset= 6 bits</a:t>
-            </a:r>
-          </a:p>
-          <a:p>
-            <a:r>
-              <a:rPr lang="en-US" dirty="0"/>
-              <a:t>Store – opcode= 4 bits, </a:t>
-            </a:r>
-            <a:r>
-              <a:rPr lang="en-US" dirty="0" err="1"/>
-              <a:t>src_reg</a:t>
-            </a:r>
-            <a:r>
-              <a:rPr lang="en-US" dirty="0"/>
-              <a:t> = 3 bits, </a:t>
-            </a:r>
-            <a:r>
-              <a:rPr lang="en-US" dirty="0" err="1"/>
-              <a:t>dest_reg</a:t>
-            </a:r>
-            <a:r>
-              <a:rPr lang="en-US" dirty="0"/>
-              <a:t>=3 bits, offset= 6 bits</a:t>
-            </a:r>
-          </a:p>
-          <a:p>
-            <a:r>
-              <a:rPr lang="en-US" dirty="0"/>
-              <a:t>ALU - opcode= 4 bits, src_reg1 = 3 bits, src_reg2 = 3 bits, </a:t>
-            </a:r>
-            <a:r>
-              <a:rPr lang="en-US" dirty="0" err="1"/>
-              <a:t>dest_reg</a:t>
-            </a:r>
-            <a:r>
-              <a:rPr lang="en-US" dirty="0"/>
-              <a:t>=3 bits, offset= 3 bits</a:t>
-            </a:r>
-          </a:p>
-          <a:p>
-            <a:r>
-              <a:rPr lang="en-US" dirty="0"/>
-              <a:t>Jump – opcode = 4 bits, offset = 12 bits</a:t>
-            </a:r>
-          </a:p>
-          <a:p>
-            <a:r>
-              <a:rPr lang="en-US" dirty="0"/>
-              <a:t>Branch – opcode= 4 bits, </a:t>
-            </a:r>
-            <a:r>
-              <a:rPr lang="en-US" dirty="0" err="1"/>
-              <a:t>src_reg</a:t>
-            </a:r>
-            <a:r>
-              <a:rPr lang="en-US" dirty="0"/>
-              <a:t> = 3 bits, </a:t>
-            </a:r>
-            <a:r>
-              <a:rPr lang="en-US" dirty="0" err="1"/>
-              <a:t>dest_reg</a:t>
-            </a:r>
-            <a:r>
-              <a:rPr lang="en-US" dirty="0"/>
-              <a:t>=3 bits, offset= 6 bits</a:t>
-            </a:r>
-          </a:p>
-          <a:p>
-            <a:pPr lvl="1"/>
-            <a:r>
-              <a:rPr lang="en-US" dirty="0"/>
-              <a:t>Branch to (PC + 1 +offset(&lt;&lt;1) when src_Reg1=src_reg2 on BEQ</a:t>
-            </a:r>
-          </a:p>
-          <a:p>
-            <a:pPr lvl="1"/>
-            <a:r>
-              <a:rPr lang="en-US" dirty="0"/>
-              <a:t>Branch to (PC + 1 +offset(&lt;&lt;1) when src_Reg1!=src_reg2 on BNE</a:t>
-            </a:r>
-          </a:p>
-          <a:p>
-            <a:pPr lvl="1"/>
-            <a:endParaRPr lang="en-US" dirty="0"/>
+        <p:spPr>
+          <a:xfrm>
+            <a:off x="838200" y="1825625"/>
+            <a:ext cx="4503821" cy="4351338"/>
+          </a:xfrm>
+        </p:spPr>
+        <p:txBody>
+          <a:bodyPr>
+            <a:noAutofit/>
+          </a:bodyPr>
+          <a:lstStyle/>
+          <a:p>
+            <a:pPr marL="0" indent="0" algn="l">
+              <a:buNone/>
+            </a:pPr>
+            <a:endParaRPr lang="en-US" sz="1600" b="1" i="0" dirty="0">
+              <a:solidFill>
+                <a:srgbClr val="000000"/>
+              </a:solidFill>
+              <a:effectLst/>
+              <a:latin typeface="Arial" panose="020B0604020202020204" pitchFamily="34" charset="0"/>
+            </a:endParaRPr>
+          </a:p>
+          <a:p>
+            <a:pPr marL="0" indent="0">
+              <a:buNone/>
+            </a:pPr>
+            <a:r>
+              <a:rPr lang="en-US" sz="1600" b="1" dirty="0">
+                <a:solidFill>
+                  <a:srgbClr val="000000"/>
+                </a:solidFill>
+              </a:rPr>
+              <a:t>C. Data Processing Instructions</a:t>
+            </a:r>
+          </a:p>
+          <a:p>
+            <a:r>
+              <a:rPr lang="en-US" sz="1600" dirty="0">
+                <a:solidFill>
+                  <a:srgbClr val="000000"/>
+                </a:solidFill>
+              </a:rPr>
+              <a:t> Add (+)  (Opcode = 0010)</a:t>
+            </a:r>
+          </a:p>
+          <a:p>
+            <a:r>
+              <a:rPr lang="en-US" sz="1600" dirty="0">
+                <a:solidFill>
+                  <a:srgbClr val="000000"/>
+                </a:solidFill>
+              </a:rPr>
+              <a:t> Subtract (-) (Opcode = 0011)</a:t>
+            </a:r>
+          </a:p>
+          <a:p>
+            <a:r>
+              <a:rPr lang="en-US" sz="1600" dirty="0">
+                <a:solidFill>
+                  <a:srgbClr val="000000"/>
+                </a:solidFill>
+              </a:rPr>
+              <a:t> Invert (1‘s complement) (Opcode = 0100)</a:t>
+            </a:r>
+          </a:p>
+          <a:p>
+            <a:r>
+              <a:rPr lang="en-US" sz="1600" dirty="0">
+                <a:solidFill>
+                  <a:srgbClr val="000000"/>
+                </a:solidFill>
+              </a:rPr>
+              <a:t> Logical Shift Left (&lt;&lt;) (Opcode = 0101)</a:t>
+            </a:r>
+          </a:p>
+          <a:p>
+            <a:r>
+              <a:rPr lang="en-US" sz="1600" dirty="0">
+                <a:solidFill>
+                  <a:srgbClr val="000000"/>
+                </a:solidFill>
+              </a:rPr>
+              <a:t> Logical Shift Right (&gt;&gt;) (Opcode = 0110)</a:t>
+            </a:r>
+          </a:p>
+          <a:p>
+            <a:r>
+              <a:rPr lang="en-US" sz="1600" dirty="0">
+                <a:solidFill>
+                  <a:srgbClr val="000000"/>
+                </a:solidFill>
+              </a:rPr>
+              <a:t> Bitwise AND(&amp;) (Opcode = 0111)</a:t>
+            </a:r>
+          </a:p>
+          <a:p>
+            <a:r>
+              <a:rPr lang="en-US" sz="1600" dirty="0">
+                <a:solidFill>
+                  <a:srgbClr val="000000"/>
+                </a:solidFill>
+              </a:rPr>
+              <a:t> Bitwise OR (|) (Opcode = 1000)</a:t>
+            </a:r>
+          </a:p>
+          <a:p>
+            <a:r>
+              <a:rPr lang="en-US" sz="1600" dirty="0">
+                <a:solidFill>
+                  <a:srgbClr val="000000"/>
+                </a:solidFill>
+              </a:rPr>
+              <a:t> Increment (+1) (Opcode = 1001)</a:t>
+            </a:r>
+          </a:p>
+          <a:p>
+            <a:r>
+              <a:rPr lang="en-US" sz="1600" dirty="0">
+                <a:solidFill>
+                  <a:srgbClr val="000000"/>
+                </a:solidFill>
+              </a:rPr>
+              <a:t> Decrement (-1) (Opcode = 1010)</a:t>
+            </a:r>
+            <a:endParaRPr lang="en-US" sz="1600" dirty="0"/>
+          </a:p>
+          <a:p>
+            <a:pPr marL="0" indent="0" algn="l">
+              <a:buNone/>
+            </a:pPr>
+            <a:endParaRPr lang="en-US" sz="1600" dirty="0">
+              <a:solidFill>
+                <a:srgbClr val="000000"/>
+              </a:solidFill>
+            </a:endParaRPr>
+          </a:p>
+          <a:p>
+            <a:pPr marL="0" indent="0" algn="l">
+              <a:buNone/>
+            </a:pPr>
+            <a:br>
+              <a:rPr lang="en-US" sz="1600" b="1" i="0" dirty="0">
+                <a:solidFill>
+                  <a:srgbClr val="000000"/>
+                </a:solidFill>
+                <a:effectLst/>
+              </a:rPr>
+            </a:br>
+            <a:endParaRPr lang="en-US" sz="1600" dirty="0"/>
           </a:p>
         </p:txBody>
       </p:sp>
     </p:spTree>
     <p:extLst>
       <p:ext uri="{BB962C8B-B14F-4D97-AF65-F5344CB8AC3E}">
-        <p14:creationId xmlns:p14="http://schemas.microsoft.com/office/powerpoint/2010/main" val="3986795051"/>
+        <p14:creationId xmlns:p14="http://schemas.microsoft.com/office/powerpoint/2010/main" val="824497670"/>
       </p:ext>
     </p:extLst>
   </p:cSld>
@@ -7302,7 +7269,7 @@
           <p:cNvPr id="2" name="Title 1">
             <a:extLst>
               <a:ext uri="{FF2B5EF4-FFF2-40B4-BE49-F238E27FC236}">
-                <a16:creationId xmlns:a16="http://schemas.microsoft.com/office/drawing/2014/main" id="{47CE5AE9-26EF-DEBB-91F1-EEDBEA88F56B}"/>
+                <a16:creationId xmlns:a16="http://schemas.microsoft.com/office/drawing/2014/main" id="{EF29044B-1E5E-2926-7019-DF0ACF0DC9CA}"/>
               </a:ext>
             </a:extLst>
           </p:cNvPr>
@@ -7320,7 +7287,7 @@
           <a:p>
             <a:r>
               <a:rPr lang="en-US" u="sng" dirty="0"/>
-              <a:t>Design Implementation:</a:t>
+              <a:t> Instruction format of RISC Processor:</a:t>
             </a:r>
           </a:p>
         </p:txBody>
@@ -7330,7 +7297,7 @@
           <p:cNvPr id="3" name="Content Placeholder 2">
             <a:extLst>
               <a:ext uri="{FF2B5EF4-FFF2-40B4-BE49-F238E27FC236}">
-                <a16:creationId xmlns:a16="http://schemas.microsoft.com/office/drawing/2014/main" id="{7E7880CD-CD16-7090-544D-F031D69344DC}"/>
+                <a16:creationId xmlns:a16="http://schemas.microsoft.com/office/drawing/2014/main" id="{FC399DAA-895F-8063-C904-6F3F79C45B3E}"/>
               </a:ext>
             </a:extLst>
           </p:cNvPr>
@@ -7348,27 +7315,113 @@
           <a:p>
             <a:r>
               <a:rPr lang="en-US" dirty="0"/>
-              <a:t>We started by defining the input ports and output ports of each module.</a:t>
-            </a:r>
-          </a:p>
-          <a:p>
+              <a:t>Load – opcode= 4 bits, </a:t>
+            </a:r>
+            <a:r>
+              <a:rPr lang="en-US" dirty="0" err="1"/>
+              <a:t>src_reg</a:t>
+            </a:r>
             <a:r>
               <a:rPr lang="en-US" dirty="0"/>
-              <a:t>Documented the requirements of each module.</a:t>
-            </a:r>
-          </a:p>
-          <a:p>
+              <a:t> = 3 bits, </a:t>
+            </a:r>
+            <a:r>
+              <a:rPr lang="en-US" dirty="0" err="1"/>
+              <a:t>dest_reg</a:t>
+            </a:r>
             <a:r>
               <a:rPr lang="en-US" dirty="0"/>
-              <a:t>Coded the design taking into consideration all the possible scenarios and exceptions.</a:t>
-            </a:r>
+              <a:t>=3 bits, offset= 6 bits</a:t>
+            </a:r>
+          </a:p>
+          <a:p>
+            <a:r>
+              <a:rPr lang="en-US" dirty="0"/>
+              <a:t>Store – opcode= 4 bits, </a:t>
+            </a:r>
+            <a:r>
+              <a:rPr lang="en-US" dirty="0" err="1"/>
+              <a:t>src_reg</a:t>
+            </a:r>
+            <a:r>
+              <a:rPr lang="en-US" dirty="0"/>
+              <a:t> = 3 bits, </a:t>
+            </a:r>
+            <a:r>
+              <a:rPr lang="en-US" dirty="0" err="1"/>
+              <a:t>dest_reg</a:t>
+            </a:r>
+            <a:r>
+              <a:rPr lang="en-US" dirty="0"/>
+              <a:t>=3 bits, offset= 6 bits</a:t>
+            </a:r>
+          </a:p>
+          <a:p>
+            <a:r>
+              <a:rPr lang="en-US" dirty="0"/>
+              <a:t>ALU - opcode= 4 bits, src_reg1 = 3 bits, src_reg2 = 3 bits, </a:t>
+            </a:r>
+            <a:r>
+              <a:rPr lang="en-US" dirty="0" err="1"/>
+              <a:t>dest_reg</a:t>
+            </a:r>
+            <a:r>
+              <a:rPr lang="en-US" dirty="0"/>
+              <a:t>=3 bits, offset= 3 bits</a:t>
+            </a:r>
+          </a:p>
+          <a:p>
+            <a:r>
+              <a:rPr lang="en-US" dirty="0"/>
+              <a:t>Jump – opcode = 4 bits, offset = 12 bits</a:t>
+            </a:r>
+          </a:p>
+          <a:p>
+            <a:r>
+              <a:rPr lang="en-US" dirty="0"/>
+              <a:t>Branch – opcode= 4 bits, </a:t>
+            </a:r>
+            <a:r>
+              <a:rPr lang="en-US" dirty="0" err="1"/>
+              <a:t>src_reg</a:t>
+            </a:r>
+            <a:r>
+              <a:rPr lang="en-US" dirty="0"/>
+              <a:t> = 3 bits, </a:t>
+            </a:r>
+            <a:r>
+              <a:rPr lang="en-US" dirty="0" err="1"/>
+              <a:t>dest_reg</a:t>
+            </a:r>
+            <a:r>
+              <a:rPr lang="en-US" dirty="0"/>
+              <a:t>=3 bits, offset= 6 bits</a:t>
+            </a:r>
+          </a:p>
+          <a:p>
+            <a:pPr lvl="1"/>
+            <a:r>
+              <a:rPr lang="en-US" dirty="0"/>
+              <a:t>Branch to (PC + 1 +offset(&lt;&lt;1) when src_Reg1=src_reg2 on BEQ</a:t>
+            </a:r>
+          </a:p>
+          <a:p>
+            <a:pPr lvl="1"/>
+            <a:r>
+              <a:rPr lang="en-US" dirty="0"/>
+              <a:t>Branch to (PC + 1 +offset(&lt;&lt;1) when src_Reg1!=src_reg2 on BNE</a:t>
+            </a:r>
+          </a:p>
+          <a:p>
+            <a:pPr lvl="1"/>
+            <a:endParaRPr lang="en-US" dirty="0"/>
           </a:p>
         </p:txBody>
       </p:sp>
     </p:spTree>
     <p:extLst>
       <p:ext uri="{BB962C8B-B14F-4D97-AF65-F5344CB8AC3E}">
-        <p14:creationId xmlns:p14="http://schemas.microsoft.com/office/powerpoint/2010/main" val="177405831"/>
+        <p14:creationId xmlns:p14="http://schemas.microsoft.com/office/powerpoint/2010/main" val="3986795051"/>
       </p:ext>
     </p:extLst>
   </p:cSld>
@@ -7671,4 +7724,10 @@
     </a:ext>
   </a:extLst>
 </a:theme>
+</file>
+
+<file path=docMetadata/LabelInfo.xml><?xml version="1.0" encoding="utf-8"?>
+<clbl:labelList xmlns:clbl="http://schemas.microsoft.com/office/2020/mipLabelMetadata">
+  <clbl:label id="{f42aa342-8706-4288-bd11-ebb85995028c}" enabled="1" method="Standard" siteId="{72f988bf-86f1-41af-91ab-2d7cd011db47}" contentBits="0" removed="0"/>
+</clbl:labelList>
 </file>
--- a/SV_final_project_ppt.pptx
+++ b/SV_final_project_ppt.pptx
@@ -11,22 +11,23 @@
     <p:sldId id="258" r:id="rId5"/>
     <p:sldId id="259" r:id="rId6"/>
     <p:sldId id="261" r:id="rId7"/>
-    <p:sldId id="260" r:id="rId8"/>
-    <p:sldId id="269" r:id="rId9"/>
-    <p:sldId id="268" r:id="rId10"/>
-    <p:sldId id="267" r:id="rId11"/>
-    <p:sldId id="262" r:id="rId12"/>
-    <p:sldId id="263" r:id="rId13"/>
-    <p:sldId id="264" r:id="rId14"/>
-    <p:sldId id="266" r:id="rId15"/>
-    <p:sldId id="273" r:id="rId16"/>
-    <p:sldId id="274" r:id="rId17"/>
-    <p:sldId id="275" r:id="rId18"/>
-    <p:sldId id="270" r:id="rId19"/>
-    <p:sldId id="271" r:id="rId20"/>
-    <p:sldId id="272" r:id="rId21"/>
-    <p:sldId id="276" r:id="rId22"/>
-    <p:sldId id="277" r:id="rId23"/>
+    <p:sldId id="281" r:id="rId8"/>
+    <p:sldId id="282" r:id="rId9"/>
+    <p:sldId id="260" r:id="rId10"/>
+    <p:sldId id="269" r:id="rId11"/>
+    <p:sldId id="267" r:id="rId12"/>
+    <p:sldId id="262" r:id="rId13"/>
+    <p:sldId id="263" r:id="rId14"/>
+    <p:sldId id="264" r:id="rId15"/>
+    <p:sldId id="266" r:id="rId16"/>
+    <p:sldId id="273" r:id="rId17"/>
+    <p:sldId id="274" r:id="rId18"/>
+    <p:sldId id="275" r:id="rId19"/>
+    <p:sldId id="270" r:id="rId20"/>
+    <p:sldId id="271" r:id="rId21"/>
+    <p:sldId id="272" r:id="rId22"/>
+    <p:sldId id="276" r:id="rId23"/>
+    <p:sldId id="277" r:id="rId24"/>
   </p:sldIdLst>
   <p:sldSz cx="12192000" cy="6858000"/>
   <p:notesSz cx="6858000" cy="9144000"/>
@@ -133,6 +134,236 @@
 </p:presentation>
 </file>
 
+<file path=ppt/changesInfos/changesInfo1.xml><?xml version="1.0" encoding="utf-8"?>
+<pc:chgInfo xmlns:a="http://schemas.openxmlformats.org/drawingml/2006/main" xmlns:r="http://schemas.openxmlformats.org/officeDocument/2006/relationships" xmlns:ac="http://schemas.microsoft.com/office/drawing/2013/main/command" xmlns:pc="http://schemas.microsoft.com/office/powerpoint/2013/main/command">
+  <pc:docChgLst>
+    <pc:chgData name="Ram" userId="e8dec0a0489f0b3c" providerId="LiveId" clId="{3603F6A8-D5FA-4301-8E27-1230D4AE8D32}"/>
+    <pc:docChg chg="undo redo custSel addSld delSld modSld sldOrd">
+      <pc:chgData name="Ram" userId="e8dec0a0489f0b3c" providerId="LiveId" clId="{3603F6A8-D5FA-4301-8E27-1230D4AE8D32}" dt="2023-03-24T23:36:54.845" v="1224" actId="313"/>
+      <pc:docMkLst>
+        <pc:docMk/>
+      </pc:docMkLst>
+      <pc:sldChg chg="modSp mod">
+        <pc:chgData name="Ram" userId="e8dec0a0489f0b3c" providerId="LiveId" clId="{3603F6A8-D5FA-4301-8E27-1230D4AE8D32}" dt="2023-03-23T00:30:42.184" v="466" actId="20577"/>
+        <pc:sldMkLst>
+          <pc:docMk/>
+          <pc:sldMk cId="86330892" sldId="260"/>
+        </pc:sldMkLst>
+        <pc:spChg chg="mod">
+          <ac:chgData name="Ram" userId="e8dec0a0489f0b3c" providerId="LiveId" clId="{3603F6A8-D5FA-4301-8E27-1230D4AE8D32}" dt="2023-03-23T00:30:42.184" v="466" actId="20577"/>
+          <ac:spMkLst>
+            <pc:docMk/>
+            <pc:sldMk cId="86330892" sldId="260"/>
+            <ac:spMk id="3" creationId="{FC399DAA-895F-8063-C904-6F3F79C45B3E}"/>
+          </ac:spMkLst>
+        </pc:spChg>
+      </pc:sldChg>
+      <pc:sldChg chg="modSp mod">
+        <pc:chgData name="Ram" userId="e8dec0a0489f0b3c" providerId="LiveId" clId="{3603F6A8-D5FA-4301-8E27-1230D4AE8D32}" dt="2023-03-24T23:36:54.845" v="1224" actId="313"/>
+        <pc:sldMkLst>
+          <pc:docMk/>
+          <pc:sldMk cId="183828232" sldId="263"/>
+        </pc:sldMkLst>
+        <pc:spChg chg="mod">
+          <ac:chgData name="Ram" userId="e8dec0a0489f0b3c" providerId="LiveId" clId="{3603F6A8-D5FA-4301-8E27-1230D4AE8D32}" dt="2023-03-24T23:36:54.845" v="1224" actId="313"/>
+          <ac:spMkLst>
+            <pc:docMk/>
+            <pc:sldMk cId="183828232" sldId="263"/>
+            <ac:spMk id="3" creationId="{8B57D06F-7F28-8DCD-85C8-9AD87C31EED2}"/>
+          </ac:spMkLst>
+        </pc:spChg>
+      </pc:sldChg>
+      <pc:sldChg chg="del ord">
+        <pc:chgData name="Ram" userId="e8dec0a0489f0b3c" providerId="LiveId" clId="{3603F6A8-D5FA-4301-8E27-1230D4AE8D32}" dt="2023-03-24T23:31:30.176" v="1211" actId="47"/>
+        <pc:sldMkLst>
+          <pc:docMk/>
+          <pc:sldMk cId="3986795051" sldId="268"/>
+        </pc:sldMkLst>
+      </pc:sldChg>
+      <pc:sldChg chg="modSp mod">
+        <pc:chgData name="Ram" userId="e8dec0a0489f0b3c" providerId="LiveId" clId="{3603F6A8-D5FA-4301-8E27-1230D4AE8D32}" dt="2023-03-24T23:36:08.584" v="1223" actId="27636"/>
+        <pc:sldMkLst>
+          <pc:docMk/>
+          <pc:sldMk cId="413113147" sldId="274"/>
+        </pc:sldMkLst>
+        <pc:spChg chg="mod">
+          <ac:chgData name="Ram" userId="e8dec0a0489f0b3c" providerId="LiveId" clId="{3603F6A8-D5FA-4301-8E27-1230D4AE8D32}" dt="2023-03-24T23:36:08.584" v="1223" actId="27636"/>
+          <ac:spMkLst>
+            <pc:docMk/>
+            <pc:sldMk cId="413113147" sldId="274"/>
+            <ac:spMk id="2" creationId="{1C275108-18E8-3818-305F-FD9FDCBFA154}"/>
+          </ac:spMkLst>
+        </pc:spChg>
+        <pc:picChg chg="mod">
+          <ac:chgData name="Ram" userId="e8dec0a0489f0b3c" providerId="LiveId" clId="{3603F6A8-D5FA-4301-8E27-1230D4AE8D32}" dt="2023-03-23T02:08:09.580" v="469" actId="14100"/>
+          <ac:picMkLst>
+            <pc:docMk/>
+            <pc:sldMk cId="413113147" sldId="274"/>
+            <ac:picMk id="7" creationId="{77A90147-E9C3-F87E-386E-D5F5F85FE759}"/>
+          </ac:picMkLst>
+        </pc:picChg>
+      </pc:sldChg>
+      <pc:sldChg chg="modSp mod">
+        <pc:chgData name="Ram" userId="e8dec0a0489f0b3c" providerId="LiveId" clId="{3603F6A8-D5FA-4301-8E27-1230D4AE8D32}" dt="2023-03-22T23:38:10.488" v="4" actId="20577"/>
+        <pc:sldMkLst>
+          <pc:docMk/>
+          <pc:sldMk cId="1469120162" sldId="279"/>
+        </pc:sldMkLst>
+        <pc:spChg chg="mod">
+          <ac:chgData name="Ram" userId="e8dec0a0489f0b3c" providerId="LiveId" clId="{3603F6A8-D5FA-4301-8E27-1230D4AE8D32}" dt="2023-03-22T23:38:10.488" v="4" actId="20577"/>
+          <ac:spMkLst>
+            <pc:docMk/>
+            <pc:sldMk cId="1469120162" sldId="279"/>
+            <ac:spMk id="3" creationId="{FC399DAA-895F-8063-C904-6F3F79C45B3E}"/>
+          </ac:spMkLst>
+        </pc:spChg>
+      </pc:sldChg>
+      <pc:sldChg chg="addSp delSp modSp new del mod ord">
+        <pc:chgData name="Ram" userId="e8dec0a0489f0b3c" providerId="LiveId" clId="{3603F6A8-D5FA-4301-8E27-1230D4AE8D32}" dt="2023-03-23T00:02:33.545" v="318" actId="2696"/>
+        <pc:sldMkLst>
+          <pc:docMk/>
+          <pc:sldMk cId="1205453490" sldId="280"/>
+        </pc:sldMkLst>
+        <pc:spChg chg="del mod">
+          <ac:chgData name="Ram" userId="e8dec0a0489f0b3c" providerId="LiveId" clId="{3603F6A8-D5FA-4301-8E27-1230D4AE8D32}" dt="2023-03-22T23:53:30.709" v="79" actId="478"/>
+          <ac:spMkLst>
+            <pc:docMk/>
+            <pc:sldMk cId="1205453490" sldId="280"/>
+            <ac:spMk id="2" creationId="{A74D8478-7C81-7D07-5E5C-C54A3FD952D0}"/>
+          </ac:spMkLst>
+        </pc:spChg>
+        <pc:spChg chg="del mod">
+          <ac:chgData name="Ram" userId="e8dec0a0489f0b3c" providerId="LiveId" clId="{3603F6A8-D5FA-4301-8E27-1230D4AE8D32}" dt="2023-03-22T23:51:27.599" v="10" actId="3680"/>
+          <ac:spMkLst>
+            <pc:docMk/>
+            <pc:sldMk cId="1205453490" sldId="280"/>
+            <ac:spMk id="3" creationId="{90F0EBC9-F0CD-1224-FDB2-D04164758043}"/>
+          </ac:spMkLst>
+        </pc:spChg>
+        <pc:graphicFrameChg chg="add mod ord modGraphic">
+          <ac:chgData name="Ram" userId="e8dec0a0489f0b3c" providerId="LiveId" clId="{3603F6A8-D5FA-4301-8E27-1230D4AE8D32}" dt="2023-03-23T00:02:24.039" v="316" actId="21"/>
+          <ac:graphicFrameMkLst>
+            <pc:docMk/>
+            <pc:sldMk cId="1205453490" sldId="280"/>
+            <ac:graphicFrameMk id="4" creationId="{91A00538-E0EA-0B07-F676-C36DE196E327}"/>
+          </ac:graphicFrameMkLst>
+        </pc:graphicFrameChg>
+      </pc:sldChg>
+      <pc:sldChg chg="addSp delSp modSp new mod">
+        <pc:chgData name="Ram" userId="e8dec0a0489f0b3c" providerId="LiveId" clId="{3603F6A8-D5FA-4301-8E27-1230D4AE8D32}" dt="2023-03-24T23:35:11.724" v="1221" actId="14100"/>
+        <pc:sldMkLst>
+          <pc:docMk/>
+          <pc:sldMk cId="3364354608" sldId="281"/>
+        </pc:sldMkLst>
+        <pc:spChg chg="mod">
+          <ac:chgData name="Ram" userId="e8dec0a0489f0b3c" providerId="LiveId" clId="{3603F6A8-D5FA-4301-8E27-1230D4AE8D32}" dt="2023-03-23T00:03:42.586" v="359" actId="14100"/>
+          <ac:spMkLst>
+            <pc:docMk/>
+            <pc:sldMk cId="3364354608" sldId="281"/>
+            <ac:spMk id="2" creationId="{2F4A6626-91CB-5C6F-042B-B341F5017127}"/>
+          </ac:spMkLst>
+        </pc:spChg>
+        <pc:spChg chg="del">
+          <ac:chgData name="Ram" userId="e8dec0a0489f0b3c" providerId="LiveId" clId="{3603F6A8-D5FA-4301-8E27-1230D4AE8D32}" dt="2023-03-23T00:04:01.268" v="361" actId="478"/>
+          <ac:spMkLst>
+            <pc:docMk/>
+            <pc:sldMk cId="3364354608" sldId="281"/>
+            <ac:spMk id="3" creationId="{03256D4F-E341-BA34-F3AF-DF02921A5C2B}"/>
+          </ac:spMkLst>
+        </pc:spChg>
+        <pc:graphicFrameChg chg="add mod modGraphic">
+          <ac:chgData name="Ram" userId="e8dec0a0489f0b3c" providerId="LiveId" clId="{3603F6A8-D5FA-4301-8E27-1230D4AE8D32}" dt="2023-03-24T23:35:11.724" v="1221" actId="14100"/>
+          <ac:graphicFrameMkLst>
+            <pc:docMk/>
+            <pc:sldMk cId="3364354608" sldId="281"/>
+            <ac:graphicFrameMk id="4" creationId="{A2733919-63B3-7EB7-CD3B-49BF949EDA88}"/>
+          </ac:graphicFrameMkLst>
+        </pc:graphicFrameChg>
+      </pc:sldChg>
+      <pc:sldChg chg="addSp delSp modSp new mod modClrScheme chgLayout">
+        <pc:chgData name="Ram" userId="e8dec0a0489f0b3c" providerId="LiveId" clId="{3603F6A8-D5FA-4301-8E27-1230D4AE8D32}" dt="2023-03-24T23:30:52.051" v="1210" actId="20577"/>
+        <pc:sldMkLst>
+          <pc:docMk/>
+          <pc:sldMk cId="1657825189" sldId="282"/>
+        </pc:sldMkLst>
+        <pc:spChg chg="add mod ord">
+          <ac:chgData name="Ram" userId="e8dec0a0489f0b3c" providerId="LiveId" clId="{3603F6A8-D5FA-4301-8E27-1230D4AE8D32}" dt="2023-03-24T22:54:14.839" v="495" actId="1076"/>
+          <ac:spMkLst>
+            <pc:docMk/>
+            <pc:sldMk cId="1657825189" sldId="282"/>
+            <ac:spMk id="2" creationId="{9CBEBB53-381E-DE23-6ACD-871F043075A8}"/>
+          </ac:spMkLst>
+        </pc:spChg>
+        <pc:spChg chg="add del mod ord">
+          <ac:chgData name="Ram" userId="e8dec0a0489f0b3c" providerId="LiveId" clId="{3603F6A8-D5FA-4301-8E27-1230D4AE8D32}" dt="2023-03-24T22:53:59.178" v="491" actId="700"/>
+          <ac:spMkLst>
+            <pc:docMk/>
+            <pc:sldMk cId="1657825189" sldId="282"/>
+            <ac:spMk id="3" creationId="{4F8AD4A8-AFE6-FA0F-3FEC-7CBD7DB5E9FC}"/>
+          </ac:spMkLst>
+        </pc:spChg>
+        <pc:spChg chg="add mod ord">
+          <ac:chgData name="Ram" userId="e8dec0a0489f0b3c" providerId="LiveId" clId="{3603F6A8-D5FA-4301-8E27-1230D4AE8D32}" dt="2023-03-24T23:30:52.051" v="1210" actId="20577"/>
+          <ac:spMkLst>
+            <pc:docMk/>
+            <pc:sldMk cId="1657825189" sldId="282"/>
+            <ac:spMk id="4" creationId="{3CE4109E-28D2-2550-5DC9-B189A45224A1}"/>
+          </ac:spMkLst>
+        </pc:spChg>
+        <pc:graphicFrameChg chg="add del mod modGraphic">
+          <ac:chgData name="Ram" userId="e8dec0a0489f0b3c" providerId="LiveId" clId="{3603F6A8-D5FA-4301-8E27-1230D4AE8D32}" dt="2023-03-24T22:56:52.966" v="516" actId="478"/>
+          <ac:graphicFrameMkLst>
+            <pc:docMk/>
+            <pc:sldMk cId="1657825189" sldId="282"/>
+            <ac:graphicFrameMk id="5" creationId="{4BAFA92C-4A35-50E3-C5E3-E6B60A2D80F6}"/>
+          </ac:graphicFrameMkLst>
+        </pc:graphicFrameChg>
+        <pc:graphicFrameChg chg="add mod modGraphic">
+          <ac:chgData name="Ram" userId="e8dec0a0489f0b3c" providerId="LiveId" clId="{3603F6A8-D5FA-4301-8E27-1230D4AE8D32}" dt="2023-03-24T23:11:05.723" v="776" actId="20577"/>
+          <ac:graphicFrameMkLst>
+            <pc:docMk/>
+            <pc:sldMk cId="1657825189" sldId="282"/>
+            <ac:graphicFrameMk id="6" creationId="{E9882B0A-3717-0759-9B9E-9B21CE2FE433}"/>
+          </ac:graphicFrameMkLst>
+        </pc:graphicFrameChg>
+        <pc:graphicFrameChg chg="add mod modGraphic">
+          <ac:chgData name="Ram" userId="e8dec0a0489f0b3c" providerId="LiveId" clId="{3603F6A8-D5FA-4301-8E27-1230D4AE8D32}" dt="2023-03-24T23:26:18.055" v="1091" actId="20577"/>
+          <ac:graphicFrameMkLst>
+            <pc:docMk/>
+            <pc:sldMk cId="1657825189" sldId="282"/>
+            <ac:graphicFrameMk id="7" creationId="{C4139505-D9E1-A522-0467-17693EC9F36F}"/>
+          </ac:graphicFrameMkLst>
+        </pc:graphicFrameChg>
+        <pc:graphicFrameChg chg="add mod modGraphic">
+          <ac:chgData name="Ram" userId="e8dec0a0489f0b3c" providerId="LiveId" clId="{3603F6A8-D5FA-4301-8E27-1230D4AE8D32}" dt="2023-03-24T23:25:10.161" v="1061" actId="14100"/>
+          <ac:graphicFrameMkLst>
+            <pc:docMk/>
+            <pc:sldMk cId="1657825189" sldId="282"/>
+            <ac:graphicFrameMk id="8" creationId="{F0B6B274-9C9F-EC82-7303-4D483D07C9A5}"/>
+          </ac:graphicFrameMkLst>
+        </pc:graphicFrameChg>
+        <pc:graphicFrameChg chg="add mod modGraphic">
+          <ac:chgData name="Ram" userId="e8dec0a0489f0b3c" providerId="LiveId" clId="{3603F6A8-D5FA-4301-8E27-1230D4AE8D32}" dt="2023-03-24T23:30:26.696" v="1186" actId="14100"/>
+          <ac:graphicFrameMkLst>
+            <pc:docMk/>
+            <pc:sldMk cId="1657825189" sldId="282"/>
+            <ac:graphicFrameMk id="9" creationId="{8D93D546-BAAB-2ADB-DFC4-B1C5979BED58}"/>
+          </ac:graphicFrameMkLst>
+        </pc:graphicFrameChg>
+        <pc:graphicFrameChg chg="add mod modGraphic">
+          <ac:chgData name="Ram" userId="e8dec0a0489f0b3c" providerId="LiveId" clId="{3603F6A8-D5FA-4301-8E27-1230D4AE8D32}" dt="2023-03-24T23:30:04.819" v="1185" actId="14734"/>
+          <ac:graphicFrameMkLst>
+            <pc:docMk/>
+            <pc:sldMk cId="1657825189" sldId="282"/>
+            <ac:graphicFrameMk id="10" creationId="{FF282C02-3847-C4F9-5432-823F58A6F06B}"/>
+          </ac:graphicFrameMkLst>
+        </pc:graphicFrameChg>
+      </pc:sldChg>
+    </pc:docChg>
+  </pc:docChgLst>
+</pc:chgInfo>
+</file>
+
 <file path=ppt/slideLayouts/slideLayout1.xml><?xml version="1.0" encoding="utf-8"?>
 <p:sldLayout xmlns:a="http://schemas.openxmlformats.org/drawingml/2006/main" xmlns:r="http://schemas.openxmlformats.org/officeDocument/2006/relationships" xmlns:p="http://schemas.openxmlformats.org/presentationml/2006/main" type="title" preserve="1">
   <p:cSld name="Title Slide">
@@ -280,7 +511,7 @@
           <a:p>
             <a:fld id="{4C4E8DED-51CE-4F22-A9B1-C7A7852516B7}" type="datetimeFigureOut">
               <a:rPr lang="en-US" smtClean="0"/>
-              <a:t>3/22/2023</a:t>
+              <a:t>3/25/2023</a:t>
             </a:fld>
             <a:endParaRPr lang="en-US"/>
           </a:p>
@@ -478,7 +709,7 @@
           <a:p>
             <a:fld id="{4C4E8DED-51CE-4F22-A9B1-C7A7852516B7}" type="datetimeFigureOut">
               <a:rPr lang="en-US" smtClean="0"/>
-              <a:t>3/22/2023</a:t>
+              <a:t>3/25/2023</a:t>
             </a:fld>
             <a:endParaRPr lang="en-US"/>
           </a:p>
@@ -686,7 +917,7 @@
           <a:p>
             <a:fld id="{4C4E8DED-51CE-4F22-A9B1-C7A7852516B7}" type="datetimeFigureOut">
               <a:rPr lang="en-US" smtClean="0"/>
-              <a:t>3/22/2023</a:t>
+              <a:t>3/25/2023</a:t>
             </a:fld>
             <a:endParaRPr lang="en-US"/>
           </a:p>
@@ -884,7 +1115,7 @@
           <a:p>
             <a:fld id="{4C4E8DED-51CE-4F22-A9B1-C7A7852516B7}" type="datetimeFigureOut">
               <a:rPr lang="en-US" smtClean="0"/>
-              <a:t>3/22/2023</a:t>
+              <a:t>3/25/2023</a:t>
             </a:fld>
             <a:endParaRPr lang="en-US"/>
           </a:p>
@@ -1159,7 +1390,7 @@
           <a:p>
             <a:fld id="{4C4E8DED-51CE-4F22-A9B1-C7A7852516B7}" type="datetimeFigureOut">
               <a:rPr lang="en-US" smtClean="0"/>
-              <a:t>3/22/2023</a:t>
+              <a:t>3/25/2023</a:t>
             </a:fld>
             <a:endParaRPr lang="en-US"/>
           </a:p>
@@ -1424,7 +1655,7 @@
           <a:p>
             <a:fld id="{4C4E8DED-51CE-4F22-A9B1-C7A7852516B7}" type="datetimeFigureOut">
               <a:rPr lang="en-US" smtClean="0"/>
-              <a:t>3/22/2023</a:t>
+              <a:t>3/25/2023</a:t>
             </a:fld>
             <a:endParaRPr lang="en-US"/>
           </a:p>
@@ -1836,7 +2067,7 @@
           <a:p>
             <a:fld id="{4C4E8DED-51CE-4F22-A9B1-C7A7852516B7}" type="datetimeFigureOut">
               <a:rPr lang="en-US" smtClean="0"/>
-              <a:t>3/22/2023</a:t>
+              <a:t>3/25/2023</a:t>
             </a:fld>
             <a:endParaRPr lang="en-US"/>
           </a:p>
@@ -1977,7 +2208,7 @@
           <a:p>
             <a:fld id="{4C4E8DED-51CE-4F22-A9B1-C7A7852516B7}" type="datetimeFigureOut">
               <a:rPr lang="en-US" smtClean="0"/>
-              <a:t>3/22/2023</a:t>
+              <a:t>3/25/2023</a:t>
             </a:fld>
             <a:endParaRPr lang="en-US"/>
           </a:p>
@@ -2090,7 +2321,7 @@
           <a:p>
             <a:fld id="{4C4E8DED-51CE-4F22-A9B1-C7A7852516B7}" type="datetimeFigureOut">
               <a:rPr lang="en-US" smtClean="0"/>
-              <a:t>3/22/2023</a:t>
+              <a:t>3/25/2023</a:t>
             </a:fld>
             <a:endParaRPr lang="en-US"/>
           </a:p>
@@ -2401,7 +2632,7 @@
           <a:p>
             <a:fld id="{4C4E8DED-51CE-4F22-A9B1-C7A7852516B7}" type="datetimeFigureOut">
               <a:rPr lang="en-US" smtClean="0"/>
-              <a:t>3/22/2023</a:t>
+              <a:t>3/25/2023</a:t>
             </a:fld>
             <a:endParaRPr lang="en-US"/>
           </a:p>
@@ -2689,7 +2920,7 @@
           <a:p>
             <a:fld id="{4C4E8DED-51CE-4F22-A9B1-C7A7852516B7}" type="datetimeFigureOut">
               <a:rPr lang="en-US" smtClean="0"/>
-              <a:t>3/22/2023</a:t>
+              <a:t>3/25/2023</a:t>
             </a:fld>
             <a:endParaRPr lang="en-US"/>
           </a:p>
@@ -2930,7 +3161,7 @@
           <a:p>
             <a:fld id="{4C4E8DED-51CE-4F22-A9B1-C7A7852516B7}" type="datetimeFigureOut">
               <a:rPr lang="en-US" smtClean="0"/>
-              <a:t>3/22/2023</a:t>
+              <a:t>3/25/2023</a:t>
             </a:fld>
             <a:endParaRPr lang="en-US"/>
           </a:p>
@@ -3533,7 +3764,7 @@
           <p:cNvPr id="2" name="Title 1">
             <a:extLst>
               <a:ext uri="{FF2B5EF4-FFF2-40B4-BE49-F238E27FC236}">
-                <a16:creationId xmlns:a16="http://schemas.microsoft.com/office/drawing/2014/main" id="{47CE5AE9-26EF-DEBB-91F1-EEDBEA88F56B}"/>
+                <a16:creationId xmlns:a16="http://schemas.microsoft.com/office/drawing/2014/main" id="{EF29044B-1E5E-2926-7019-DF0ACF0DC9CA}"/>
               </a:ext>
             </a:extLst>
           </p:cNvPr>
@@ -3551,7 +3782,7 @@
           <a:p>
             <a:r>
               <a:rPr lang="en-US" u="sng" dirty="0"/>
-              <a:t>Design Implementation:</a:t>
+              <a:t> Instruction set of RISC Processor:</a:t>
             </a:r>
           </a:p>
         </p:txBody>
@@ -3561,7 +3792,7 @@
           <p:cNvPr id="3" name="Content Placeholder 2">
             <a:extLst>
               <a:ext uri="{FF2B5EF4-FFF2-40B4-BE49-F238E27FC236}">
-                <a16:creationId xmlns:a16="http://schemas.microsoft.com/office/drawing/2014/main" id="{7E7880CD-CD16-7090-544D-F031D69344DC}"/>
+                <a16:creationId xmlns:a16="http://schemas.microsoft.com/office/drawing/2014/main" id="{FC399DAA-895F-8063-C904-6F3F79C45B3E}"/>
               </a:ext>
             </a:extLst>
           </p:cNvPr>
@@ -3572,34 +3803,163 @@
             <p:ph idx="1"/>
           </p:nvPr>
         </p:nvSpPr>
-        <p:spPr/>
-        <p:txBody>
-          <a:bodyPr/>
-          <a:lstStyle/>
-          <a:p>
-            <a:r>
-              <a:rPr lang="en-US" dirty="0"/>
-              <a:t>We started by defining the input ports and output ports of each module.</a:t>
-            </a:r>
-          </a:p>
-          <a:p>
-            <a:r>
-              <a:rPr lang="en-US" dirty="0"/>
-              <a:t>Documented the requirements of each module.</a:t>
-            </a:r>
-          </a:p>
-          <a:p>
-            <a:r>
-              <a:rPr lang="en-US" dirty="0"/>
-              <a:t>Coded the design taking into consideration all the possible scenarios and exceptions.</a:t>
-            </a:r>
+        <p:spPr>
+          <a:xfrm>
+            <a:off x="838200" y="1825625"/>
+            <a:ext cx="4503821" cy="4351338"/>
+          </a:xfrm>
+        </p:spPr>
+        <p:txBody>
+          <a:bodyPr>
+            <a:noAutofit/>
+          </a:bodyPr>
+          <a:lstStyle/>
+          <a:p>
+            <a:pPr marL="0" indent="0" algn="l">
+              <a:buNone/>
+            </a:pPr>
+            <a:endParaRPr lang="en-US" sz="1600" b="1" i="0" dirty="0">
+              <a:solidFill>
+                <a:srgbClr val="000000"/>
+              </a:solidFill>
+              <a:effectLst/>
+              <a:latin typeface="Arial" panose="020B0604020202020204" pitchFamily="34" charset="0"/>
+            </a:endParaRPr>
+          </a:p>
+          <a:p>
+            <a:pPr marL="0" indent="0">
+              <a:buNone/>
+            </a:pPr>
+            <a:r>
+              <a:rPr lang="en-US" sz="1600" b="1" dirty="0">
+                <a:solidFill>
+                  <a:srgbClr val="000000"/>
+                </a:solidFill>
+              </a:rPr>
+              <a:t>C. Data Processing Instructions</a:t>
+            </a:r>
+          </a:p>
+          <a:p>
+            <a:r>
+              <a:rPr lang="en-US" sz="1600" dirty="0">
+                <a:solidFill>
+                  <a:srgbClr val="000000"/>
+                </a:solidFill>
+              </a:rPr>
+              <a:t> Add (+)  (Opcode = 0010)</a:t>
+            </a:r>
+          </a:p>
+          <a:p>
+            <a:r>
+              <a:rPr lang="en-US" sz="1600" dirty="0">
+                <a:solidFill>
+                  <a:srgbClr val="000000"/>
+                </a:solidFill>
+              </a:rPr>
+              <a:t> Subtract (-) (Opcode = 0011)</a:t>
+            </a:r>
+          </a:p>
+          <a:p>
+            <a:r>
+              <a:rPr lang="en-US" sz="1600" dirty="0">
+                <a:solidFill>
+                  <a:srgbClr val="000000"/>
+                </a:solidFill>
+              </a:rPr>
+              <a:t> Invert (1‘s complement) (Opcode = 0100)</a:t>
+            </a:r>
+          </a:p>
+          <a:p>
+            <a:r>
+              <a:rPr lang="en-US" sz="1600" dirty="0">
+                <a:solidFill>
+                  <a:srgbClr val="000000"/>
+                </a:solidFill>
+              </a:rPr>
+              <a:t> Logical Shift Left (&lt;&lt;) (Opcode = 0101)</a:t>
+            </a:r>
+          </a:p>
+          <a:p>
+            <a:r>
+              <a:rPr lang="en-US" sz="1600" dirty="0">
+                <a:solidFill>
+                  <a:srgbClr val="000000"/>
+                </a:solidFill>
+              </a:rPr>
+              <a:t> Logical Shift Right (&gt;&gt;) (Opcode = 0110)</a:t>
+            </a:r>
+          </a:p>
+          <a:p>
+            <a:r>
+              <a:rPr lang="en-US" sz="1600" dirty="0">
+                <a:solidFill>
+                  <a:srgbClr val="000000"/>
+                </a:solidFill>
+              </a:rPr>
+              <a:t> Bitwise AND(&amp;) (Opcode = 0111)</a:t>
+            </a:r>
+          </a:p>
+          <a:p>
+            <a:r>
+              <a:rPr lang="en-US" sz="1600" dirty="0">
+                <a:solidFill>
+                  <a:srgbClr val="000000"/>
+                </a:solidFill>
+              </a:rPr>
+              <a:t> Bitwise OR (|) (Opcode = 1000)</a:t>
+            </a:r>
+          </a:p>
+          <a:p>
+            <a:r>
+              <a:rPr lang="en-US" sz="1600" dirty="0">
+                <a:solidFill>
+                  <a:srgbClr val="000000"/>
+                </a:solidFill>
+              </a:rPr>
+              <a:t> Increment (+1) (Opcode = 1001)</a:t>
+            </a:r>
+          </a:p>
+          <a:p>
+            <a:r>
+              <a:rPr lang="en-US" sz="1600" dirty="0">
+                <a:solidFill>
+                  <a:srgbClr val="000000"/>
+                </a:solidFill>
+              </a:rPr>
+              <a:t> Decrement (-1) (Opcode = 1010)</a:t>
+            </a:r>
+            <a:endParaRPr lang="en-US" sz="1600" dirty="0"/>
+          </a:p>
+          <a:p>
+            <a:pPr marL="0" indent="0" algn="l">
+              <a:buNone/>
+            </a:pPr>
+            <a:endParaRPr lang="en-US" sz="1600" dirty="0">
+              <a:solidFill>
+                <a:srgbClr val="000000"/>
+              </a:solidFill>
+            </a:endParaRPr>
+          </a:p>
+          <a:p>
+            <a:pPr marL="0" indent="0" algn="l">
+              <a:buNone/>
+            </a:pPr>
+            <a:br>
+              <a:rPr lang="en-US" sz="1600" b="1" i="0" dirty="0">
+                <a:solidFill>
+                  <a:srgbClr val="000000"/>
+                </a:solidFill>
+                <a:effectLst/>
+              </a:rPr>
+            </a:br>
+            <a:endParaRPr lang="en-US" sz="1600" dirty="0"/>
           </a:p>
         </p:txBody>
       </p:sp>
     </p:spTree>
     <p:extLst>
       <p:ext uri="{BB962C8B-B14F-4D97-AF65-F5344CB8AC3E}">
-        <p14:creationId xmlns:p14="http://schemas.microsoft.com/office/powerpoint/2010/main" val="177405831"/>
+        <p14:creationId xmlns:p14="http://schemas.microsoft.com/office/powerpoint/2010/main" val="824497670"/>
       </p:ext>
     </p:extLst>
   </p:cSld>
@@ -3631,7 +3991,7 @@
           <p:cNvPr id="2" name="Title 1">
             <a:extLst>
               <a:ext uri="{FF2B5EF4-FFF2-40B4-BE49-F238E27FC236}">
-                <a16:creationId xmlns:a16="http://schemas.microsoft.com/office/drawing/2014/main" id="{C79B90FD-ADE8-E4CC-2226-E05304BD63A6}"/>
+                <a16:creationId xmlns:a16="http://schemas.microsoft.com/office/drawing/2014/main" id="{47CE5AE9-26EF-DEBB-91F1-EEDBEA88F56B}"/>
               </a:ext>
             </a:extLst>
           </p:cNvPr>
@@ -3649,7 +4009,7 @@
           <a:p>
             <a:r>
               <a:rPr lang="en-US" u="sng" dirty="0"/>
-              <a:t>Challenges when implementing design:</a:t>
+              <a:t>Design Implementation:</a:t>
             </a:r>
           </a:p>
         </p:txBody>
@@ -3659,7 +4019,7 @@
           <p:cNvPr id="3" name="Content Placeholder 2">
             <a:extLst>
               <a:ext uri="{FF2B5EF4-FFF2-40B4-BE49-F238E27FC236}">
-                <a16:creationId xmlns:a16="http://schemas.microsoft.com/office/drawing/2014/main" id="{C7ABE598-20C7-7984-BDA6-1D7506AC9662}"/>
+                <a16:creationId xmlns:a16="http://schemas.microsoft.com/office/drawing/2014/main" id="{7E7880CD-CD16-7090-544D-F031D69344DC}"/>
               </a:ext>
             </a:extLst>
           </p:cNvPr>
@@ -3670,43 +4030,26 @@
             <p:ph idx="1"/>
           </p:nvPr>
         </p:nvSpPr>
-        <p:spPr>
-          <a:xfrm>
-            <a:off x="838200" y="1825625"/>
-            <a:ext cx="10515600" cy="4351338"/>
-          </a:xfrm>
-        </p:spPr>
+        <p:spPr/>
         <p:txBody>
           <a:bodyPr/>
           <a:lstStyle/>
           <a:p>
             <a:r>
               <a:rPr lang="en-US" dirty="0"/>
-              <a:t>Understanding the architecture of RISC processor.</a:t>
+              <a:t>We started by defining the input ports and output ports of each module.</a:t>
             </a:r>
           </a:p>
           <a:p>
             <a:r>
               <a:rPr lang="en-US" dirty="0"/>
-              <a:t>Connection issues while instantiating and connecting the modules.</a:t>
+              <a:t>Documented the requirements of each module.</a:t>
             </a:r>
           </a:p>
           <a:p>
             <a:r>
               <a:rPr lang="en-US" dirty="0"/>
-              <a:t>Compilation errors while compiling the design.</a:t>
-            </a:r>
-          </a:p>
-          <a:p>
-            <a:r>
-              <a:rPr lang="en-US" dirty="0"/>
-              <a:t>Errors while calling the files in the design.</a:t>
-            </a:r>
-          </a:p>
-          <a:p>
-            <a:r>
-              <a:rPr lang="en-US" dirty="0"/>
-              <a:t>Faced little difficulty while implementing the control flow instructions.</a:t>
+              <a:t>Coded the design taking into consideration all the possible scenarios and exceptions.</a:t>
             </a:r>
           </a:p>
         </p:txBody>
@@ -3714,7 +4057,7 @@
     </p:spTree>
     <p:extLst>
       <p:ext uri="{BB962C8B-B14F-4D97-AF65-F5344CB8AC3E}">
-        <p14:creationId xmlns:p14="http://schemas.microsoft.com/office/powerpoint/2010/main" val="896936638"/>
+        <p14:creationId xmlns:p14="http://schemas.microsoft.com/office/powerpoint/2010/main" val="177405831"/>
       </p:ext>
     </p:extLst>
   </p:cSld>
@@ -3746,7 +4089,7 @@
           <p:cNvPr id="2" name="Title 1">
             <a:extLst>
               <a:ext uri="{FF2B5EF4-FFF2-40B4-BE49-F238E27FC236}">
-                <a16:creationId xmlns:a16="http://schemas.microsoft.com/office/drawing/2014/main" id="{7FF0F74E-27A3-F1B6-9BED-2F8EA557EAE0}"/>
+                <a16:creationId xmlns:a16="http://schemas.microsoft.com/office/drawing/2014/main" id="{C79B90FD-ADE8-E4CC-2226-E05304BD63A6}"/>
               </a:ext>
             </a:extLst>
           </p:cNvPr>
@@ -3764,7 +4107,7 @@
           <a:p>
             <a:r>
               <a:rPr lang="en-US" u="sng" dirty="0"/>
-              <a:t>Approach to overcome the challenges:</a:t>
+              <a:t>Challenges when implementing design:</a:t>
             </a:r>
           </a:p>
         </p:txBody>
@@ -3774,7 +4117,7 @@
           <p:cNvPr id="3" name="Content Placeholder 2">
             <a:extLst>
               <a:ext uri="{FF2B5EF4-FFF2-40B4-BE49-F238E27FC236}">
-                <a16:creationId xmlns:a16="http://schemas.microsoft.com/office/drawing/2014/main" id="{8B57D06F-7F28-8DCD-85C8-9AD87C31EED2}"/>
+                <a16:creationId xmlns:a16="http://schemas.microsoft.com/office/drawing/2014/main" id="{C7ABE598-20C7-7984-BDA6-1D7506AC9662}"/>
               </a:ext>
             </a:extLst>
           </p:cNvPr>
@@ -3785,60 +4128,51 @@
             <p:ph idx="1"/>
           </p:nvPr>
         </p:nvSpPr>
-        <p:spPr/>
+        <p:spPr>
+          <a:xfrm>
+            <a:off x="838200" y="1825625"/>
+            <a:ext cx="10515600" cy="4351338"/>
+          </a:xfrm>
+        </p:spPr>
         <p:txBody>
           <a:bodyPr/>
           <a:lstStyle/>
           <a:p>
-            <a:endParaRPr lang="en-US" dirty="0"/>
-          </a:p>
-          <a:p>
             <a:r>
               <a:rPr lang="en-US" dirty="0"/>
-              <a:t>Redrawing the architecture (adding mux and wires ) to make it easier and simple.</a:t>
+              <a:t>Understanding the architecture of RISC processor.</a:t>
             </a:r>
           </a:p>
           <a:p>
             <a:r>
               <a:rPr lang="en-US" dirty="0"/>
-              <a:t>We used Divide and Conquer methodology to understand the functionality.</a:t>
+              <a:t>Connection issues while instantiating and connecting the modules.</a:t>
             </a:r>
           </a:p>
           <a:p>
             <a:r>
               <a:rPr lang="en-US" dirty="0"/>
-              <a:t>To reduce the compilation errors, we went through the code line by line and rectified the mistakes likes not using colons, closing braces </a:t>
-            </a:r>
-            <a:r>
-              <a:rPr lang="en-US" dirty="0" err="1"/>
-              <a:t>etc</a:t>
-            </a:r>
+              <a:t>Compilation errors while compiling the design.</a:t>
+            </a:r>
+          </a:p>
+          <a:p>
             <a:r>
               <a:rPr lang="en-US" dirty="0"/>
-              <a:t> and recompiled it again.</a:t>
-            </a:r>
-          </a:p>
-          <a:p>
-            <a:endParaRPr lang="en-US" dirty="0"/>
-          </a:p>
-          <a:p>
-            <a:endParaRPr lang="en-US" dirty="0"/>
-          </a:p>
-          <a:p>
-            <a:endParaRPr lang="en-US" dirty="0"/>
-          </a:p>
-          <a:p>
-            <a:endParaRPr lang="en-US" dirty="0"/>
-          </a:p>
-          <a:p>
-            <a:endParaRPr lang="en-US" dirty="0"/>
+              <a:t>Errors while calling the files in the design.</a:t>
+            </a:r>
+          </a:p>
+          <a:p>
+            <a:r>
+              <a:rPr lang="en-US" dirty="0"/>
+              <a:t>Faced little difficulty while implementing the control flow instructions.</a:t>
+            </a:r>
           </a:p>
         </p:txBody>
       </p:sp>
     </p:spTree>
     <p:extLst>
       <p:ext uri="{BB962C8B-B14F-4D97-AF65-F5344CB8AC3E}">
-        <p14:creationId xmlns:p14="http://schemas.microsoft.com/office/powerpoint/2010/main" val="183828232"/>
+        <p14:creationId xmlns:p14="http://schemas.microsoft.com/office/powerpoint/2010/main" val="896936638"/>
       </p:ext>
     </p:extLst>
   </p:cSld>
@@ -3870,7 +4204,7 @@
           <p:cNvPr id="2" name="Title 1">
             <a:extLst>
               <a:ext uri="{FF2B5EF4-FFF2-40B4-BE49-F238E27FC236}">
-                <a16:creationId xmlns:a16="http://schemas.microsoft.com/office/drawing/2014/main" id="{49D94324-701A-1676-0512-D5DD88FDDFC5}"/>
+                <a16:creationId xmlns:a16="http://schemas.microsoft.com/office/drawing/2014/main" id="{7FF0F74E-27A3-F1B6-9BED-2F8EA557EAE0}"/>
               </a:ext>
             </a:extLst>
           </p:cNvPr>
@@ -3888,7 +4222,7 @@
           <a:p>
             <a:r>
               <a:rPr lang="en-US" u="sng" dirty="0"/>
-              <a:t>Test Plan &amp; Testing Methodology:</a:t>
+              <a:t>Approach to overcome the challenges:</a:t>
             </a:r>
           </a:p>
         </p:txBody>
@@ -3898,7 +4232,7 @@
           <p:cNvPr id="3" name="Content Placeholder 2">
             <a:extLst>
               <a:ext uri="{FF2B5EF4-FFF2-40B4-BE49-F238E27FC236}">
-                <a16:creationId xmlns:a16="http://schemas.microsoft.com/office/drawing/2014/main" id="{62811A6A-42B6-3F8A-5719-015858B4147F}"/>
+                <a16:creationId xmlns:a16="http://schemas.microsoft.com/office/drawing/2014/main" id="{8B57D06F-7F28-8DCD-85C8-9AD87C31EED2}"/>
               </a:ext>
             </a:extLst>
           </p:cNvPr>
@@ -3914,61 +4248,36 @@
           <a:bodyPr/>
           <a:lstStyle/>
           <a:p>
+            <a:endParaRPr lang="en-US" dirty="0"/>
+          </a:p>
+          <a:p>
             <a:r>
               <a:rPr lang="en-US" dirty="0"/>
-              <a:t>We used </a:t>
-            </a:r>
-            <a:r>
-              <a:rPr lang="en-US" dirty="0" err="1"/>
-              <a:t>systemverilog</a:t>
-            </a:r>
+              <a:t>Redrawing the architecture (adding mux and wires ) to make it easier and simple.</a:t>
+            </a:r>
+          </a:p>
+          <a:p>
             <a:r>
               <a:rPr lang="en-US" dirty="0"/>
-              <a:t> to code the design and testbench. </a:t>
+              <a:t>We used Divide and Conquer methodology to understand the functionality.</a:t>
             </a:r>
           </a:p>
           <a:p>
             <a:r>
               <a:rPr lang="en-US" dirty="0"/>
-              <a:t>We started with a directed testbench by giving the inputs through the </a:t>
-            </a:r>
-            <a:r>
-              <a:rPr lang="en-US" dirty="0" err="1"/>
-              <a:t>readmemb</a:t>
-            </a:r>
-            <a:r>
-              <a:rPr lang="en-US" dirty="0"/>
-              <a:t>() to verify the functional of the design.</a:t>
-            </a:r>
-          </a:p>
-          <a:p>
-            <a:r>
-              <a:rPr lang="en-US" dirty="0"/>
-              <a:t>We wrote separate testbenches for each design module and followed the bottom-up approach while connecting them. </a:t>
-            </a:r>
-          </a:p>
-          <a:p>
-            <a:r>
-              <a:rPr lang="en-US" dirty="0"/>
-              <a:t>We then extended the testbench to randomize the input instructions.</a:t>
-            </a:r>
-          </a:p>
-          <a:p>
-            <a:r>
-              <a:rPr lang="en-US" dirty="0"/>
-              <a:t>Defined applicable constraints on the randomized inputs.</a:t>
-            </a:r>
-          </a:p>
-          <a:p>
-            <a:r>
-              <a:rPr lang="en-US" dirty="0"/>
-              <a:t>Implemented coverage to the appropriate bins.</a:t>
-            </a:r>
-          </a:p>
-          <a:p>
-            <a:pPr marL="0" indent="0">
-              <a:buNone/>
-            </a:pPr>
+              <a:t>To reduce the compilation errors, we went through the code line by line and rectified the mistakes likes not using colons, closing braces etc. and recompiled it again.</a:t>
+            </a:r>
+          </a:p>
+          <a:p>
+            <a:endParaRPr lang="en-US" dirty="0"/>
+          </a:p>
+          <a:p>
+            <a:endParaRPr lang="en-US" dirty="0"/>
+          </a:p>
+          <a:p>
+            <a:endParaRPr lang="en-US" dirty="0"/>
+          </a:p>
+          <a:p>
             <a:endParaRPr lang="en-US" dirty="0"/>
           </a:p>
           <a:p>
@@ -3979,7 +4288,7 @@
     </p:spTree>
     <p:extLst>
       <p:ext uri="{BB962C8B-B14F-4D97-AF65-F5344CB8AC3E}">
-        <p14:creationId xmlns:p14="http://schemas.microsoft.com/office/powerpoint/2010/main" val="3544153904"/>
+        <p14:creationId xmlns:p14="http://schemas.microsoft.com/office/powerpoint/2010/main" val="183828232"/>
       </p:ext>
     </p:extLst>
   </p:cSld>
@@ -4011,7 +4320,7 @@
           <p:cNvPr id="2" name="Title 1">
             <a:extLst>
               <a:ext uri="{FF2B5EF4-FFF2-40B4-BE49-F238E27FC236}">
-                <a16:creationId xmlns:a16="http://schemas.microsoft.com/office/drawing/2014/main" id="{1C275108-18E8-3818-305F-FD9FDCBFA154}"/>
+                <a16:creationId xmlns:a16="http://schemas.microsoft.com/office/drawing/2014/main" id="{49D94324-701A-1676-0512-D5DD88FDDFC5}"/>
               </a:ext>
             </a:extLst>
           </p:cNvPr>
@@ -4029,7 +4338,7 @@
           <a:p>
             <a:r>
               <a:rPr lang="en-US" u="sng" dirty="0"/>
-              <a:t>Challenges faced in Verifying:</a:t>
+              <a:t>Test Plan &amp; Testing Methodology:</a:t>
             </a:r>
           </a:p>
         </p:txBody>
@@ -4039,7 +4348,7 @@
           <p:cNvPr id="3" name="Content Placeholder 2">
             <a:extLst>
               <a:ext uri="{FF2B5EF4-FFF2-40B4-BE49-F238E27FC236}">
-                <a16:creationId xmlns:a16="http://schemas.microsoft.com/office/drawing/2014/main" id="{00EEF715-FF84-A565-66CD-6D5E8A4A9134}"/>
+                <a16:creationId xmlns:a16="http://schemas.microsoft.com/office/drawing/2014/main" id="{62811A6A-42B6-3F8A-5719-015858B4147F}"/>
               </a:ext>
             </a:extLst>
           </p:cNvPr>
@@ -4057,13 +4366,53 @@
           <a:p>
             <a:r>
               <a:rPr lang="en-US" dirty="0"/>
-              <a:t>Due to the few connection issues that we faced; we were seeing some X’s on the outputs of the modules.</a:t>
-            </a:r>
-          </a:p>
-          <a:p>
+              <a:t>We used </a:t>
+            </a:r>
+            <a:r>
+              <a:rPr lang="en-US" dirty="0" err="1"/>
+              <a:t>systemverilog</a:t>
+            </a:r>
             <a:r>
               <a:rPr lang="en-US" dirty="0"/>
-              <a:t>Initial randomization yielded in a lot of out-of-bound values. We resolved them using constraints.</a:t>
+              <a:t> to code the design and testbench. </a:t>
+            </a:r>
+          </a:p>
+          <a:p>
+            <a:r>
+              <a:rPr lang="en-US" dirty="0"/>
+              <a:t>We started with a directed testbench by giving the inputs through the </a:t>
+            </a:r>
+            <a:r>
+              <a:rPr lang="en-US" dirty="0" err="1"/>
+              <a:t>readmemb</a:t>
+            </a:r>
+            <a:r>
+              <a:rPr lang="en-US" dirty="0"/>
+              <a:t>() to verify the functional of the design.</a:t>
+            </a:r>
+          </a:p>
+          <a:p>
+            <a:r>
+              <a:rPr lang="en-US" dirty="0"/>
+              <a:t>We wrote separate testbenches for each design module and followed the bottom-up approach while connecting them. </a:t>
+            </a:r>
+          </a:p>
+          <a:p>
+            <a:r>
+              <a:rPr lang="en-US" dirty="0"/>
+              <a:t>We then extended the testbench to randomize the input instructions.</a:t>
+            </a:r>
+          </a:p>
+          <a:p>
+            <a:r>
+              <a:rPr lang="en-US" dirty="0"/>
+              <a:t>Defined applicable constraints on the randomized inputs.</a:t>
+            </a:r>
+          </a:p>
+          <a:p>
+            <a:r>
+              <a:rPr lang="en-US" dirty="0"/>
+              <a:t>Implemented coverage to the appropriate bins.</a:t>
             </a:r>
           </a:p>
           <a:p>
@@ -4072,12 +4421,15 @@
             </a:pPr>
             <a:endParaRPr lang="en-US" dirty="0"/>
           </a:p>
+          <a:p>
+            <a:endParaRPr lang="en-US" dirty="0"/>
+          </a:p>
         </p:txBody>
       </p:sp>
     </p:spTree>
     <p:extLst>
       <p:ext uri="{BB962C8B-B14F-4D97-AF65-F5344CB8AC3E}">
-        <p14:creationId xmlns:p14="http://schemas.microsoft.com/office/powerpoint/2010/main" val="4174369294"/>
+        <p14:creationId xmlns:p14="http://schemas.microsoft.com/office/powerpoint/2010/main" val="3544153904"/>
       </p:ext>
     </p:extLst>
   </p:cSld>
@@ -4127,50 +4479,55 @@
           <a:p>
             <a:r>
               <a:rPr lang="en-US" u="sng" dirty="0"/>
-              <a:t>Results without randomization:</a:t>
-            </a:r>
-          </a:p>
-        </p:txBody>
-      </p:sp>
-      <p:pic>
-        <p:nvPicPr>
-          <p:cNvPr id="7" name="Content Placeholder 6" descr="Graphical user interface, application, Word&#10;&#10;Description automatically generated">
-            <a:extLst>
-              <a:ext uri="{FF2B5EF4-FFF2-40B4-BE49-F238E27FC236}">
-                <a16:creationId xmlns:a16="http://schemas.microsoft.com/office/drawing/2014/main" id="{2FB6D0C0-265C-71E1-B63E-BE68B7B56202}"/>
-              </a:ext>
-            </a:extLst>
-          </p:cNvPr>
-          <p:cNvPicPr>
-            <a:picLocks noGrp="1" noChangeAspect="1"/>
-          </p:cNvPicPr>
+              <a:t>Challenges faced in Verifying:</a:t>
+            </a:r>
+          </a:p>
+        </p:txBody>
+      </p:sp>
+      <p:sp>
+        <p:nvSpPr>
+          <p:cNvPr id="3" name="Content Placeholder 2">
+            <a:extLst>
+              <a:ext uri="{FF2B5EF4-FFF2-40B4-BE49-F238E27FC236}">
+                <a16:creationId xmlns:a16="http://schemas.microsoft.com/office/drawing/2014/main" id="{00EEF715-FF84-A565-66CD-6D5E8A4A9134}"/>
+              </a:ext>
+            </a:extLst>
+          </p:cNvPr>
+          <p:cNvSpPr>
+            <a:spLocks noGrp="1"/>
+          </p:cNvSpPr>
           <p:nvPr>
             <p:ph idx="1"/>
           </p:nvPr>
-        </p:nvPicPr>
-        <p:blipFill>
-          <a:blip r:embed="rId2">
-            <a:extLst>
-              <a:ext uri="{28A0092B-C50C-407E-A947-70E740481C1C}">
-                <a14:useLocalDpi xmlns:a14="http://schemas.microsoft.com/office/drawing/2010/main" val="0"/>
-              </a:ext>
-            </a:extLst>
-          </a:blip>
-          <a:stretch>
-            <a:fillRect/>
-          </a:stretch>
-        </p:blipFill>
-        <p:spPr>
-          <a:xfrm>
-            <a:off x="1319231" y="1825625"/>
-            <a:ext cx="9553537" cy="4351338"/>
-          </a:xfrm>
-        </p:spPr>
-      </p:pic>
+        </p:nvSpPr>
+        <p:spPr/>
+        <p:txBody>
+          <a:bodyPr/>
+          <a:lstStyle/>
+          <a:p>
+            <a:r>
+              <a:rPr lang="en-US" dirty="0"/>
+              <a:t>Due to the few connection issues that we faced; we were seeing some X’s on the outputs of the modules.</a:t>
+            </a:r>
+          </a:p>
+          <a:p>
+            <a:r>
+              <a:rPr lang="en-US" dirty="0"/>
+              <a:t>Initial randomization yielded in a lot of out-of-bound values. We resolved them using constraints.</a:t>
+            </a:r>
+          </a:p>
+          <a:p>
+            <a:pPr marL="0" indent="0">
+              <a:buNone/>
+            </a:pPr>
+            <a:endParaRPr lang="en-US" dirty="0"/>
+          </a:p>
+        </p:txBody>
+      </p:sp>
     </p:spTree>
     <p:extLst>
       <p:ext uri="{BB962C8B-B14F-4D97-AF65-F5344CB8AC3E}">
-        <p14:creationId xmlns:p14="http://schemas.microsoft.com/office/powerpoint/2010/main" val="2186565141"/>
+        <p14:creationId xmlns:p14="http://schemas.microsoft.com/office/powerpoint/2010/main" val="4174369294"/>
       </p:ext>
     </p:extLst>
   </p:cSld>
@@ -4220,7 +4577,7 @@
           <a:p>
             <a:r>
               <a:rPr lang="en-US" u="sng" dirty="0"/>
-              <a:t>Results:</a:t>
+              <a:t>Results without randomization:</a:t>
             </a:r>
           </a:p>
         </p:txBody>
@@ -4230,7 +4587,7 @@
           <p:cNvPr id="7" name="Content Placeholder 6" descr="Graphical user interface, application, Word&#10;&#10;Description automatically generated">
             <a:extLst>
               <a:ext uri="{FF2B5EF4-FFF2-40B4-BE49-F238E27FC236}">
-                <a16:creationId xmlns:a16="http://schemas.microsoft.com/office/drawing/2014/main" id="{77A90147-E9C3-F87E-386E-D5F5F85FE759}"/>
+                <a16:creationId xmlns:a16="http://schemas.microsoft.com/office/drawing/2014/main" id="{2FB6D0C0-265C-71E1-B63E-BE68B7B56202}"/>
               </a:ext>
             </a:extLst>
           </p:cNvPr>
@@ -4255,15 +4612,15 @@
         </p:blipFill>
         <p:spPr>
           <a:xfrm>
-            <a:off x="838200" y="2756674"/>
-            <a:ext cx="10515600" cy="2489239"/>
+            <a:off x="1319231" y="1825625"/>
+            <a:ext cx="9553537" cy="4351338"/>
           </a:xfrm>
         </p:spPr>
       </p:pic>
     </p:spTree>
     <p:extLst>
       <p:ext uri="{BB962C8B-B14F-4D97-AF65-F5344CB8AC3E}">
-        <p14:creationId xmlns:p14="http://schemas.microsoft.com/office/powerpoint/2010/main" val="413113147"/>
+        <p14:creationId xmlns:p14="http://schemas.microsoft.com/office/powerpoint/2010/main" val="2186565141"/>
       </p:ext>
     </p:extLst>
   </p:cSld>
@@ -4306,9 +4663,16 @@
             <p:ph type="title"/>
           </p:nvPr>
         </p:nvSpPr>
-        <p:spPr/>
-        <p:txBody>
-          <a:bodyPr/>
+        <p:spPr>
+          <a:xfrm>
+            <a:off x="838200" y="365125"/>
+            <a:ext cx="8513190" cy="360739"/>
+          </a:xfrm>
+        </p:spPr>
+        <p:txBody>
+          <a:bodyPr>
+            <a:normAutofit fontScale="90000"/>
+          </a:bodyPr>
           <a:lstStyle/>
           <a:p>
             <a:r>
@@ -4320,10 +4684,10 @@
       </p:sp>
       <p:pic>
         <p:nvPicPr>
-          <p:cNvPr id="7" name="Content Placeholder 6" descr="Graphical user interface, application&#10;&#10;Description automatically generated">
-            <a:extLst>
-              <a:ext uri="{FF2B5EF4-FFF2-40B4-BE49-F238E27FC236}">
-                <a16:creationId xmlns:a16="http://schemas.microsoft.com/office/drawing/2014/main" id="{021594AB-494B-E9F1-FD5D-CA7D9AC73EBF}"/>
+          <p:cNvPr id="7" name="Content Placeholder 6" descr="Graphical user interface, application, Word&#10;&#10;Description automatically generated">
+            <a:extLst>
+              <a:ext uri="{FF2B5EF4-FFF2-40B4-BE49-F238E27FC236}">
+                <a16:creationId xmlns:a16="http://schemas.microsoft.com/office/drawing/2014/main" id="{77A90147-E9C3-F87E-386E-D5F5F85FE759}"/>
               </a:ext>
             </a:extLst>
           </p:cNvPr>
@@ -4348,15 +4712,15 @@
         </p:blipFill>
         <p:spPr>
           <a:xfrm>
-            <a:off x="838200" y="2551291"/>
-            <a:ext cx="10515600" cy="2900005"/>
+            <a:off x="593889" y="942680"/>
+            <a:ext cx="11189615" cy="4303233"/>
           </a:xfrm>
         </p:spPr>
       </p:pic>
     </p:spTree>
     <p:extLst>
       <p:ext uri="{BB962C8B-B14F-4D97-AF65-F5344CB8AC3E}">
-        <p14:creationId xmlns:p14="http://schemas.microsoft.com/office/powerpoint/2010/main" val="3831684616"/>
+        <p14:creationId xmlns:p14="http://schemas.microsoft.com/office/powerpoint/2010/main" val="413113147"/>
       </p:ext>
     </p:extLst>
   </p:cSld>
@@ -4406,17 +4770,17 @@
           <a:p>
             <a:r>
               <a:rPr lang="en-US" u="sng" dirty="0"/>
-              <a:t>Results with randomization:</a:t>
+              <a:t>Results:</a:t>
             </a:r>
           </a:p>
         </p:txBody>
       </p:sp>
       <p:pic>
         <p:nvPicPr>
-          <p:cNvPr id="5" name="Content Placeholder 4" descr="Graphical user interface, text&#10;&#10;Description automatically generated">
-            <a:extLst>
-              <a:ext uri="{FF2B5EF4-FFF2-40B4-BE49-F238E27FC236}">
-                <a16:creationId xmlns:a16="http://schemas.microsoft.com/office/drawing/2014/main" id="{E6769642-A894-98D0-B671-A05CE0304405}"/>
+          <p:cNvPr id="7" name="Content Placeholder 6" descr="Graphical user interface, application&#10;&#10;Description automatically generated">
+            <a:extLst>
+              <a:ext uri="{FF2B5EF4-FFF2-40B4-BE49-F238E27FC236}">
+                <a16:creationId xmlns:a16="http://schemas.microsoft.com/office/drawing/2014/main" id="{021594AB-494B-E9F1-FD5D-CA7D9AC73EBF}"/>
               </a:ext>
             </a:extLst>
           </p:cNvPr>
@@ -4441,15 +4805,15 @@
         </p:blipFill>
         <p:spPr>
           <a:xfrm>
-            <a:off x="2228144" y="1825625"/>
-            <a:ext cx="7735712" cy="4351338"/>
+            <a:off x="838200" y="2551291"/>
+            <a:ext cx="10515600" cy="2900005"/>
           </a:xfrm>
         </p:spPr>
       </p:pic>
     </p:spTree>
     <p:extLst>
       <p:ext uri="{BB962C8B-B14F-4D97-AF65-F5344CB8AC3E}">
-        <p14:creationId xmlns:p14="http://schemas.microsoft.com/office/powerpoint/2010/main" val="1702819917"/>
+        <p14:creationId xmlns:p14="http://schemas.microsoft.com/office/powerpoint/2010/main" val="3831684616"/>
       </p:ext>
     </p:extLst>
   </p:cSld>
@@ -4499,17 +4863,17 @@
           <a:p>
             <a:r>
               <a:rPr lang="en-US" u="sng" dirty="0"/>
-              <a:t>Results:</a:t>
+              <a:t>Results with randomization:</a:t>
             </a:r>
           </a:p>
         </p:txBody>
       </p:sp>
       <p:pic>
         <p:nvPicPr>
-          <p:cNvPr id="7" name="Content Placeholder 6" descr="Graphical user interface, application, Word&#10;&#10;Description automatically generated">
-            <a:extLst>
-              <a:ext uri="{FF2B5EF4-FFF2-40B4-BE49-F238E27FC236}">
-                <a16:creationId xmlns:a16="http://schemas.microsoft.com/office/drawing/2014/main" id="{1FC23018-003A-DE09-FFE4-B147C2A354CD}"/>
+          <p:cNvPr id="5" name="Content Placeholder 4" descr="Graphical user interface, text&#10;&#10;Description automatically generated">
+            <a:extLst>
+              <a:ext uri="{FF2B5EF4-FFF2-40B4-BE49-F238E27FC236}">
+                <a16:creationId xmlns:a16="http://schemas.microsoft.com/office/drawing/2014/main" id="{E6769642-A894-98D0-B671-A05CE0304405}"/>
               </a:ext>
             </a:extLst>
           </p:cNvPr>
@@ -4534,15 +4898,15 @@
         </p:blipFill>
         <p:spPr>
           <a:xfrm>
-            <a:off x="838200" y="2050157"/>
-            <a:ext cx="10515600" cy="3902273"/>
+            <a:off x="2228144" y="1825625"/>
+            <a:ext cx="7735712" cy="4351338"/>
           </a:xfrm>
         </p:spPr>
       </p:pic>
     </p:spTree>
     <p:extLst>
       <p:ext uri="{BB962C8B-B14F-4D97-AF65-F5344CB8AC3E}">
-        <p14:creationId xmlns:p14="http://schemas.microsoft.com/office/powerpoint/2010/main" val="2731807769"/>
+        <p14:creationId xmlns:p14="http://schemas.microsoft.com/office/powerpoint/2010/main" val="1702819917"/>
       </p:ext>
     </p:extLst>
   </p:cSld>
@@ -4625,7 +4989,7 @@
           <a:p>
             <a:r>
               <a:rPr lang="en-US" dirty="0"/>
-              <a:t>We used an existing block diagram as a reference to the project from the following IEEE paper.</a:t>
+              <a:t>We used an existing block diagram as a reference to the project from the following paper.</a:t>
             </a:r>
           </a:p>
           <a:p>
@@ -4712,10 +5076,10 @@
       </p:sp>
       <p:pic>
         <p:nvPicPr>
-          <p:cNvPr id="7" name="Content Placeholder 6" descr="Graphical user interface, text, application&#10;&#10;Description automatically generated">
-            <a:extLst>
-              <a:ext uri="{FF2B5EF4-FFF2-40B4-BE49-F238E27FC236}">
-                <a16:creationId xmlns:a16="http://schemas.microsoft.com/office/drawing/2014/main" id="{BEB180AC-2736-E6D3-4D80-ACABA81C9BF5}"/>
+          <p:cNvPr id="7" name="Content Placeholder 6" descr="Graphical user interface, application, Word&#10;&#10;Description automatically generated">
+            <a:extLst>
+              <a:ext uri="{FF2B5EF4-FFF2-40B4-BE49-F238E27FC236}">
+                <a16:creationId xmlns:a16="http://schemas.microsoft.com/office/drawing/2014/main" id="{1FC23018-003A-DE09-FFE4-B147C2A354CD}"/>
               </a:ext>
             </a:extLst>
           </p:cNvPr>
@@ -4740,15 +5104,15 @@
         </p:blipFill>
         <p:spPr>
           <a:xfrm>
-            <a:off x="838200" y="2538968"/>
-            <a:ext cx="10515600" cy="2924651"/>
+            <a:off x="838200" y="2050157"/>
+            <a:ext cx="10515600" cy="3902273"/>
           </a:xfrm>
         </p:spPr>
       </p:pic>
     </p:spTree>
     <p:extLst>
       <p:ext uri="{BB962C8B-B14F-4D97-AF65-F5344CB8AC3E}">
-        <p14:creationId xmlns:p14="http://schemas.microsoft.com/office/powerpoint/2010/main" val="1705409661"/>
+        <p14:creationId xmlns:p14="http://schemas.microsoft.com/office/powerpoint/2010/main" val="2731807769"/>
       </p:ext>
     </p:extLst>
   </p:cSld>
@@ -4797,6 +5161,99 @@
           <a:lstStyle/>
           <a:p>
             <a:r>
+              <a:rPr lang="en-US" u="sng" dirty="0"/>
+              <a:t>Results:</a:t>
+            </a:r>
+          </a:p>
+        </p:txBody>
+      </p:sp>
+      <p:pic>
+        <p:nvPicPr>
+          <p:cNvPr id="7" name="Content Placeholder 6" descr="Graphical user interface, text, application&#10;&#10;Description automatically generated">
+            <a:extLst>
+              <a:ext uri="{FF2B5EF4-FFF2-40B4-BE49-F238E27FC236}">
+                <a16:creationId xmlns:a16="http://schemas.microsoft.com/office/drawing/2014/main" id="{BEB180AC-2736-E6D3-4D80-ACABA81C9BF5}"/>
+              </a:ext>
+            </a:extLst>
+          </p:cNvPr>
+          <p:cNvPicPr>
+            <a:picLocks noGrp="1" noChangeAspect="1"/>
+          </p:cNvPicPr>
+          <p:nvPr>
+            <p:ph idx="1"/>
+          </p:nvPr>
+        </p:nvPicPr>
+        <p:blipFill>
+          <a:blip r:embed="rId2">
+            <a:extLst>
+              <a:ext uri="{28A0092B-C50C-407E-A947-70E740481C1C}">
+                <a14:useLocalDpi xmlns:a14="http://schemas.microsoft.com/office/drawing/2010/main" val="0"/>
+              </a:ext>
+            </a:extLst>
+          </a:blip>
+          <a:stretch>
+            <a:fillRect/>
+          </a:stretch>
+        </p:blipFill>
+        <p:spPr>
+          <a:xfrm>
+            <a:off x="838200" y="2538968"/>
+            <a:ext cx="10515600" cy="2924651"/>
+          </a:xfrm>
+        </p:spPr>
+      </p:pic>
+    </p:spTree>
+    <p:extLst>
+      <p:ext uri="{BB962C8B-B14F-4D97-AF65-F5344CB8AC3E}">
+        <p14:creationId xmlns:p14="http://schemas.microsoft.com/office/powerpoint/2010/main" val="1705409661"/>
+      </p:ext>
+    </p:extLst>
+  </p:cSld>
+  <p:clrMapOvr>
+    <a:masterClrMapping/>
+  </p:clrMapOvr>
+</p:sld>
+</file>
+
+<file path=ppt/slides/slide22.xml><?xml version="1.0" encoding="utf-8"?>
+<p:sld xmlns:a="http://schemas.openxmlformats.org/drawingml/2006/main" xmlns:r="http://schemas.openxmlformats.org/officeDocument/2006/relationships" xmlns:p="http://schemas.openxmlformats.org/presentationml/2006/main">
+  <p:cSld>
+    <p:spTree>
+      <p:nvGrpSpPr>
+        <p:cNvPr id="1" name=""/>
+        <p:cNvGrpSpPr/>
+        <p:nvPr/>
+      </p:nvGrpSpPr>
+      <p:grpSpPr>
+        <a:xfrm>
+          <a:off x="0" y="0"/>
+          <a:ext cx="0" cy="0"/>
+          <a:chOff x="0" y="0"/>
+          <a:chExt cx="0" cy="0"/>
+        </a:xfrm>
+      </p:grpSpPr>
+      <p:sp>
+        <p:nvSpPr>
+          <p:cNvPr id="2" name="Title 1">
+            <a:extLst>
+              <a:ext uri="{FF2B5EF4-FFF2-40B4-BE49-F238E27FC236}">
+                <a16:creationId xmlns:a16="http://schemas.microsoft.com/office/drawing/2014/main" id="{1C275108-18E8-3818-305F-FD9FDCBFA154}"/>
+              </a:ext>
+            </a:extLst>
+          </p:cNvPr>
+          <p:cNvSpPr>
+            <a:spLocks noGrp="1"/>
+          </p:cNvSpPr>
+          <p:nvPr>
+            <p:ph type="title"/>
+          </p:nvPr>
+        </p:nvSpPr>
+        <p:spPr/>
+        <p:txBody>
+          <a:bodyPr/>
+          <a:lstStyle/>
+          <a:p>
+            <a:r>
               <a:rPr lang="en-US" u="sng" dirty="0" err="1"/>
               <a:t>Github</a:t>
             </a:r>
@@ -4851,7 +5308,7 @@
 </p:sld>
 </file>
 
-<file path=ppt/slides/slide22.xml><?xml version="1.0" encoding="utf-8"?>
+<file path=ppt/slides/slide23.xml><?xml version="1.0" encoding="utf-8"?>
 <p:sld xmlns:a="http://schemas.openxmlformats.org/drawingml/2006/main" xmlns:r="http://schemas.openxmlformats.org/officeDocument/2006/relationships" xmlns:p="http://schemas.openxmlformats.org/presentationml/2006/main">
   <p:cSld>
     <p:spTree>
@@ -6686,331 +7143,625 @@
           <p:cNvPr id="2" name="Title 1">
             <a:extLst>
               <a:ext uri="{FF2B5EF4-FFF2-40B4-BE49-F238E27FC236}">
-                <a16:creationId xmlns:a16="http://schemas.microsoft.com/office/drawing/2014/main" id="{EF29044B-1E5E-2926-7019-DF0ACF0DC9CA}"/>
-              </a:ext>
-            </a:extLst>
-          </p:cNvPr>
-          <p:cNvSpPr>
-            <a:spLocks noGrp="1"/>
-          </p:cNvSpPr>
-          <p:nvPr>
-            <p:ph type="title"/>
-          </p:nvPr>
-        </p:nvSpPr>
-        <p:spPr/>
+                <a16:creationId xmlns:a16="http://schemas.microsoft.com/office/drawing/2014/main" id="{2F4A6626-91CB-5C6F-042B-B341F5017127}"/>
+              </a:ext>
+            </a:extLst>
+          </p:cNvPr>
+          <p:cNvSpPr>
+            <a:spLocks noGrp="1"/>
+          </p:cNvSpPr>
+          <p:nvPr>
+            <p:ph type="ctrTitle"/>
+          </p:nvPr>
+        </p:nvSpPr>
+        <p:spPr>
+          <a:xfrm>
+            <a:off x="477625" y="0"/>
+            <a:ext cx="4386606" cy="1112363"/>
+          </a:xfrm>
+        </p:spPr>
         <p:txBody>
           <a:bodyPr/>
           <a:lstStyle/>
           <a:p>
             <a:r>
-              <a:rPr lang="en-US" u="sng" dirty="0"/>
-              <a:t> Instruction set of RISC Processor:</a:t>
-            </a:r>
-          </a:p>
-        </p:txBody>
-      </p:sp>
-      <p:sp>
-        <p:nvSpPr>
-          <p:cNvPr id="3" name="Content Placeholder 2">
-            <a:extLst>
-              <a:ext uri="{FF2B5EF4-FFF2-40B4-BE49-F238E27FC236}">
-                <a16:creationId xmlns:a16="http://schemas.microsoft.com/office/drawing/2014/main" id="{FC399DAA-895F-8063-C904-6F3F79C45B3E}"/>
-              </a:ext>
-            </a:extLst>
-          </p:cNvPr>
-          <p:cNvSpPr>
-            <a:spLocks noGrp="1"/>
-          </p:cNvSpPr>
-          <p:nvPr>
-            <p:ph idx="1"/>
-          </p:nvPr>
-        </p:nvSpPr>
-        <p:spPr/>
-        <p:txBody>
-          <a:bodyPr>
-            <a:normAutofit fontScale="25000" lnSpcReduction="20000"/>
-          </a:bodyPr>
-          <a:lstStyle/>
-          <a:p>
-            <a:pPr marL="0" indent="0" algn="l">
-              <a:buNone/>
-            </a:pPr>
-            <a:endParaRPr lang="en-US" b="1" i="0" dirty="0">
-              <a:solidFill>
-                <a:srgbClr val="000000"/>
-              </a:solidFill>
-              <a:effectLst/>
-              <a:latin typeface="Arial" panose="020B0604020202020204" pitchFamily="34" charset="0"/>
-            </a:endParaRPr>
-          </a:p>
-          <a:p>
-            <a:pPr marL="0" indent="0" algn="l">
-              <a:buNone/>
-            </a:pPr>
-            <a:r>
-              <a:rPr lang="en-US" sz="8000" b="1" i="0" dirty="0">
-                <a:solidFill>
-                  <a:srgbClr val="000000"/>
-                </a:solidFill>
-                <a:effectLst/>
-              </a:rPr>
-              <a:t>A. Memory Access Instructions</a:t>
-            </a:r>
-          </a:p>
-          <a:p>
-            <a:pPr marL="0" indent="0" algn="l">
-              <a:buNone/>
-            </a:pPr>
-            <a:br>
-              <a:rPr lang="en-US" sz="8000" dirty="0"/>
-            </a:br>
-            <a:r>
-              <a:rPr lang="en-US" sz="8000" b="0" i="0" dirty="0">
-                <a:solidFill>
-                  <a:srgbClr val="000000"/>
-                </a:solidFill>
-                <a:effectLst/>
-              </a:rPr>
-              <a:t>1. Load Word: (Opcode – 0000)               LD </a:t>
-            </a:r>
-            <a:r>
-              <a:rPr lang="en-US" sz="8000" b="0" i="0" dirty="0" err="1">
-                <a:solidFill>
-                  <a:srgbClr val="000000"/>
-                </a:solidFill>
-                <a:effectLst/>
-              </a:rPr>
-              <a:t>ws</a:t>
-            </a:r>
-            <a:r>
-              <a:rPr lang="en-US" sz="8000" b="0" i="0" dirty="0">
-                <a:solidFill>
-                  <a:srgbClr val="000000"/>
-                </a:solidFill>
-                <a:effectLst/>
-              </a:rPr>
-              <a:t>, offset(</a:t>
-            </a:r>
-            <a:r>
-              <a:rPr lang="en-US" sz="8000" dirty="0">
-                <a:solidFill>
-                  <a:srgbClr val="000000"/>
-                </a:solidFill>
-              </a:rPr>
-              <a:t>src_1</a:t>
-            </a:r>
-            <a:r>
-              <a:rPr lang="en-US" sz="8000" b="0" i="0" dirty="0">
-                <a:solidFill>
-                  <a:srgbClr val="000000"/>
-                </a:solidFill>
-                <a:effectLst/>
-              </a:rPr>
-              <a:t>) </a:t>
-            </a:r>
-            <a:r>
-              <a:rPr lang="en-US" sz="8000" b="0" i="0" dirty="0" err="1">
-                <a:solidFill>
-                  <a:srgbClr val="000000"/>
-                </a:solidFill>
-                <a:effectLst/>
-              </a:rPr>
-              <a:t>ws</a:t>
-            </a:r>
-            <a:r>
-              <a:rPr lang="en-US" sz="8000" b="0" i="0" dirty="0">
-                <a:solidFill>
-                  <a:srgbClr val="000000"/>
-                </a:solidFill>
-                <a:effectLst/>
-              </a:rPr>
-              <a:t>:=Mem16[rs1 + offset]</a:t>
-            </a:r>
-            <a:br>
-              <a:rPr lang="en-US" sz="8000" b="0" i="0" dirty="0">
-                <a:solidFill>
-                  <a:srgbClr val="000000"/>
-                </a:solidFill>
-                <a:effectLst/>
-              </a:rPr>
-            </a:br>
-            <a:r>
-              <a:rPr lang="en-US" sz="8000" b="0" i="0" dirty="0">
-                <a:solidFill>
-                  <a:srgbClr val="000000"/>
-                </a:solidFill>
-                <a:effectLst/>
-              </a:rPr>
-              <a:t>2. Store Word: (Opcode – 0001)              ST rs2, offset(</a:t>
-            </a:r>
-            <a:r>
-              <a:rPr lang="en-US" sz="8000" dirty="0">
-                <a:solidFill>
-                  <a:srgbClr val="000000"/>
-                </a:solidFill>
-              </a:rPr>
-              <a:t>src_2</a:t>
-            </a:r>
-            <a:r>
-              <a:rPr lang="en-US" sz="8000" b="0" i="0" dirty="0">
-                <a:solidFill>
-                  <a:srgbClr val="000000"/>
-                </a:solidFill>
-                <a:effectLst/>
-              </a:rPr>
-              <a:t>) Mem16[rs1 + offset]=rs2</a:t>
-            </a:r>
-            <a:br>
-              <a:rPr lang="en-US" sz="8000" b="1" i="0" dirty="0">
-                <a:solidFill>
-                  <a:srgbClr val="000000"/>
-                </a:solidFill>
-                <a:effectLst/>
-              </a:rPr>
-            </a:br>
-            <a:br>
-              <a:rPr lang="en-US" sz="8000" b="0" i="0" dirty="0">
-                <a:solidFill>
-                  <a:srgbClr val="000000"/>
-                </a:solidFill>
-                <a:effectLst/>
-              </a:rPr>
-            </a:br>
-            <a:br>
-              <a:rPr lang="en-US" sz="8000" b="0" i="0" dirty="0">
-                <a:solidFill>
-                  <a:srgbClr val="000000"/>
-                </a:solidFill>
-                <a:effectLst/>
-              </a:rPr>
-            </a:br>
-            <a:r>
-              <a:rPr lang="en-US" sz="8000" b="1" dirty="0">
-                <a:solidFill>
-                  <a:srgbClr val="000000"/>
-                </a:solidFill>
-              </a:rPr>
-              <a:t>B</a:t>
-            </a:r>
-            <a:r>
-              <a:rPr lang="en-US" sz="8000" b="1" i="0" dirty="0">
-                <a:solidFill>
-                  <a:srgbClr val="000000"/>
-                </a:solidFill>
-                <a:effectLst/>
-              </a:rPr>
-              <a:t>. Control Flow Instructions</a:t>
-            </a:r>
-          </a:p>
-          <a:p>
-            <a:pPr marL="0" indent="0" algn="l">
-              <a:buNone/>
-            </a:pPr>
-            <a:br>
-              <a:rPr lang="en-US" sz="8000" b="0" i="0" dirty="0">
-                <a:solidFill>
-                  <a:srgbClr val="000000"/>
-                </a:solidFill>
-                <a:effectLst/>
-              </a:rPr>
-            </a:br>
-            <a:r>
-              <a:rPr lang="en-US" sz="8000" b="0" i="0" dirty="0">
-                <a:solidFill>
-                  <a:srgbClr val="000000"/>
-                </a:solidFill>
-                <a:effectLst/>
-              </a:rPr>
-              <a:t>1. Branch on Equal: (Opcode – 1011)               BEQ rs1, rs2, offset</a:t>
-            </a:r>
-            <a:br>
-              <a:rPr lang="en-US" sz="8000" b="0" i="0" dirty="0">
-                <a:solidFill>
-                  <a:srgbClr val="000000"/>
-                </a:solidFill>
-                <a:effectLst/>
-              </a:rPr>
-            </a:br>
-            <a:r>
-              <a:rPr lang="en-US" sz="8000" b="0" i="0" dirty="0">
-                <a:solidFill>
-                  <a:srgbClr val="000000"/>
-                </a:solidFill>
-                <a:effectLst/>
-              </a:rPr>
-              <a:t>               Branch to (PC + 1 + (offset &lt;&lt; 1)) when rs1 = rs2</a:t>
-            </a:r>
-          </a:p>
-          <a:p>
-            <a:pPr marL="0" indent="0" algn="l">
-              <a:buNone/>
-            </a:pPr>
-            <a:br>
-              <a:rPr lang="en-US" sz="8000" b="0" i="0" dirty="0">
-                <a:solidFill>
-                  <a:srgbClr val="000000"/>
-                </a:solidFill>
-                <a:effectLst/>
-              </a:rPr>
-            </a:br>
-            <a:r>
-              <a:rPr lang="en-US" sz="8000" b="0" i="0" dirty="0">
-                <a:solidFill>
-                  <a:srgbClr val="000000"/>
-                </a:solidFill>
-                <a:effectLst/>
-              </a:rPr>
-              <a:t>2. Branch on Not Equal: (Opcode – 1100)              BNE rs1, rs2, offset</a:t>
-            </a:r>
-            <a:br>
-              <a:rPr lang="en-US" sz="8000" b="0" i="0" dirty="0">
-                <a:solidFill>
-                  <a:srgbClr val="000000"/>
-                </a:solidFill>
-                <a:effectLst/>
-              </a:rPr>
-            </a:br>
-            <a:r>
-              <a:rPr lang="en-US" sz="8000" b="0" i="0" dirty="0">
-                <a:solidFill>
-                  <a:srgbClr val="000000"/>
-                </a:solidFill>
-                <a:effectLst/>
-              </a:rPr>
-              <a:t>              Branch to (PC + 1 + (offset &lt;&lt; 1)) when rs1 != rs2</a:t>
-            </a:r>
-          </a:p>
-          <a:p>
-            <a:pPr marL="0" indent="0" algn="l">
-              <a:buNone/>
-            </a:pPr>
-            <a:br>
-              <a:rPr lang="en-US" sz="8000" b="0" i="0" dirty="0">
-                <a:solidFill>
-                  <a:srgbClr val="000000"/>
-                </a:solidFill>
-                <a:effectLst/>
-              </a:rPr>
-            </a:br>
-            <a:r>
-              <a:rPr lang="en-US" sz="8000" b="0" i="0" dirty="0">
-                <a:solidFill>
-                  <a:srgbClr val="000000"/>
-                </a:solidFill>
-                <a:effectLst/>
-              </a:rPr>
-              <a:t>3. Jump: JMP offset Jump to offset (Opcode – 1101)</a:t>
-            </a:r>
-          </a:p>
-          <a:p>
-            <a:endParaRPr lang="en-US" dirty="0"/>
-          </a:p>
-        </p:txBody>
-      </p:sp>
+              <a:rPr lang="en-IN" dirty="0"/>
+              <a:t>OPERATIONS</a:t>
+            </a:r>
+          </a:p>
+        </p:txBody>
+      </p:sp>
+      <p:graphicFrame>
+        <p:nvGraphicFramePr>
+          <p:cNvPr id="4" name="Table 3">
+            <a:extLst>
+              <a:ext uri="{FF2B5EF4-FFF2-40B4-BE49-F238E27FC236}">
+                <a16:creationId xmlns:a16="http://schemas.microsoft.com/office/drawing/2014/main" id="{A2733919-63B3-7EB7-CD3B-49BF949EDA88}"/>
+              </a:ext>
+            </a:extLst>
+          </p:cNvPr>
+          <p:cNvGraphicFramePr>
+            <a:graphicFrameLocks noGrp="1"/>
+          </p:cNvGraphicFramePr>
+          <p:nvPr>
+            <p:extLst>
+              <p:ext uri="{D42A27DB-BD31-4B8C-83A1-F6EECF244321}">
+                <p14:modId xmlns:p14="http://schemas.microsoft.com/office/powerpoint/2010/main" val="3425137601"/>
+              </p:ext>
+            </p:extLst>
+          </p:nvPr>
+        </p:nvGraphicFramePr>
+        <p:xfrm>
+          <a:off x="1686613" y="1112363"/>
+          <a:ext cx="7052034" cy="5486400"/>
+        </p:xfrm>
+        <a:graphic>
+          <a:graphicData uri="http://schemas.openxmlformats.org/drawingml/2006/table">
+            <a:tbl>
+              <a:tblPr firstRow="1" bandRow="1">
+                <a:effectLst>
+                  <a:reflection blurRad="6350" stA="52000" endA="300" endPos="35000" dir="5400000" sy="-100000" algn="bl" rotWithShape="0"/>
+                </a:effectLst>
+                <a:tableStyleId>{5C22544A-7EE6-4342-B048-85BDC9FD1C3A}</a:tableStyleId>
+              </a:tblPr>
+              <a:tblGrid>
+                <a:gridCol w="3526017">
+                  <a:extLst>
+                    <a:ext uri="{9D8B030D-6E8A-4147-A177-3AD203B41FA5}">
+                      <a16:colId xmlns:a16="http://schemas.microsoft.com/office/drawing/2014/main" val="2728160951"/>
+                    </a:ext>
+                  </a:extLst>
+                </a:gridCol>
+                <a:gridCol w="3526017">
+                  <a:extLst>
+                    <a:ext uri="{9D8B030D-6E8A-4147-A177-3AD203B41FA5}">
+                      <a16:colId xmlns:a16="http://schemas.microsoft.com/office/drawing/2014/main" val="141633666"/>
+                    </a:ext>
+                  </a:extLst>
+                </a:gridCol>
+              </a:tblGrid>
+              <a:tr h="360732">
+                <a:tc>
+                  <a:txBody>
+                    <a:bodyPr/>
+                    <a:lstStyle/>
+                    <a:p>
+                      <a:r>
+                        <a:rPr lang="en-IN" dirty="0"/>
+                        <a:t>OPCODE</a:t>
+                      </a:r>
+                    </a:p>
+                  </a:txBody>
+                  <a:tcPr/>
+                </a:tc>
+                <a:tc>
+                  <a:txBody>
+                    <a:bodyPr/>
+                    <a:lstStyle/>
+                    <a:p>
+                      <a:r>
+                        <a:rPr lang="en-IN" dirty="0"/>
+                        <a:t>OPERATION</a:t>
+                      </a:r>
+                    </a:p>
+                  </a:txBody>
+                  <a:tcPr/>
+                </a:tc>
+                <a:extLst>
+                  <a:ext uri="{0D108BD9-81ED-4DB2-BD59-A6C34878D82A}">
+                    <a16:rowId xmlns:a16="http://schemas.microsoft.com/office/drawing/2014/main" val="2254544212"/>
+                  </a:ext>
+                </a:extLst>
+              </a:tr>
+              <a:tr h="360732">
+                <a:tc>
+                  <a:txBody>
+                    <a:bodyPr/>
+                    <a:lstStyle/>
+                    <a:p>
+                      <a:r>
+                        <a:rPr lang="en-IN" dirty="0"/>
+                        <a:t>0000(0)</a:t>
+                      </a:r>
+                    </a:p>
+                  </a:txBody>
+                  <a:tcPr/>
+                </a:tc>
+                <a:tc>
+                  <a:txBody>
+                    <a:bodyPr/>
+                    <a:lstStyle/>
+                    <a:p>
+                      <a:r>
+                        <a:rPr lang="en-IN" dirty="0"/>
+                        <a:t>LOAD</a:t>
+                      </a:r>
+                    </a:p>
+                  </a:txBody>
+                  <a:tcPr/>
+                </a:tc>
+                <a:extLst>
+                  <a:ext uri="{0D108BD9-81ED-4DB2-BD59-A6C34878D82A}">
+                    <a16:rowId xmlns:a16="http://schemas.microsoft.com/office/drawing/2014/main" val="78755630"/>
+                  </a:ext>
+                </a:extLst>
+              </a:tr>
+              <a:tr h="360732">
+                <a:tc>
+                  <a:txBody>
+                    <a:bodyPr/>
+                    <a:lstStyle/>
+                    <a:p>
+                      <a:r>
+                        <a:rPr lang="en-IN" dirty="0"/>
+                        <a:t>0001(1)</a:t>
+                      </a:r>
+                    </a:p>
+                  </a:txBody>
+                  <a:tcPr>
+                    <a:lnB w="12700" cmpd="sng">
+                      <a:noFill/>
+                    </a:lnB>
+                  </a:tcPr>
+                </a:tc>
+                <a:tc>
+                  <a:txBody>
+                    <a:bodyPr/>
+                    <a:lstStyle/>
+                    <a:p>
+                      <a:r>
+                        <a:rPr lang="en-IN" dirty="0"/>
+                        <a:t>STORE</a:t>
+                      </a:r>
+                    </a:p>
+                  </a:txBody>
+                  <a:tcPr/>
+                </a:tc>
+                <a:extLst>
+                  <a:ext uri="{0D108BD9-81ED-4DB2-BD59-A6C34878D82A}">
+                    <a16:rowId xmlns:a16="http://schemas.microsoft.com/office/drawing/2014/main" val="168706509"/>
+                  </a:ext>
+                </a:extLst>
+              </a:tr>
+              <a:tr h="360732">
+                <a:tc>
+                  <a:txBody>
+                    <a:bodyPr/>
+                    <a:lstStyle/>
+                    <a:p>
+                      <a:r>
+                        <a:rPr lang="en-IN" dirty="0"/>
+                        <a:t>0010(2)</a:t>
+                      </a:r>
+                    </a:p>
+                  </a:txBody>
+                  <a:tcPr>
+                    <a:lnL w="12700" cmpd="sng">
+                      <a:noFill/>
+                    </a:lnL>
+                    <a:lnR w="12700" cmpd="sng">
+                      <a:noFill/>
+                    </a:lnR>
+                    <a:lnT w="12700" cmpd="sng">
+                      <a:noFill/>
+                    </a:lnT>
+                    <a:lnB w="12700" cmpd="sng">
+                      <a:noFill/>
+                    </a:lnB>
+                    <a:lnTlToBr w="12700" cmpd="sng">
+                      <a:noFill/>
+                      <a:prstDash val="solid"/>
+                    </a:lnTlToBr>
+                    <a:lnBlToTr w="12700" cmpd="sng">
+                      <a:noFill/>
+                      <a:prstDash val="solid"/>
+                    </a:lnBlToTr>
+                  </a:tcPr>
+                </a:tc>
+                <a:tc>
+                  <a:txBody>
+                    <a:bodyPr/>
+                    <a:lstStyle/>
+                    <a:p>
+                      <a:r>
+                        <a:rPr lang="en-IN" dirty="0"/>
+                        <a:t>ADDITION</a:t>
+                      </a:r>
+                    </a:p>
+                  </a:txBody>
+                  <a:tcPr>
+                    <a:lnL w="12700" cmpd="sng">
+                      <a:noFill/>
+                    </a:lnL>
+                  </a:tcPr>
+                </a:tc>
+                <a:extLst>
+                  <a:ext uri="{0D108BD9-81ED-4DB2-BD59-A6C34878D82A}">
+                    <a16:rowId xmlns:a16="http://schemas.microsoft.com/office/drawing/2014/main" val="3458495783"/>
+                  </a:ext>
+                </a:extLst>
+              </a:tr>
+              <a:tr h="360732">
+                <a:tc>
+                  <a:txBody>
+                    <a:bodyPr/>
+                    <a:lstStyle/>
+                    <a:p>
+                      <a:r>
+                        <a:rPr lang="en-IN" dirty="0"/>
+                        <a:t>0011(3)</a:t>
+                      </a:r>
+                    </a:p>
+                  </a:txBody>
+                  <a:tcPr>
+                    <a:lnT w="12700" cmpd="sng">
+                      <a:noFill/>
+                    </a:lnT>
+                  </a:tcPr>
+                </a:tc>
+                <a:tc>
+                  <a:txBody>
+                    <a:bodyPr/>
+                    <a:lstStyle/>
+                    <a:p>
+                      <a:r>
+                        <a:rPr lang="en-IN" dirty="0"/>
+                        <a:t>SUBTRACTION</a:t>
+                      </a:r>
+                    </a:p>
+                  </a:txBody>
+                  <a:tcPr/>
+                </a:tc>
+                <a:extLst>
+                  <a:ext uri="{0D108BD9-81ED-4DB2-BD59-A6C34878D82A}">
+                    <a16:rowId xmlns:a16="http://schemas.microsoft.com/office/drawing/2014/main" val="1312425126"/>
+                  </a:ext>
+                </a:extLst>
+              </a:tr>
+              <a:tr h="360732">
+                <a:tc>
+                  <a:txBody>
+                    <a:bodyPr/>
+                    <a:lstStyle/>
+                    <a:p>
+                      <a:r>
+                        <a:rPr lang="en-IN" dirty="0"/>
+                        <a:t>0100(4)</a:t>
+                      </a:r>
+                    </a:p>
+                  </a:txBody>
+                  <a:tcPr>
+                    <a:solidFill>
+                      <a:schemeClr val="accent1">
+                        <a:tint val="40000"/>
+                      </a:schemeClr>
+                    </a:solidFill>
+                  </a:tcPr>
+                </a:tc>
+                <a:tc>
+                  <a:txBody>
+                    <a:bodyPr/>
+                    <a:lstStyle/>
+                    <a:p>
+                      <a:r>
+                        <a:rPr lang="en-IN" dirty="0"/>
+                        <a:t>INVERT</a:t>
+                      </a:r>
+                    </a:p>
+                  </a:txBody>
+                  <a:tcPr/>
+                </a:tc>
+                <a:extLst>
+                  <a:ext uri="{0D108BD9-81ED-4DB2-BD59-A6C34878D82A}">
+                    <a16:rowId xmlns:a16="http://schemas.microsoft.com/office/drawing/2014/main" val="3801930840"/>
+                  </a:ext>
+                </a:extLst>
+              </a:tr>
+              <a:tr h="360732">
+                <a:tc>
+                  <a:txBody>
+                    <a:bodyPr/>
+                    <a:lstStyle/>
+                    <a:p>
+                      <a:r>
+                        <a:rPr lang="en-IN" dirty="0"/>
+                        <a:t>0101(5)</a:t>
+                      </a:r>
+                    </a:p>
+                  </a:txBody>
+                  <a:tcPr/>
+                </a:tc>
+                <a:tc>
+                  <a:txBody>
+                    <a:bodyPr/>
+                    <a:lstStyle/>
+                    <a:p>
+                      <a:r>
+                        <a:rPr lang="en-IN" dirty="0"/>
+                        <a:t>LOGICAL SHIFT LEFT</a:t>
+                      </a:r>
+                    </a:p>
+                  </a:txBody>
+                  <a:tcPr/>
+                </a:tc>
+                <a:extLst>
+                  <a:ext uri="{0D108BD9-81ED-4DB2-BD59-A6C34878D82A}">
+                    <a16:rowId xmlns:a16="http://schemas.microsoft.com/office/drawing/2014/main" val="3237641103"/>
+                  </a:ext>
+                </a:extLst>
+              </a:tr>
+              <a:tr h="360732">
+                <a:tc>
+                  <a:txBody>
+                    <a:bodyPr/>
+                    <a:lstStyle/>
+                    <a:p>
+                      <a:r>
+                        <a:rPr lang="en-IN" dirty="0"/>
+                        <a:t>0110(6)</a:t>
+                      </a:r>
+                    </a:p>
+                  </a:txBody>
+                  <a:tcPr/>
+                </a:tc>
+                <a:tc>
+                  <a:txBody>
+                    <a:bodyPr/>
+                    <a:lstStyle/>
+                    <a:p>
+                      <a:r>
+                        <a:rPr lang="en-IN" dirty="0"/>
+                        <a:t>LOGICAL SHIFT RIGHT</a:t>
+                      </a:r>
+                    </a:p>
+                  </a:txBody>
+                  <a:tcPr/>
+                </a:tc>
+                <a:extLst>
+                  <a:ext uri="{0D108BD9-81ED-4DB2-BD59-A6C34878D82A}">
+                    <a16:rowId xmlns:a16="http://schemas.microsoft.com/office/drawing/2014/main" val="2890449855"/>
+                  </a:ext>
+                </a:extLst>
+              </a:tr>
+              <a:tr h="360732">
+                <a:tc>
+                  <a:txBody>
+                    <a:bodyPr/>
+                    <a:lstStyle/>
+                    <a:p>
+                      <a:r>
+                        <a:rPr lang="en-IN" dirty="0"/>
+                        <a:t>0111(7)</a:t>
+                      </a:r>
+                    </a:p>
+                  </a:txBody>
+                  <a:tcPr/>
+                </a:tc>
+                <a:tc>
+                  <a:txBody>
+                    <a:bodyPr/>
+                    <a:lstStyle/>
+                    <a:p>
+                      <a:r>
+                        <a:rPr lang="en-IN" dirty="0"/>
+                        <a:t>AND</a:t>
+                      </a:r>
+                    </a:p>
+                  </a:txBody>
+                  <a:tcPr/>
+                </a:tc>
+                <a:extLst>
+                  <a:ext uri="{0D108BD9-81ED-4DB2-BD59-A6C34878D82A}">
+                    <a16:rowId xmlns:a16="http://schemas.microsoft.com/office/drawing/2014/main" val="3042421070"/>
+                  </a:ext>
+                </a:extLst>
+              </a:tr>
+              <a:tr h="360732">
+                <a:tc>
+                  <a:txBody>
+                    <a:bodyPr/>
+                    <a:lstStyle/>
+                    <a:p>
+                      <a:r>
+                        <a:rPr lang="en-IN" dirty="0"/>
+                        <a:t>1000(8)</a:t>
+                      </a:r>
+                    </a:p>
+                  </a:txBody>
+                  <a:tcPr/>
+                </a:tc>
+                <a:tc>
+                  <a:txBody>
+                    <a:bodyPr/>
+                    <a:lstStyle/>
+                    <a:p>
+                      <a:r>
+                        <a:rPr lang="en-IN" dirty="0"/>
+                        <a:t>OR</a:t>
+                      </a:r>
+                    </a:p>
+                  </a:txBody>
+                  <a:tcPr/>
+                </a:tc>
+                <a:extLst>
+                  <a:ext uri="{0D108BD9-81ED-4DB2-BD59-A6C34878D82A}">
+                    <a16:rowId xmlns:a16="http://schemas.microsoft.com/office/drawing/2014/main" val="1867101607"/>
+                  </a:ext>
+                </a:extLst>
+              </a:tr>
+              <a:tr h="360732">
+                <a:tc>
+                  <a:txBody>
+                    <a:bodyPr/>
+                    <a:lstStyle/>
+                    <a:p>
+                      <a:r>
+                        <a:rPr lang="en-IN" dirty="0"/>
+                        <a:t>1001(9)</a:t>
+                      </a:r>
+                    </a:p>
+                  </a:txBody>
+                  <a:tcPr/>
+                </a:tc>
+                <a:tc>
+                  <a:txBody>
+                    <a:bodyPr/>
+                    <a:lstStyle/>
+                    <a:p>
+                      <a:r>
+                        <a:rPr lang="en-IN" dirty="0"/>
+                        <a:t>INCREMENT</a:t>
+                      </a:r>
+                    </a:p>
+                  </a:txBody>
+                  <a:tcPr/>
+                </a:tc>
+                <a:extLst>
+                  <a:ext uri="{0D108BD9-81ED-4DB2-BD59-A6C34878D82A}">
+                    <a16:rowId xmlns:a16="http://schemas.microsoft.com/office/drawing/2014/main" val="2724362976"/>
+                  </a:ext>
+                </a:extLst>
+              </a:tr>
+              <a:tr h="360732">
+                <a:tc>
+                  <a:txBody>
+                    <a:bodyPr/>
+                    <a:lstStyle/>
+                    <a:p>
+                      <a:r>
+                        <a:rPr lang="en-IN" dirty="0"/>
+                        <a:t>1010(10)</a:t>
+                      </a:r>
+                    </a:p>
+                  </a:txBody>
+                  <a:tcPr/>
+                </a:tc>
+                <a:tc>
+                  <a:txBody>
+                    <a:bodyPr/>
+                    <a:lstStyle/>
+                    <a:p>
+                      <a:r>
+                        <a:rPr lang="en-IN" dirty="0"/>
+                        <a:t>DECREMENT</a:t>
+                      </a:r>
+                    </a:p>
+                  </a:txBody>
+                  <a:tcPr/>
+                </a:tc>
+                <a:extLst>
+                  <a:ext uri="{0D108BD9-81ED-4DB2-BD59-A6C34878D82A}">
+                    <a16:rowId xmlns:a16="http://schemas.microsoft.com/office/drawing/2014/main" val="1350037133"/>
+                  </a:ext>
+                </a:extLst>
+              </a:tr>
+              <a:tr h="360732">
+                <a:tc>
+                  <a:txBody>
+                    <a:bodyPr/>
+                    <a:lstStyle/>
+                    <a:p>
+                      <a:r>
+                        <a:rPr lang="en-IN" dirty="0"/>
+                        <a:t>1011(11)</a:t>
+                      </a:r>
+                    </a:p>
+                  </a:txBody>
+                  <a:tcPr/>
+                </a:tc>
+                <a:tc>
+                  <a:txBody>
+                    <a:bodyPr/>
+                    <a:lstStyle/>
+                    <a:p>
+                      <a:r>
+                        <a:rPr lang="en-IN" dirty="0"/>
+                        <a:t>BRANCH ON EQUAL(BEQ)</a:t>
+                      </a:r>
+                    </a:p>
+                  </a:txBody>
+                  <a:tcPr/>
+                </a:tc>
+                <a:extLst>
+                  <a:ext uri="{0D108BD9-81ED-4DB2-BD59-A6C34878D82A}">
+                    <a16:rowId xmlns:a16="http://schemas.microsoft.com/office/drawing/2014/main" val="1327940509"/>
+                  </a:ext>
+                </a:extLst>
+              </a:tr>
+              <a:tr h="360732">
+                <a:tc>
+                  <a:txBody>
+                    <a:bodyPr/>
+                    <a:lstStyle/>
+                    <a:p>
+                      <a:r>
+                        <a:rPr lang="en-IN" dirty="0"/>
+                        <a:t>1100(12)</a:t>
+                      </a:r>
+                    </a:p>
+                  </a:txBody>
+                  <a:tcPr/>
+                </a:tc>
+                <a:tc>
+                  <a:txBody>
+                    <a:bodyPr/>
+                    <a:lstStyle/>
+                    <a:p>
+                      <a:r>
+                        <a:rPr lang="en-IN" dirty="0"/>
+                        <a:t>BRANCH NOT EQUAL(BNE)</a:t>
+                      </a:r>
+                    </a:p>
+                  </a:txBody>
+                  <a:tcPr/>
+                </a:tc>
+                <a:extLst>
+                  <a:ext uri="{0D108BD9-81ED-4DB2-BD59-A6C34878D82A}">
+                    <a16:rowId xmlns:a16="http://schemas.microsoft.com/office/drawing/2014/main" val="869521049"/>
+                  </a:ext>
+                </a:extLst>
+              </a:tr>
+              <a:tr h="360732">
+                <a:tc>
+                  <a:txBody>
+                    <a:bodyPr/>
+                    <a:lstStyle/>
+                    <a:p>
+                      <a:r>
+                        <a:rPr lang="en-IN" dirty="0"/>
+                        <a:t>1101(13)</a:t>
+                      </a:r>
+                    </a:p>
+                  </a:txBody>
+                  <a:tcPr/>
+                </a:tc>
+                <a:tc>
+                  <a:txBody>
+                    <a:bodyPr/>
+                    <a:lstStyle/>
+                    <a:p>
+                      <a:r>
+                        <a:rPr lang="en-IN" dirty="0"/>
+                        <a:t>JUMP</a:t>
+                      </a:r>
+                    </a:p>
+                  </a:txBody>
+                  <a:tcPr/>
+                </a:tc>
+                <a:extLst>
+                  <a:ext uri="{0D108BD9-81ED-4DB2-BD59-A6C34878D82A}">
+                    <a16:rowId xmlns:a16="http://schemas.microsoft.com/office/drawing/2014/main" val="574674604"/>
+                  </a:ext>
+                </a:extLst>
+              </a:tr>
+            </a:tbl>
+          </a:graphicData>
+        </a:graphic>
+      </p:graphicFrame>
     </p:spTree>
     <p:extLst>
       <p:ext uri="{BB962C8B-B14F-4D97-AF65-F5344CB8AC3E}">
-        <p14:creationId xmlns:p14="http://schemas.microsoft.com/office/powerpoint/2010/main" val="86330892"/>
+        <p14:creationId xmlns:p14="http://schemas.microsoft.com/office/powerpoint/2010/main" val="3364354608"/>
       </p:ext>
     </p:extLst>
   </p:cSld>
@@ -7042,7 +7793,7 @@
           <p:cNvPr id="2" name="Title 1">
             <a:extLst>
               <a:ext uri="{FF2B5EF4-FFF2-40B4-BE49-F238E27FC236}">
-                <a16:creationId xmlns:a16="http://schemas.microsoft.com/office/drawing/2014/main" id="{EF29044B-1E5E-2926-7019-DF0ACF0DC9CA}"/>
+                <a16:creationId xmlns:a16="http://schemas.microsoft.com/office/drawing/2014/main" id="{9CBEBB53-381E-DE23-6ACD-871F043075A8}"/>
               </a:ext>
             </a:extLst>
           </p:cNvPr>
@@ -7051,193 +7802,1009 @@
           </p:cNvSpPr>
           <p:nvPr>
             <p:ph type="title"/>
-          </p:nvPr>
-        </p:nvSpPr>
-        <p:spPr/>
-        <p:txBody>
-          <a:bodyPr/>
-          <a:lstStyle/>
-          <a:p>
-            <a:r>
-              <a:rPr lang="en-US" u="sng" dirty="0"/>
-              <a:t> Instruction set of RISC Processor:</a:t>
-            </a:r>
-          </a:p>
-        </p:txBody>
-      </p:sp>
-      <p:sp>
-        <p:nvSpPr>
-          <p:cNvPr id="3" name="Content Placeholder 2">
-            <a:extLst>
-              <a:ext uri="{FF2B5EF4-FFF2-40B4-BE49-F238E27FC236}">
-                <a16:creationId xmlns:a16="http://schemas.microsoft.com/office/drawing/2014/main" id="{FC399DAA-895F-8063-C904-6F3F79C45B3E}"/>
-              </a:ext>
-            </a:extLst>
-          </p:cNvPr>
-          <p:cNvSpPr>
-            <a:spLocks noGrp="1"/>
-          </p:cNvSpPr>
-          <p:nvPr>
-            <p:ph idx="1"/>
           </p:nvPr>
         </p:nvSpPr>
         <p:spPr>
           <a:xfrm>
-            <a:off x="838200" y="1825625"/>
-            <a:ext cx="4503821" cy="4351338"/>
+            <a:off x="216031" y="299137"/>
+            <a:ext cx="8550897" cy="615263"/>
           </a:xfrm>
         </p:spPr>
         <p:txBody>
           <a:bodyPr>
-            <a:noAutofit/>
+            <a:normAutofit fontScale="90000"/>
           </a:bodyPr>
           <a:lstStyle/>
           <a:p>
-            <a:pPr marL="0" indent="0" algn="l">
-              <a:buNone/>
-            </a:pPr>
-            <a:endParaRPr lang="en-US" sz="1600" b="1" i="0" dirty="0">
-              <a:solidFill>
-                <a:srgbClr val="000000"/>
-              </a:solidFill>
-              <a:effectLst/>
-              <a:latin typeface="Arial" panose="020B0604020202020204" pitchFamily="34" charset="0"/>
-            </a:endParaRPr>
-          </a:p>
+            <a:r>
+              <a:rPr lang="en-US" sz="4400" u="sng" dirty="0"/>
+              <a:t>Instruction format of RISC Processor</a:t>
+            </a:r>
+            <a:r>
+              <a:rPr lang="en-US" dirty="0"/>
+              <a:t>:</a:t>
+            </a:r>
+            <a:endParaRPr lang="en-IN" dirty="0"/>
+          </a:p>
+        </p:txBody>
+      </p:sp>
+      <p:sp>
+        <p:nvSpPr>
+          <p:cNvPr id="4" name="Content Placeholder 3">
+            <a:extLst>
+              <a:ext uri="{FF2B5EF4-FFF2-40B4-BE49-F238E27FC236}">
+                <a16:creationId xmlns:a16="http://schemas.microsoft.com/office/drawing/2014/main" id="{3CE4109E-28D2-2550-5DC9-B189A45224A1}"/>
+              </a:ext>
+            </a:extLst>
+          </p:cNvPr>
+          <p:cNvSpPr>
+            <a:spLocks noGrp="1"/>
+          </p:cNvSpPr>
+          <p:nvPr>
+            <p:ph idx="1"/>
+          </p:nvPr>
+        </p:nvSpPr>
+        <p:spPr>
+          <a:xfrm>
+            <a:off x="199860" y="914400"/>
+            <a:ext cx="11212398" cy="5262563"/>
+          </a:xfrm>
+        </p:spPr>
+        <p:txBody>
+          <a:bodyPr/>
+          <a:lstStyle/>
           <a:p>
             <a:pPr marL="0" indent="0">
               <a:buNone/>
             </a:pPr>
             <a:r>
-              <a:rPr lang="en-US" sz="1600" b="1" dirty="0">
-                <a:solidFill>
-                  <a:srgbClr val="000000"/>
-                </a:solidFill>
-              </a:rPr>
-              <a:t>C. Data Processing Instructions</a:t>
-            </a:r>
-          </a:p>
-          <a:p>
-            <a:r>
-              <a:rPr lang="en-US" sz="1600" dirty="0">
-                <a:solidFill>
-                  <a:srgbClr val="000000"/>
-                </a:solidFill>
-              </a:rPr>
-              <a:t> Add (+)  (Opcode = 0010)</a:t>
-            </a:r>
-          </a:p>
-          <a:p>
-            <a:r>
-              <a:rPr lang="en-US" sz="1600" dirty="0">
-                <a:solidFill>
-                  <a:srgbClr val="000000"/>
-                </a:solidFill>
-              </a:rPr>
-              <a:t> Subtract (-) (Opcode = 0011)</a:t>
-            </a:r>
-          </a:p>
-          <a:p>
-            <a:r>
-              <a:rPr lang="en-US" sz="1600" dirty="0">
-                <a:solidFill>
-                  <a:srgbClr val="000000"/>
-                </a:solidFill>
-              </a:rPr>
-              <a:t> Invert (1‘s complement) (Opcode = 0100)</a:t>
-            </a:r>
-          </a:p>
-          <a:p>
-            <a:r>
-              <a:rPr lang="en-US" sz="1600" dirty="0">
-                <a:solidFill>
-                  <a:srgbClr val="000000"/>
-                </a:solidFill>
-              </a:rPr>
-              <a:t> Logical Shift Left (&lt;&lt;) (Opcode = 0101)</a:t>
-            </a:r>
-          </a:p>
-          <a:p>
-            <a:r>
-              <a:rPr lang="en-US" sz="1600" dirty="0">
-                <a:solidFill>
-                  <a:srgbClr val="000000"/>
-                </a:solidFill>
-              </a:rPr>
-              <a:t> Logical Shift Right (&gt;&gt;) (Opcode = 0110)</a:t>
-            </a:r>
-          </a:p>
-          <a:p>
-            <a:r>
-              <a:rPr lang="en-US" sz="1600" dirty="0">
-                <a:solidFill>
-                  <a:srgbClr val="000000"/>
-                </a:solidFill>
-              </a:rPr>
-              <a:t> Bitwise AND(&amp;) (Opcode = 0111)</a:t>
-            </a:r>
-          </a:p>
-          <a:p>
-            <a:r>
-              <a:rPr lang="en-US" sz="1600" dirty="0">
-                <a:solidFill>
-                  <a:srgbClr val="000000"/>
-                </a:solidFill>
-              </a:rPr>
-              <a:t> Bitwise OR (|) (Opcode = 1000)</a:t>
-            </a:r>
-          </a:p>
-          <a:p>
-            <a:r>
-              <a:rPr lang="en-US" sz="1600" dirty="0">
-                <a:solidFill>
-                  <a:srgbClr val="000000"/>
-                </a:solidFill>
-              </a:rPr>
-              <a:t> Increment (+1) (Opcode = 1001)</a:t>
-            </a:r>
-          </a:p>
-          <a:p>
-            <a:r>
-              <a:rPr lang="en-US" sz="1600" dirty="0">
-                <a:solidFill>
-                  <a:srgbClr val="000000"/>
-                </a:solidFill>
-              </a:rPr>
-              <a:t> Decrement (-1) (Opcode = 1010)</a:t>
-            </a:r>
-            <a:endParaRPr lang="en-US" sz="1600" dirty="0"/>
-          </a:p>
-          <a:p>
-            <a:pPr marL="0" indent="0" algn="l">
+              <a:rPr lang="en-IN" u="sng" dirty="0"/>
+              <a:t>LOAD</a:t>
+            </a:r>
+            <a:r>
+              <a:rPr lang="en-IN" dirty="0"/>
+              <a:t>:										</a:t>
+            </a:r>
+          </a:p>
+          <a:p>
+            <a:pPr marL="0" indent="0">
               <a:buNone/>
             </a:pPr>
-            <a:endParaRPr lang="en-US" sz="1600" dirty="0">
-              <a:solidFill>
-                <a:srgbClr val="000000"/>
-              </a:solidFill>
-            </a:endParaRPr>
-          </a:p>
-          <a:p>
-            <a:pPr marL="0" indent="0" algn="l">
+            <a:r>
+              <a:rPr lang="en-IN" dirty="0"/>
+              <a:t>                       </a:t>
+            </a:r>
+            <a:r>
+              <a:rPr lang="en-IN" sz="1800" dirty="0"/>
+              <a:t>4bits		    3bits		      3bits		          6bits</a:t>
+            </a:r>
+          </a:p>
+          <a:p>
+            <a:pPr marL="0" indent="0">
               <a:buNone/>
             </a:pPr>
-            <a:br>
-              <a:rPr lang="en-US" sz="1600" b="1" i="0" dirty="0">
-                <a:solidFill>
-                  <a:srgbClr val="000000"/>
-                </a:solidFill>
-                <a:effectLst/>
-              </a:rPr>
-            </a:br>
-            <a:endParaRPr lang="en-US" sz="1600" dirty="0"/>
-          </a:p>
-        </p:txBody>
-      </p:sp>
+            <a:r>
+              <a:rPr lang="en-IN" u="sng" dirty="0"/>
+              <a:t>STORE</a:t>
+            </a:r>
+            <a:r>
+              <a:rPr lang="en-IN" dirty="0"/>
+              <a:t>:</a:t>
+            </a:r>
+            <a:r>
+              <a:rPr lang="en-IN" u="sng" dirty="0"/>
+              <a:t> </a:t>
+            </a:r>
+          </a:p>
+          <a:p>
+            <a:pPr marL="0" indent="0">
+              <a:buNone/>
+            </a:pPr>
+            <a:r>
+              <a:rPr lang="en-IN" sz="1800" dirty="0"/>
+              <a:t>                                   4bits 		    3bits		         3bits		              6bits</a:t>
+            </a:r>
+          </a:p>
+          <a:p>
+            <a:pPr marL="0" indent="0">
+              <a:buNone/>
+            </a:pPr>
+            <a:r>
+              <a:rPr lang="en-IN" u="sng" dirty="0"/>
+              <a:t>ALU OPERATIONS</a:t>
+            </a:r>
+            <a:r>
+              <a:rPr lang="en-IN" dirty="0"/>
+              <a:t>:												    	  </a:t>
+            </a:r>
+            <a:r>
+              <a:rPr lang="en-IN" sz="1800" dirty="0"/>
+              <a:t>4bits</a:t>
+            </a:r>
+            <a:r>
+              <a:rPr lang="en-IN" dirty="0"/>
+              <a:t> 		 </a:t>
+            </a:r>
+            <a:r>
+              <a:rPr lang="en-IN" sz="1800" dirty="0"/>
+              <a:t>3bits		   3bits		  3bits		 3bits</a:t>
+            </a:r>
+          </a:p>
+          <a:p>
+            <a:pPr marL="0" indent="0">
+              <a:buNone/>
+            </a:pPr>
+            <a:r>
+              <a:rPr lang="en-IN" u="sng" dirty="0"/>
+              <a:t>BRANCH</a:t>
+            </a:r>
+            <a:r>
+              <a:rPr lang="en-IN" dirty="0"/>
+              <a:t>:										</a:t>
+            </a:r>
+          </a:p>
+          <a:p>
+            <a:pPr marL="0" indent="0">
+              <a:buNone/>
+            </a:pPr>
+            <a:r>
+              <a:rPr lang="en-IN" dirty="0"/>
+              <a:t>		</a:t>
+            </a:r>
+            <a:r>
+              <a:rPr lang="en-IN" sz="1800" dirty="0"/>
+              <a:t>4bits		      3bits			3bits		6bits</a:t>
+            </a:r>
+          </a:p>
+          <a:p>
+            <a:pPr marL="0" indent="0">
+              <a:buNone/>
+            </a:pPr>
+            <a:r>
+              <a:rPr lang="en-IN" u="sng" dirty="0"/>
+              <a:t>JUMP</a:t>
+            </a:r>
+            <a:r>
+              <a:rPr lang="en-IN" dirty="0"/>
+              <a:t>:								</a:t>
+            </a:r>
+          </a:p>
+          <a:p>
+            <a:pPr marL="0" indent="0">
+              <a:buNone/>
+            </a:pPr>
+            <a:r>
+              <a:rPr lang="en-IN" dirty="0"/>
+              <a:t>		</a:t>
+            </a:r>
+            <a:r>
+              <a:rPr lang="en-IN" sz="1600" dirty="0"/>
+              <a:t>4bits		12bits</a:t>
+            </a:r>
+            <a:endParaRPr lang="en-IN" dirty="0"/>
+          </a:p>
+        </p:txBody>
+      </p:sp>
+      <p:graphicFrame>
+        <p:nvGraphicFramePr>
+          <p:cNvPr id="6" name="Table 6">
+            <a:extLst>
+              <a:ext uri="{FF2B5EF4-FFF2-40B4-BE49-F238E27FC236}">
+                <a16:creationId xmlns:a16="http://schemas.microsoft.com/office/drawing/2014/main" id="{E9882B0A-3717-0759-9B9E-9B21CE2FE433}"/>
+              </a:ext>
+            </a:extLst>
+          </p:cNvPr>
+          <p:cNvGraphicFramePr>
+            <a:graphicFrameLocks noGrp="1"/>
+          </p:cNvGraphicFramePr>
+          <p:nvPr>
+            <p:extLst>
+              <p:ext uri="{D42A27DB-BD31-4B8C-83A1-F6EECF244321}">
+                <p14:modId xmlns:p14="http://schemas.microsoft.com/office/powerpoint/2010/main" val="104260909"/>
+              </p:ext>
+            </p:extLst>
+          </p:nvPr>
+        </p:nvGraphicFramePr>
+        <p:xfrm>
+          <a:off x="1715678" y="992335"/>
+          <a:ext cx="8180763" cy="374069"/>
+        </p:xfrm>
+        <a:graphic>
+          <a:graphicData uri="http://schemas.openxmlformats.org/drawingml/2006/table">
+            <a:tbl>
+              <a:tblPr firstRow="1" bandRow="1">
+                <a:tableStyleId>{5940675A-B579-460E-94D1-54222C63F5DA}</a:tableStyleId>
+              </a:tblPr>
+              <a:tblGrid>
+                <a:gridCol w="2013699">
+                  <a:extLst>
+                    <a:ext uri="{9D8B030D-6E8A-4147-A177-3AD203B41FA5}">
+                      <a16:colId xmlns:a16="http://schemas.microsoft.com/office/drawing/2014/main" val="925735202"/>
+                    </a:ext>
+                  </a:extLst>
+                </a:gridCol>
+                <a:gridCol w="2055688">
+                  <a:extLst>
+                    <a:ext uri="{9D8B030D-6E8A-4147-A177-3AD203B41FA5}">
+                      <a16:colId xmlns:a16="http://schemas.microsoft.com/office/drawing/2014/main" val="1338635125"/>
+                    </a:ext>
+                  </a:extLst>
+                </a:gridCol>
+                <a:gridCol w="2055688">
+                  <a:extLst>
+                    <a:ext uri="{9D8B030D-6E8A-4147-A177-3AD203B41FA5}">
+                      <a16:colId xmlns:a16="http://schemas.microsoft.com/office/drawing/2014/main" val="385514913"/>
+                    </a:ext>
+                  </a:extLst>
+                </a:gridCol>
+                <a:gridCol w="2055688">
+                  <a:extLst>
+                    <a:ext uri="{9D8B030D-6E8A-4147-A177-3AD203B41FA5}">
+                      <a16:colId xmlns:a16="http://schemas.microsoft.com/office/drawing/2014/main" val="2325611490"/>
+                    </a:ext>
+                  </a:extLst>
+                </a:gridCol>
+              </a:tblGrid>
+              <a:tr h="374069">
+                <a:tc>
+                  <a:txBody>
+                    <a:bodyPr/>
+                    <a:lstStyle/>
+                    <a:p>
+                      <a:r>
+                        <a:rPr lang="en-IN" dirty="0"/>
+                        <a:t>OPCODE[15:12]</a:t>
+                      </a:r>
+                    </a:p>
+                  </a:txBody>
+                  <a:tcPr/>
+                </a:tc>
+                <a:tc>
+                  <a:txBody>
+                    <a:bodyPr/>
+                    <a:lstStyle/>
+                    <a:p>
+                      <a:r>
+                        <a:rPr lang="en-IN" dirty="0"/>
+                        <a:t>SRC_REG[11:9]</a:t>
+                      </a:r>
+                    </a:p>
+                  </a:txBody>
+                  <a:tcPr/>
+                </a:tc>
+                <a:tc>
+                  <a:txBody>
+                    <a:bodyPr/>
+                    <a:lstStyle/>
+                    <a:p>
+                      <a:r>
+                        <a:rPr lang="en-IN" dirty="0"/>
+                        <a:t>DEST_REG[8:6]</a:t>
+                      </a:r>
+                    </a:p>
+                  </a:txBody>
+                  <a:tcPr/>
+                </a:tc>
+                <a:tc>
+                  <a:txBody>
+                    <a:bodyPr/>
+                    <a:lstStyle/>
+                    <a:p>
+                      <a:r>
+                        <a:rPr lang="en-IN" dirty="0"/>
+                        <a:t>OFFSET[5:0]</a:t>
+                      </a:r>
+                    </a:p>
+                  </a:txBody>
+                  <a:tcPr/>
+                </a:tc>
+                <a:extLst>
+                  <a:ext uri="{0D108BD9-81ED-4DB2-BD59-A6C34878D82A}">
+                    <a16:rowId xmlns:a16="http://schemas.microsoft.com/office/drawing/2014/main" val="1098692007"/>
+                  </a:ext>
+                </a:extLst>
+              </a:tr>
+            </a:tbl>
+          </a:graphicData>
+        </a:graphic>
+      </p:graphicFrame>
+      <p:graphicFrame>
+        <p:nvGraphicFramePr>
+          <p:cNvPr id="7" name="Table 7">
+            <a:extLst>
+              <a:ext uri="{FF2B5EF4-FFF2-40B4-BE49-F238E27FC236}">
+                <a16:creationId xmlns:a16="http://schemas.microsoft.com/office/drawing/2014/main" id="{C4139505-D9E1-A522-0467-17693EC9F36F}"/>
+              </a:ext>
+            </a:extLst>
+          </p:cNvPr>
+          <p:cNvGraphicFramePr>
+            <a:graphicFrameLocks noGrp="1"/>
+          </p:cNvGraphicFramePr>
+          <p:nvPr>
+            <p:extLst>
+              <p:ext uri="{D42A27DB-BD31-4B8C-83A1-F6EECF244321}">
+                <p14:modId xmlns:p14="http://schemas.microsoft.com/office/powerpoint/2010/main" val="446130337"/>
+              </p:ext>
+            </p:extLst>
+          </p:nvPr>
+        </p:nvGraphicFramePr>
+        <p:xfrm>
+          <a:off x="1715677" y="1981667"/>
+          <a:ext cx="8521832" cy="370840"/>
+        </p:xfrm>
+        <a:graphic>
+          <a:graphicData uri="http://schemas.openxmlformats.org/drawingml/2006/table">
+            <a:tbl>
+              <a:tblPr firstRow="1" bandRow="1">
+                <a:tableStyleId>{5940675A-B579-460E-94D1-54222C63F5DA}</a:tableStyleId>
+              </a:tblPr>
+              <a:tblGrid>
+                <a:gridCol w="2130458">
+                  <a:extLst>
+                    <a:ext uri="{9D8B030D-6E8A-4147-A177-3AD203B41FA5}">
+                      <a16:colId xmlns:a16="http://schemas.microsoft.com/office/drawing/2014/main" val="2454077520"/>
+                    </a:ext>
+                  </a:extLst>
+                </a:gridCol>
+                <a:gridCol w="2130458">
+                  <a:extLst>
+                    <a:ext uri="{9D8B030D-6E8A-4147-A177-3AD203B41FA5}">
+                      <a16:colId xmlns:a16="http://schemas.microsoft.com/office/drawing/2014/main" val="2577350252"/>
+                    </a:ext>
+                  </a:extLst>
+                </a:gridCol>
+                <a:gridCol w="2130458">
+                  <a:extLst>
+                    <a:ext uri="{9D8B030D-6E8A-4147-A177-3AD203B41FA5}">
+                      <a16:colId xmlns:a16="http://schemas.microsoft.com/office/drawing/2014/main" val="2511870112"/>
+                    </a:ext>
+                  </a:extLst>
+                </a:gridCol>
+                <a:gridCol w="2130458">
+                  <a:extLst>
+                    <a:ext uri="{9D8B030D-6E8A-4147-A177-3AD203B41FA5}">
+                      <a16:colId xmlns:a16="http://schemas.microsoft.com/office/drawing/2014/main" val="1440716101"/>
+                    </a:ext>
+                  </a:extLst>
+                </a:gridCol>
+              </a:tblGrid>
+              <a:tr h="370840">
+                <a:tc>
+                  <a:txBody>
+                    <a:bodyPr/>
+                    <a:lstStyle/>
+                    <a:p>
+                      <a:pPr marL="0" marR="0" lvl="0" indent="0" algn="l" defTabSz="914400" rtl="0" eaLnBrk="1" fontAlgn="auto" latinLnBrk="0" hangingPunct="1">
+                        <a:lnSpc>
+                          <a:spcPct val="100000"/>
+                        </a:lnSpc>
+                        <a:spcBef>
+                          <a:spcPts val="0"/>
+                        </a:spcBef>
+                        <a:spcAft>
+                          <a:spcPts val="0"/>
+                        </a:spcAft>
+                        <a:buClrTx/>
+                        <a:buSzTx/>
+                        <a:buFontTx/>
+                        <a:buNone/>
+                        <a:tabLst/>
+                        <a:defRPr/>
+                      </a:pPr>
+                      <a:r>
+                        <a:rPr lang="en-IN" dirty="0"/>
+                        <a:t>OPCODE[15:12]</a:t>
+                      </a:r>
+                    </a:p>
+                  </a:txBody>
+                  <a:tcPr/>
+                </a:tc>
+                <a:tc>
+                  <a:txBody>
+                    <a:bodyPr/>
+                    <a:lstStyle/>
+                    <a:p>
+                      <a:pPr marL="0" marR="0" lvl="0" indent="0" algn="l" defTabSz="914400" rtl="0" eaLnBrk="1" fontAlgn="auto" latinLnBrk="0" hangingPunct="1">
+                        <a:lnSpc>
+                          <a:spcPct val="100000"/>
+                        </a:lnSpc>
+                        <a:spcBef>
+                          <a:spcPts val="0"/>
+                        </a:spcBef>
+                        <a:spcAft>
+                          <a:spcPts val="0"/>
+                        </a:spcAft>
+                        <a:buClrTx/>
+                        <a:buSzTx/>
+                        <a:buFontTx/>
+                        <a:buNone/>
+                        <a:tabLst/>
+                        <a:defRPr/>
+                      </a:pPr>
+                      <a:r>
+                        <a:rPr lang="en-IN" dirty="0"/>
+                        <a:t>SRC_REG-1[11:9]</a:t>
+                      </a:r>
+                    </a:p>
+                  </a:txBody>
+                  <a:tcPr/>
+                </a:tc>
+                <a:tc>
+                  <a:txBody>
+                    <a:bodyPr/>
+                    <a:lstStyle/>
+                    <a:p>
+                      <a:pPr marL="0" marR="0" lvl="0" indent="0" algn="l" defTabSz="914400" rtl="0" eaLnBrk="1" fontAlgn="auto" latinLnBrk="0" hangingPunct="1">
+                        <a:lnSpc>
+                          <a:spcPct val="100000"/>
+                        </a:lnSpc>
+                        <a:spcBef>
+                          <a:spcPts val="0"/>
+                        </a:spcBef>
+                        <a:spcAft>
+                          <a:spcPts val="0"/>
+                        </a:spcAft>
+                        <a:buClrTx/>
+                        <a:buSzTx/>
+                        <a:buFontTx/>
+                        <a:buNone/>
+                        <a:tabLst/>
+                        <a:defRPr/>
+                      </a:pPr>
+                      <a:r>
+                        <a:rPr lang="en-IN" dirty="0"/>
+                        <a:t>SRC_REG-2[8:6]</a:t>
+                      </a:r>
+                    </a:p>
+                  </a:txBody>
+                  <a:tcPr/>
+                </a:tc>
+                <a:tc>
+                  <a:txBody>
+                    <a:bodyPr/>
+                    <a:lstStyle/>
+                    <a:p>
+                      <a:pPr marL="0" marR="0" lvl="0" indent="0" algn="l" defTabSz="914400" rtl="0" eaLnBrk="1" fontAlgn="auto" latinLnBrk="0" hangingPunct="1">
+                        <a:lnSpc>
+                          <a:spcPct val="100000"/>
+                        </a:lnSpc>
+                        <a:spcBef>
+                          <a:spcPts val="0"/>
+                        </a:spcBef>
+                        <a:spcAft>
+                          <a:spcPts val="0"/>
+                        </a:spcAft>
+                        <a:buClrTx/>
+                        <a:buSzTx/>
+                        <a:buFontTx/>
+                        <a:buNone/>
+                        <a:tabLst/>
+                        <a:defRPr/>
+                      </a:pPr>
+                      <a:r>
+                        <a:rPr lang="en-IN" dirty="0"/>
+                        <a:t>OFFSET[5:0]</a:t>
+                      </a:r>
+                    </a:p>
+                  </a:txBody>
+                  <a:tcPr/>
+                </a:tc>
+                <a:extLst>
+                  <a:ext uri="{0D108BD9-81ED-4DB2-BD59-A6C34878D82A}">
+                    <a16:rowId xmlns:a16="http://schemas.microsoft.com/office/drawing/2014/main" val="2443503526"/>
+                  </a:ext>
+                </a:extLst>
+              </a:tr>
+            </a:tbl>
+          </a:graphicData>
+        </a:graphic>
+      </p:graphicFrame>
+      <p:graphicFrame>
+        <p:nvGraphicFramePr>
+          <p:cNvPr id="8" name="Table 8">
+            <a:extLst>
+              <a:ext uri="{FF2B5EF4-FFF2-40B4-BE49-F238E27FC236}">
+                <a16:creationId xmlns:a16="http://schemas.microsoft.com/office/drawing/2014/main" id="{F0B6B274-9C9F-EC82-7303-4D483D07C9A5}"/>
+              </a:ext>
+            </a:extLst>
+          </p:cNvPr>
+          <p:cNvGraphicFramePr>
+            <a:graphicFrameLocks noGrp="1"/>
+          </p:cNvGraphicFramePr>
+          <p:nvPr>
+            <p:extLst>
+              <p:ext uri="{D42A27DB-BD31-4B8C-83A1-F6EECF244321}">
+                <p14:modId xmlns:p14="http://schemas.microsoft.com/office/powerpoint/2010/main" val="1700816604"/>
+              </p:ext>
+            </p:extLst>
+          </p:nvPr>
+        </p:nvGraphicFramePr>
+        <p:xfrm>
+          <a:off x="2903455" y="2921263"/>
+          <a:ext cx="9147145" cy="425250"/>
+        </p:xfrm>
+        <a:graphic>
+          <a:graphicData uri="http://schemas.openxmlformats.org/drawingml/2006/table">
+            <a:tbl>
+              <a:tblPr firstRow="1" bandRow="1">
+                <a:tableStyleId>{5940675A-B579-460E-94D1-54222C63F5DA}</a:tableStyleId>
+              </a:tblPr>
+              <a:tblGrid>
+                <a:gridCol w="1829429">
+                  <a:extLst>
+                    <a:ext uri="{9D8B030D-6E8A-4147-A177-3AD203B41FA5}">
+                      <a16:colId xmlns:a16="http://schemas.microsoft.com/office/drawing/2014/main" val="2909561111"/>
+                    </a:ext>
+                  </a:extLst>
+                </a:gridCol>
+                <a:gridCol w="1829429">
+                  <a:extLst>
+                    <a:ext uri="{9D8B030D-6E8A-4147-A177-3AD203B41FA5}">
+                      <a16:colId xmlns:a16="http://schemas.microsoft.com/office/drawing/2014/main" val="213174073"/>
+                    </a:ext>
+                  </a:extLst>
+                </a:gridCol>
+                <a:gridCol w="1829429">
+                  <a:extLst>
+                    <a:ext uri="{9D8B030D-6E8A-4147-A177-3AD203B41FA5}">
+                      <a16:colId xmlns:a16="http://schemas.microsoft.com/office/drawing/2014/main" val="1043498916"/>
+                    </a:ext>
+                  </a:extLst>
+                </a:gridCol>
+                <a:gridCol w="1829429">
+                  <a:extLst>
+                    <a:ext uri="{9D8B030D-6E8A-4147-A177-3AD203B41FA5}">
+                      <a16:colId xmlns:a16="http://schemas.microsoft.com/office/drawing/2014/main" val="3463507571"/>
+                    </a:ext>
+                  </a:extLst>
+                </a:gridCol>
+                <a:gridCol w="1829429">
+                  <a:extLst>
+                    <a:ext uri="{9D8B030D-6E8A-4147-A177-3AD203B41FA5}">
+                      <a16:colId xmlns:a16="http://schemas.microsoft.com/office/drawing/2014/main" val="194065915"/>
+                    </a:ext>
+                  </a:extLst>
+                </a:gridCol>
+              </a:tblGrid>
+              <a:tr h="425250">
+                <a:tc>
+                  <a:txBody>
+                    <a:bodyPr/>
+                    <a:lstStyle/>
+                    <a:p>
+                      <a:pPr marL="0" marR="0" lvl="0" indent="0" algn="l" defTabSz="914400" rtl="0" eaLnBrk="1" fontAlgn="auto" latinLnBrk="0" hangingPunct="1">
+                        <a:lnSpc>
+                          <a:spcPct val="100000"/>
+                        </a:lnSpc>
+                        <a:spcBef>
+                          <a:spcPts val="0"/>
+                        </a:spcBef>
+                        <a:spcAft>
+                          <a:spcPts val="0"/>
+                        </a:spcAft>
+                        <a:buClrTx/>
+                        <a:buSzTx/>
+                        <a:buFontTx/>
+                        <a:buNone/>
+                        <a:tabLst/>
+                        <a:defRPr/>
+                      </a:pPr>
+                      <a:r>
+                        <a:rPr lang="en-IN" dirty="0"/>
+                        <a:t>OPCODE[15:12]</a:t>
+                      </a:r>
+                    </a:p>
+                  </a:txBody>
+                  <a:tcPr/>
+                </a:tc>
+                <a:tc>
+                  <a:txBody>
+                    <a:bodyPr/>
+                    <a:lstStyle/>
+                    <a:p>
+                      <a:pPr marL="0" marR="0" lvl="0" indent="0" algn="l" defTabSz="914400" rtl="0" eaLnBrk="1" fontAlgn="auto" latinLnBrk="0" hangingPunct="1">
+                        <a:lnSpc>
+                          <a:spcPct val="100000"/>
+                        </a:lnSpc>
+                        <a:spcBef>
+                          <a:spcPts val="0"/>
+                        </a:spcBef>
+                        <a:spcAft>
+                          <a:spcPts val="0"/>
+                        </a:spcAft>
+                        <a:buClrTx/>
+                        <a:buSzTx/>
+                        <a:buFontTx/>
+                        <a:buNone/>
+                        <a:tabLst/>
+                        <a:defRPr/>
+                      </a:pPr>
+                      <a:r>
+                        <a:rPr lang="en-IN" dirty="0"/>
+                        <a:t>SRC_REG-1[11:9]</a:t>
+                      </a:r>
+                    </a:p>
+                  </a:txBody>
+                  <a:tcPr/>
+                </a:tc>
+                <a:tc>
+                  <a:txBody>
+                    <a:bodyPr/>
+                    <a:lstStyle/>
+                    <a:p>
+                      <a:pPr marL="0" marR="0" lvl="0" indent="0" algn="l" defTabSz="914400" rtl="0" eaLnBrk="1" fontAlgn="auto" latinLnBrk="0" hangingPunct="1">
+                        <a:lnSpc>
+                          <a:spcPct val="100000"/>
+                        </a:lnSpc>
+                        <a:spcBef>
+                          <a:spcPts val="0"/>
+                        </a:spcBef>
+                        <a:spcAft>
+                          <a:spcPts val="0"/>
+                        </a:spcAft>
+                        <a:buClrTx/>
+                        <a:buSzTx/>
+                        <a:buFontTx/>
+                        <a:buNone/>
+                        <a:tabLst/>
+                        <a:defRPr/>
+                      </a:pPr>
+                      <a:r>
+                        <a:rPr lang="en-IN" dirty="0"/>
+                        <a:t>SRC_REG-2[8:6]</a:t>
+                      </a:r>
+                    </a:p>
+                  </a:txBody>
+                  <a:tcPr/>
+                </a:tc>
+                <a:tc>
+                  <a:txBody>
+                    <a:bodyPr/>
+                    <a:lstStyle/>
+                    <a:p>
+                      <a:pPr marL="0" marR="0" lvl="0" indent="0" algn="l" defTabSz="914400" rtl="0" eaLnBrk="1" fontAlgn="auto" latinLnBrk="0" hangingPunct="1">
+                        <a:lnSpc>
+                          <a:spcPct val="100000"/>
+                        </a:lnSpc>
+                        <a:spcBef>
+                          <a:spcPts val="0"/>
+                        </a:spcBef>
+                        <a:spcAft>
+                          <a:spcPts val="0"/>
+                        </a:spcAft>
+                        <a:buClrTx/>
+                        <a:buSzTx/>
+                        <a:buFontTx/>
+                        <a:buNone/>
+                        <a:tabLst/>
+                        <a:defRPr/>
+                      </a:pPr>
+                      <a:r>
+                        <a:rPr lang="en-IN" dirty="0"/>
+                        <a:t>DEST_REG[5:3]</a:t>
+                      </a:r>
+                    </a:p>
+                  </a:txBody>
+                  <a:tcPr/>
+                </a:tc>
+                <a:tc>
+                  <a:txBody>
+                    <a:bodyPr/>
+                    <a:lstStyle/>
+                    <a:p>
+                      <a:pPr marL="0" marR="0" lvl="0" indent="0" algn="l" defTabSz="914400" rtl="0" eaLnBrk="1" fontAlgn="auto" latinLnBrk="0" hangingPunct="1">
+                        <a:lnSpc>
+                          <a:spcPct val="100000"/>
+                        </a:lnSpc>
+                        <a:spcBef>
+                          <a:spcPts val="0"/>
+                        </a:spcBef>
+                        <a:spcAft>
+                          <a:spcPts val="0"/>
+                        </a:spcAft>
+                        <a:buClrTx/>
+                        <a:buSzTx/>
+                        <a:buFontTx/>
+                        <a:buNone/>
+                        <a:tabLst/>
+                        <a:defRPr/>
+                      </a:pPr>
+                      <a:r>
+                        <a:rPr lang="en-IN" dirty="0"/>
+                        <a:t>OFFSET[2:0]</a:t>
+                      </a:r>
+                    </a:p>
+                  </a:txBody>
+                  <a:tcPr/>
+                </a:tc>
+                <a:extLst>
+                  <a:ext uri="{0D108BD9-81ED-4DB2-BD59-A6C34878D82A}">
+                    <a16:rowId xmlns:a16="http://schemas.microsoft.com/office/drawing/2014/main" val="3278986094"/>
+                  </a:ext>
+                </a:extLst>
+              </a:tr>
+            </a:tbl>
+          </a:graphicData>
+        </a:graphic>
+      </p:graphicFrame>
+      <p:graphicFrame>
+        <p:nvGraphicFramePr>
+          <p:cNvPr id="9" name="Table 9">
+            <a:extLst>
+              <a:ext uri="{FF2B5EF4-FFF2-40B4-BE49-F238E27FC236}">
+                <a16:creationId xmlns:a16="http://schemas.microsoft.com/office/drawing/2014/main" id="{8D93D546-BAAB-2ADB-DFC4-B1C5979BED58}"/>
+              </a:ext>
+            </a:extLst>
+          </p:cNvPr>
+          <p:cNvGraphicFramePr>
+            <a:graphicFrameLocks noGrp="1"/>
+          </p:cNvGraphicFramePr>
+          <p:nvPr>
+            <p:extLst>
+              <p:ext uri="{D42A27DB-BD31-4B8C-83A1-F6EECF244321}">
+                <p14:modId xmlns:p14="http://schemas.microsoft.com/office/powerpoint/2010/main" val="717104011"/>
+              </p:ext>
+            </p:extLst>
+          </p:nvPr>
+        </p:nvGraphicFramePr>
+        <p:xfrm>
+          <a:off x="1918879" y="3798517"/>
+          <a:ext cx="8318632" cy="370840"/>
+        </p:xfrm>
+        <a:graphic>
+          <a:graphicData uri="http://schemas.openxmlformats.org/drawingml/2006/table">
+            <a:tbl>
+              <a:tblPr firstRow="1" bandRow="1">
+                <a:tableStyleId>{5940675A-B579-460E-94D1-54222C63F5DA}</a:tableStyleId>
+              </a:tblPr>
+              <a:tblGrid>
+                <a:gridCol w="2079658">
+                  <a:extLst>
+                    <a:ext uri="{9D8B030D-6E8A-4147-A177-3AD203B41FA5}">
+                      <a16:colId xmlns:a16="http://schemas.microsoft.com/office/drawing/2014/main" val="953890012"/>
+                    </a:ext>
+                  </a:extLst>
+                </a:gridCol>
+                <a:gridCol w="2079658">
+                  <a:extLst>
+                    <a:ext uri="{9D8B030D-6E8A-4147-A177-3AD203B41FA5}">
+                      <a16:colId xmlns:a16="http://schemas.microsoft.com/office/drawing/2014/main" val="959796725"/>
+                    </a:ext>
+                  </a:extLst>
+                </a:gridCol>
+                <a:gridCol w="2079658">
+                  <a:extLst>
+                    <a:ext uri="{9D8B030D-6E8A-4147-A177-3AD203B41FA5}">
+                      <a16:colId xmlns:a16="http://schemas.microsoft.com/office/drawing/2014/main" val="105935586"/>
+                    </a:ext>
+                  </a:extLst>
+                </a:gridCol>
+                <a:gridCol w="2079658">
+                  <a:extLst>
+                    <a:ext uri="{9D8B030D-6E8A-4147-A177-3AD203B41FA5}">
+                      <a16:colId xmlns:a16="http://schemas.microsoft.com/office/drawing/2014/main" val="73962938"/>
+                    </a:ext>
+                  </a:extLst>
+                </a:gridCol>
+              </a:tblGrid>
+              <a:tr h="370840">
+                <a:tc>
+                  <a:txBody>
+                    <a:bodyPr/>
+                    <a:lstStyle/>
+                    <a:p>
+                      <a:pPr marL="0" marR="0" lvl="0" indent="0" algn="l" defTabSz="914400" rtl="0" eaLnBrk="1" fontAlgn="auto" latinLnBrk="0" hangingPunct="1">
+                        <a:lnSpc>
+                          <a:spcPct val="100000"/>
+                        </a:lnSpc>
+                        <a:spcBef>
+                          <a:spcPts val="0"/>
+                        </a:spcBef>
+                        <a:spcAft>
+                          <a:spcPts val="0"/>
+                        </a:spcAft>
+                        <a:buClrTx/>
+                        <a:buSzTx/>
+                        <a:buFontTx/>
+                        <a:buNone/>
+                        <a:tabLst/>
+                        <a:defRPr/>
+                      </a:pPr>
+                      <a:r>
+                        <a:rPr lang="en-IN" dirty="0"/>
+                        <a:t>OPCODE[15:12]</a:t>
+                      </a:r>
+                    </a:p>
+                  </a:txBody>
+                  <a:tcPr/>
+                </a:tc>
+                <a:tc>
+                  <a:txBody>
+                    <a:bodyPr/>
+                    <a:lstStyle/>
+                    <a:p>
+                      <a:pPr marL="0" marR="0" lvl="0" indent="0" algn="l" defTabSz="914400" rtl="0" eaLnBrk="1" fontAlgn="auto" latinLnBrk="0" hangingPunct="1">
+                        <a:lnSpc>
+                          <a:spcPct val="100000"/>
+                        </a:lnSpc>
+                        <a:spcBef>
+                          <a:spcPts val="0"/>
+                        </a:spcBef>
+                        <a:spcAft>
+                          <a:spcPts val="0"/>
+                        </a:spcAft>
+                        <a:buClrTx/>
+                        <a:buSzTx/>
+                        <a:buFontTx/>
+                        <a:buNone/>
+                        <a:tabLst/>
+                        <a:defRPr/>
+                      </a:pPr>
+                      <a:r>
+                        <a:rPr lang="en-IN" dirty="0"/>
+                        <a:t>SRC_REG-1[11:9]</a:t>
+                      </a:r>
+                    </a:p>
+                  </a:txBody>
+                  <a:tcPr/>
+                </a:tc>
+                <a:tc>
+                  <a:txBody>
+                    <a:bodyPr/>
+                    <a:lstStyle/>
+                    <a:p>
+                      <a:pPr marL="0" marR="0" lvl="0" indent="0" algn="l" defTabSz="914400" rtl="0" eaLnBrk="1" fontAlgn="auto" latinLnBrk="0" hangingPunct="1">
+                        <a:lnSpc>
+                          <a:spcPct val="100000"/>
+                        </a:lnSpc>
+                        <a:spcBef>
+                          <a:spcPts val="0"/>
+                        </a:spcBef>
+                        <a:spcAft>
+                          <a:spcPts val="0"/>
+                        </a:spcAft>
+                        <a:buClrTx/>
+                        <a:buSzTx/>
+                        <a:buFontTx/>
+                        <a:buNone/>
+                        <a:tabLst/>
+                        <a:defRPr/>
+                      </a:pPr>
+                      <a:r>
+                        <a:rPr lang="en-IN" dirty="0"/>
+                        <a:t>SRC_REG-2[8:6]</a:t>
+                      </a:r>
+                    </a:p>
+                  </a:txBody>
+                  <a:tcPr/>
+                </a:tc>
+                <a:tc>
+                  <a:txBody>
+                    <a:bodyPr/>
+                    <a:lstStyle/>
+                    <a:p>
+                      <a:pPr marL="0" marR="0" lvl="0" indent="0" algn="l" defTabSz="914400" rtl="0" eaLnBrk="1" fontAlgn="auto" latinLnBrk="0" hangingPunct="1">
+                        <a:lnSpc>
+                          <a:spcPct val="100000"/>
+                        </a:lnSpc>
+                        <a:spcBef>
+                          <a:spcPts val="0"/>
+                        </a:spcBef>
+                        <a:spcAft>
+                          <a:spcPts val="0"/>
+                        </a:spcAft>
+                        <a:buClrTx/>
+                        <a:buSzTx/>
+                        <a:buFontTx/>
+                        <a:buNone/>
+                        <a:tabLst/>
+                        <a:defRPr/>
+                      </a:pPr>
+                      <a:r>
+                        <a:rPr lang="en-IN" dirty="0"/>
+                        <a:t>OFFSET[5:0]</a:t>
+                      </a:r>
+                    </a:p>
+                  </a:txBody>
+                  <a:tcPr/>
+                </a:tc>
+                <a:extLst>
+                  <a:ext uri="{0D108BD9-81ED-4DB2-BD59-A6C34878D82A}">
+                    <a16:rowId xmlns:a16="http://schemas.microsoft.com/office/drawing/2014/main" val="120152180"/>
+                  </a:ext>
+                </a:extLst>
+              </a:tr>
+            </a:tbl>
+          </a:graphicData>
+        </a:graphic>
+      </p:graphicFrame>
+      <p:graphicFrame>
+        <p:nvGraphicFramePr>
+          <p:cNvPr id="10" name="Table 10">
+            <a:extLst>
+              <a:ext uri="{FF2B5EF4-FFF2-40B4-BE49-F238E27FC236}">
+                <a16:creationId xmlns:a16="http://schemas.microsoft.com/office/drawing/2014/main" id="{FF282C02-3847-C4F9-5432-823F58A6F06B}"/>
+              </a:ext>
+            </a:extLst>
+          </p:cNvPr>
+          <p:cNvGraphicFramePr>
+            <a:graphicFrameLocks noGrp="1"/>
+          </p:cNvGraphicFramePr>
+          <p:nvPr>
+            <p:extLst>
+              <p:ext uri="{D42A27DB-BD31-4B8C-83A1-F6EECF244321}">
+                <p14:modId xmlns:p14="http://schemas.microsoft.com/office/powerpoint/2010/main" val="3525949891"/>
+              </p:ext>
+            </p:extLst>
+          </p:nvPr>
+        </p:nvGraphicFramePr>
+        <p:xfrm>
+          <a:off x="1353269" y="4815753"/>
+          <a:ext cx="6395564" cy="370840"/>
+        </p:xfrm>
+        <a:graphic>
+          <a:graphicData uri="http://schemas.openxmlformats.org/drawingml/2006/table">
+            <a:tbl>
+              <a:tblPr firstRow="1" bandRow="1">
+                <a:tableStyleId>{5940675A-B579-460E-94D1-54222C63F5DA}</a:tableStyleId>
+              </a:tblPr>
+              <a:tblGrid>
+                <a:gridCol w="2172356">
+                  <a:extLst>
+                    <a:ext uri="{9D8B030D-6E8A-4147-A177-3AD203B41FA5}">
+                      <a16:colId xmlns:a16="http://schemas.microsoft.com/office/drawing/2014/main" val="2423761433"/>
+                    </a:ext>
+                  </a:extLst>
+                </a:gridCol>
+                <a:gridCol w="4223208">
+                  <a:extLst>
+                    <a:ext uri="{9D8B030D-6E8A-4147-A177-3AD203B41FA5}">
+                      <a16:colId xmlns:a16="http://schemas.microsoft.com/office/drawing/2014/main" val="2509618042"/>
+                    </a:ext>
+                  </a:extLst>
+                </a:gridCol>
+              </a:tblGrid>
+              <a:tr h="370840">
+                <a:tc>
+                  <a:txBody>
+                    <a:bodyPr/>
+                    <a:lstStyle/>
+                    <a:p>
+                      <a:r>
+                        <a:rPr lang="en-IN" dirty="0"/>
+                        <a:t>OPCODE[15:12]</a:t>
+                      </a:r>
+                    </a:p>
+                  </a:txBody>
+                  <a:tcPr/>
+                </a:tc>
+                <a:tc>
+                  <a:txBody>
+                    <a:bodyPr/>
+                    <a:lstStyle/>
+                    <a:p>
+                      <a:r>
+                        <a:rPr lang="en-IN" dirty="0"/>
+                        <a:t>OFFSET[11:0]</a:t>
+                      </a:r>
+                    </a:p>
+                  </a:txBody>
+                  <a:tcPr/>
+                </a:tc>
+                <a:extLst>
+                  <a:ext uri="{0D108BD9-81ED-4DB2-BD59-A6C34878D82A}">
+                    <a16:rowId xmlns:a16="http://schemas.microsoft.com/office/drawing/2014/main" val="1943593351"/>
+                  </a:ext>
+                </a:extLst>
+              </a:tr>
+            </a:tbl>
+          </a:graphicData>
+        </a:graphic>
+      </p:graphicFrame>
     </p:spTree>
     <p:extLst>
       <p:ext uri="{BB962C8B-B14F-4D97-AF65-F5344CB8AC3E}">
-        <p14:creationId xmlns:p14="http://schemas.microsoft.com/office/powerpoint/2010/main" val="824497670"/>
+        <p14:creationId xmlns:p14="http://schemas.microsoft.com/office/powerpoint/2010/main" val="1657825189"/>
       </p:ext>
     </p:extLst>
   </p:cSld>
@@ -7287,7 +8854,7 @@
           <a:p>
             <a:r>
               <a:rPr lang="en-US" u="sng" dirty="0"/>
-              <a:t> Instruction format of RISC Processor:</a:t>
+              <a:t> Instruction set of RISC Processor:</a:t>
             </a:r>
           </a:p>
         </p:txBody>
@@ -7310,110 +8877,297 @@
         </p:nvSpPr>
         <p:spPr/>
         <p:txBody>
-          <a:bodyPr/>
-          <a:lstStyle/>
-          <a:p>
-            <a:r>
-              <a:rPr lang="en-US" dirty="0"/>
-              <a:t>Load – opcode= 4 bits, </a:t>
-            </a:r>
-            <a:r>
-              <a:rPr lang="en-US" dirty="0" err="1"/>
-              <a:t>src_reg</a:t>
-            </a:r>
-            <a:r>
-              <a:rPr lang="en-US" dirty="0"/>
-              <a:t> = 3 bits, </a:t>
-            </a:r>
-            <a:r>
-              <a:rPr lang="en-US" dirty="0" err="1"/>
+          <a:bodyPr>
+            <a:normAutofit fontScale="25000" lnSpcReduction="20000"/>
+          </a:bodyPr>
+          <a:lstStyle/>
+          <a:p>
+            <a:pPr marL="0" indent="0" algn="l">
+              <a:buNone/>
+            </a:pPr>
+            <a:endParaRPr lang="en-US" b="1" i="0" dirty="0">
+              <a:solidFill>
+                <a:srgbClr val="000000"/>
+              </a:solidFill>
+              <a:effectLst/>
+              <a:latin typeface="Arial" panose="020B0604020202020204" pitchFamily="34" charset="0"/>
+            </a:endParaRPr>
+          </a:p>
+          <a:p>
+            <a:pPr marL="0" indent="0" algn="l">
+              <a:buNone/>
+            </a:pPr>
+            <a:r>
+              <a:rPr lang="en-US" sz="8000" b="1" i="0" dirty="0">
+                <a:solidFill>
+                  <a:srgbClr val="000000"/>
+                </a:solidFill>
+                <a:effectLst/>
+              </a:rPr>
+              <a:t>A. Memory Access Instructions</a:t>
+            </a:r>
+          </a:p>
+          <a:p>
+            <a:pPr marL="0" indent="0" algn="l">
+              <a:buNone/>
+            </a:pPr>
+            <a:br>
+              <a:rPr lang="en-US" sz="8000" dirty="0"/>
+            </a:br>
+            <a:r>
+              <a:rPr lang="en-US" sz="8000" b="0" i="0" dirty="0">
+                <a:solidFill>
+                  <a:srgbClr val="000000"/>
+                </a:solidFill>
+                <a:effectLst/>
+              </a:rPr>
+              <a:t>1. Load Word: (Opcode – 0000)            LD </a:t>
+            </a:r>
+            <a:r>
+              <a:rPr lang="en-US" sz="8000" dirty="0" err="1">
+                <a:solidFill>
+                  <a:srgbClr val="000000"/>
+                </a:solidFill>
+              </a:rPr>
               <a:t>dest_reg</a:t>
             </a:r>
             <a:r>
-              <a:rPr lang="en-US" dirty="0"/>
-              <a:t>=3 bits, offset= 6 bits</a:t>
-            </a:r>
-          </a:p>
-          <a:p>
-            <a:r>
-              <a:rPr lang="en-US" dirty="0"/>
-              <a:t>Store – opcode= 4 bits, </a:t>
-            </a:r>
-            <a:r>
-              <a:rPr lang="en-US" dirty="0" err="1"/>
-              <a:t>src_reg</a:t>
-            </a:r>
-            <a:r>
-              <a:rPr lang="en-US" dirty="0"/>
-              <a:t> = 3 bits, </a:t>
-            </a:r>
-            <a:r>
-              <a:rPr lang="en-US" dirty="0" err="1"/>
+              <a:rPr lang="en-US" sz="8000" b="0" i="0" dirty="0">
+                <a:solidFill>
+                  <a:srgbClr val="000000"/>
+                </a:solidFill>
+                <a:effectLst/>
+              </a:rPr>
+              <a:t>,  </a:t>
+            </a:r>
+            <a:r>
+              <a:rPr lang="en-US" sz="8000" b="0" i="0" dirty="0" err="1">
+                <a:solidFill>
+                  <a:srgbClr val="000000"/>
+                </a:solidFill>
+                <a:effectLst/>
+              </a:rPr>
               <a:t>dest_reg</a:t>
             </a:r>
             <a:r>
-              <a:rPr lang="en-US" dirty="0"/>
-              <a:t>=3 bits, offset= 6 bits</a:t>
-            </a:r>
-          </a:p>
-          <a:p>
-            <a:r>
-              <a:rPr lang="en-US" dirty="0"/>
-              <a:t>ALU - opcode= 4 bits, src_reg1 = 3 bits, src_reg2 = 3 bits, </a:t>
-            </a:r>
-            <a:r>
-              <a:rPr lang="en-US" dirty="0" err="1"/>
-              <a:t>dest_reg</a:t>
-            </a:r>
-            <a:r>
-              <a:rPr lang="en-US" dirty="0"/>
-              <a:t>=3 bits, offset= 3 bits</a:t>
-            </a:r>
-          </a:p>
-          <a:p>
-            <a:r>
-              <a:rPr lang="en-US" dirty="0"/>
-              <a:t>Jump – opcode = 4 bits, offset = 12 bits</a:t>
-            </a:r>
-          </a:p>
-          <a:p>
-            <a:r>
-              <a:rPr lang="en-US" dirty="0"/>
-              <a:t>Branch – opcode= 4 bits, </a:t>
-            </a:r>
-            <a:r>
-              <a:rPr lang="en-US" dirty="0" err="1"/>
-              <a:t>src_reg</a:t>
-            </a:r>
-            <a:r>
-              <a:rPr lang="en-US" dirty="0"/>
-              <a:t> = 3 bits, </a:t>
-            </a:r>
-            <a:r>
-              <a:rPr lang="en-US" dirty="0" err="1"/>
-              <a:t>dest_reg</a:t>
-            </a:r>
-            <a:r>
-              <a:rPr lang="en-US" dirty="0"/>
-              <a:t>=3 bits, offset= 6 bits</a:t>
-            </a:r>
-          </a:p>
-          <a:p>
-            <a:pPr lvl="1"/>
-            <a:r>
-              <a:rPr lang="en-US" dirty="0"/>
-              <a:t>Branch to (PC + 1 +offset(&lt;&lt;1) when src_Reg1=src_reg2 on BEQ</a:t>
-            </a:r>
-          </a:p>
-          <a:p>
-            <a:pPr lvl="1"/>
-            <a:r>
-              <a:rPr lang="en-US" dirty="0"/>
-              <a:t>Branch to (PC + 1 +offset(&lt;&lt;1) when src_Reg1!=src_reg2 on BNE</a:t>
-            </a:r>
-          </a:p>
-          <a:p>
-            <a:pPr lvl="1"/>
+              <a:rPr lang="en-US" sz="8000" b="0" i="0" dirty="0">
+                <a:solidFill>
+                  <a:srgbClr val="000000"/>
+                </a:solidFill>
+                <a:effectLst/>
+              </a:rPr>
+              <a:t>:=Mem16[src_1 + offset]</a:t>
+            </a:r>
+            <a:br>
+              <a:rPr lang="en-US" sz="8000" b="0" i="0" dirty="0">
+                <a:solidFill>
+                  <a:srgbClr val="000000"/>
+                </a:solidFill>
+                <a:effectLst/>
+              </a:rPr>
+            </a:br>
+            <a:r>
+              <a:rPr lang="en-US" sz="8000" b="0" i="0" dirty="0">
+                <a:solidFill>
+                  <a:srgbClr val="000000"/>
+                </a:solidFill>
+                <a:effectLst/>
+              </a:rPr>
+              <a:t>2. Store Word: (Opcode – 0001)            ST src_2,  Mem16[src_1 + offset]=src_2</a:t>
+            </a:r>
+            <a:br>
+              <a:rPr lang="en-US" sz="8000" b="1" i="0" dirty="0">
+                <a:solidFill>
+                  <a:srgbClr val="000000"/>
+                </a:solidFill>
+                <a:effectLst/>
+              </a:rPr>
+            </a:br>
+            <a:br>
+              <a:rPr lang="en-US" sz="8000" b="0" i="0" dirty="0">
+                <a:solidFill>
+                  <a:srgbClr val="000000"/>
+                </a:solidFill>
+                <a:effectLst/>
+              </a:rPr>
+            </a:br>
+            <a:br>
+              <a:rPr lang="en-US" sz="8000" b="0" i="0" dirty="0">
+                <a:solidFill>
+                  <a:srgbClr val="000000"/>
+                </a:solidFill>
+                <a:effectLst/>
+              </a:rPr>
+            </a:br>
+            <a:r>
+              <a:rPr lang="en-US" sz="8000" b="1" dirty="0">
+                <a:solidFill>
+                  <a:srgbClr val="000000"/>
+                </a:solidFill>
+              </a:rPr>
+              <a:t>B</a:t>
+            </a:r>
+            <a:r>
+              <a:rPr lang="en-US" sz="8000" b="1" i="0" dirty="0">
+                <a:solidFill>
+                  <a:srgbClr val="000000"/>
+                </a:solidFill>
+                <a:effectLst/>
+              </a:rPr>
+              <a:t>. Control Flow Instructions</a:t>
+            </a:r>
+          </a:p>
+          <a:p>
+            <a:pPr marL="0" indent="0" algn="l">
+              <a:buNone/>
+            </a:pPr>
+            <a:br>
+              <a:rPr lang="en-US" sz="8000" b="0" i="0" dirty="0">
+                <a:solidFill>
+                  <a:srgbClr val="000000"/>
+                </a:solidFill>
+                <a:effectLst/>
+              </a:rPr>
+            </a:br>
+            <a:r>
+              <a:rPr lang="en-US" sz="8000" b="0" i="0" dirty="0">
+                <a:solidFill>
+                  <a:srgbClr val="000000"/>
+                </a:solidFill>
+                <a:effectLst/>
+              </a:rPr>
+              <a:t>1. Branch on Equal: (Opcode – 1011)               BEQ reg1, </a:t>
+            </a:r>
+            <a:r>
+              <a:rPr lang="en-US" sz="8000" dirty="0">
+                <a:solidFill>
+                  <a:srgbClr val="000000"/>
+                </a:solidFill>
+              </a:rPr>
+              <a:t>reg</a:t>
+            </a:r>
+            <a:r>
+              <a:rPr lang="en-US" sz="8000" b="0" i="0" dirty="0">
+                <a:solidFill>
+                  <a:srgbClr val="000000"/>
+                </a:solidFill>
+                <a:effectLst/>
+              </a:rPr>
+              <a:t>2, offset</a:t>
+            </a:r>
+            <a:br>
+              <a:rPr lang="en-US" sz="8000" b="0" i="0" dirty="0">
+                <a:solidFill>
+                  <a:srgbClr val="000000"/>
+                </a:solidFill>
+                <a:effectLst/>
+              </a:rPr>
+            </a:br>
+            <a:r>
+              <a:rPr lang="en-US" sz="8000" b="0" i="0" dirty="0">
+                <a:solidFill>
+                  <a:srgbClr val="000000"/>
+                </a:solidFill>
+                <a:effectLst/>
+              </a:rPr>
+              <a:t>               Branch to (PC + 1 + (offset &lt;&lt; 1))       when reg1 = reg2</a:t>
+            </a:r>
+          </a:p>
+          <a:p>
+            <a:pPr marL="0" indent="0" algn="l">
+              <a:buNone/>
+            </a:pPr>
+            <a:br>
+              <a:rPr lang="en-US" sz="8000" b="0" i="0" dirty="0">
+                <a:solidFill>
+                  <a:srgbClr val="000000"/>
+                </a:solidFill>
+                <a:effectLst/>
+              </a:rPr>
+            </a:br>
+            <a:r>
+              <a:rPr lang="en-US" sz="8000" b="0" i="0" dirty="0">
+                <a:solidFill>
+                  <a:srgbClr val="000000"/>
+                </a:solidFill>
+                <a:effectLst/>
+              </a:rPr>
+              <a:t>2. Branch on Not Equal: (Opcode – 1100)              </a:t>
+            </a:r>
+            <a:r>
+              <a:rPr lang="en-US" sz="8000" b="0" i="0">
+                <a:solidFill>
+                  <a:srgbClr val="000000"/>
+                </a:solidFill>
+                <a:effectLst/>
+              </a:rPr>
+              <a:t>BNE reg1, reg2</a:t>
+            </a:r>
+            <a:r>
+              <a:rPr lang="en-US" sz="8000" b="0" i="0" dirty="0">
+                <a:solidFill>
+                  <a:srgbClr val="000000"/>
+                </a:solidFill>
+                <a:effectLst/>
+              </a:rPr>
+              <a:t>, offset</a:t>
+            </a:r>
+            <a:br>
+              <a:rPr lang="en-US" sz="8000" b="0" i="0" dirty="0">
+                <a:solidFill>
+                  <a:srgbClr val="000000"/>
+                </a:solidFill>
+                <a:effectLst/>
+              </a:rPr>
+            </a:br>
+            <a:r>
+              <a:rPr lang="en-US" sz="8000" b="0" i="0" dirty="0">
+                <a:solidFill>
+                  <a:srgbClr val="000000"/>
+                </a:solidFill>
+                <a:effectLst/>
+              </a:rPr>
+              <a:t>              Branch to (PC + 1 + (offset &lt;&lt; 1)) </a:t>
+            </a:r>
+            <a:r>
+              <a:rPr lang="en-US" sz="8000" b="0" i="0">
+                <a:solidFill>
+                  <a:srgbClr val="000000"/>
+                </a:solidFill>
+                <a:effectLst/>
+              </a:rPr>
+              <a:t>when reg1 != reg2</a:t>
+            </a:r>
+            <a:endParaRPr lang="en-US" sz="8000" b="0" i="0" dirty="0">
+              <a:solidFill>
+                <a:srgbClr val="000000"/>
+              </a:solidFill>
+              <a:effectLst/>
+            </a:endParaRPr>
+          </a:p>
+          <a:p>
+            <a:pPr marL="0" indent="0" algn="l">
+              <a:buNone/>
+            </a:pPr>
+            <a:br>
+              <a:rPr lang="en-US" sz="8000" b="0" i="0" dirty="0">
+                <a:solidFill>
+                  <a:srgbClr val="000000"/>
+                </a:solidFill>
+                <a:effectLst/>
+              </a:rPr>
+            </a:br>
+            <a:r>
+              <a:rPr lang="en-US" sz="8000" b="0" i="0" dirty="0">
+                <a:solidFill>
+                  <a:srgbClr val="000000"/>
+                </a:solidFill>
+                <a:effectLst/>
+              </a:rPr>
+              <a:t>3. Jump: JMP offset Jump to offset (Opcode – 1101)</a:t>
+            </a:r>
+          </a:p>
+          <a:p>
             <a:endParaRPr lang="en-US" dirty="0"/>
           </a:p>
         </p:txBody>
@@ -7421,7 +9175,7 @@
     </p:spTree>
     <p:extLst>
       <p:ext uri="{BB962C8B-B14F-4D97-AF65-F5344CB8AC3E}">
-        <p14:creationId xmlns:p14="http://schemas.microsoft.com/office/powerpoint/2010/main" val="3986795051"/>
+        <p14:creationId xmlns:p14="http://schemas.microsoft.com/office/powerpoint/2010/main" val="86330892"/>
       </p:ext>
     </p:extLst>
   </p:cSld>
